--- a/final project/Demo.pptx
+++ b/final project/Demo.pptx
@@ -6278,7 +6278,7 @@
           <a:lstStyle/>
           <a:p>
             <a:r>
-              <a:rPr lang="zh-TW" altLang="en-US" sz="3600" dirty="0" smtClean="0">
+              <a:rPr lang="zh-TW" altLang="en-US" sz="3600" dirty="0">
                 <a:ea typeface="맑은 고딕" pitchFamily="50" charset="-127"/>
               </a:rPr>
               <a:t>基金投資推薦</a:t>
@@ -6309,14 +6309,14 @@
               <a:defRPr/>
             </a:pPr>
             <a:r>
-              <a:rPr lang="zh-TW" altLang="en-US" b="1" dirty="0" smtClean="0">
+              <a:rPr lang="zh-TW" altLang="en-US" b="1" dirty="0">
                 <a:latin typeface="Malgun Gothic Semilight" panose="020B0502040204020203" pitchFamily="34" charset="-120"/>
                 <a:ea typeface="Malgun Gothic Semilight" panose="020B0502040204020203" pitchFamily="34" charset="-120"/>
                 <a:cs typeface="Malgun Gothic Semilight" panose="020B0502040204020203" pitchFamily="34" charset="-120"/>
               </a:rPr>
               <a:t>從歷史資料建立資料庫</a:t>
             </a:r>
-            <a:endParaRPr lang="en-US" altLang="zh-TW" b="1" dirty="0" smtClean="0">
+            <a:endParaRPr lang="en-US" altLang="zh-TW" b="1" dirty="0">
               <a:latin typeface="Malgun Gothic Semilight" panose="020B0502040204020203" pitchFamily="34" charset="-120"/>
               <a:ea typeface="Malgun Gothic Semilight" panose="020B0502040204020203" pitchFamily="34" charset="-120"/>
               <a:cs typeface="Malgun Gothic Semilight" panose="020B0502040204020203" pitchFamily="34" charset="-120"/>
@@ -6330,14 +6330,14 @@
               <a:defRPr/>
             </a:pPr>
             <a:r>
-              <a:rPr lang="zh-TW" altLang="en-US" b="1" dirty="0" smtClean="0">
+              <a:rPr lang="zh-TW" altLang="en-US" b="1" dirty="0">
                 <a:latin typeface="Malgun Gothic Semilight" panose="020B0502040204020203" pitchFamily="34" charset="-120"/>
                 <a:ea typeface="Malgun Gothic Semilight" panose="020B0502040204020203" pitchFamily="34" charset="-120"/>
                 <a:cs typeface="Malgun Gothic Semilight" panose="020B0502040204020203" pitchFamily="34" charset="-120"/>
               </a:rPr>
               <a:t>作為分散風險的依據</a:t>
             </a:r>
-            <a:endParaRPr lang="en-US" altLang="zh-TW" b="1" dirty="0" smtClean="0">
+            <a:endParaRPr lang="en-US" altLang="zh-TW" b="1" dirty="0">
               <a:latin typeface="Malgun Gothic Semilight" panose="020B0502040204020203" pitchFamily="34" charset="-120"/>
               <a:ea typeface="Malgun Gothic Semilight" panose="020B0502040204020203" pitchFamily="34" charset="-120"/>
               <a:cs typeface="Malgun Gothic Semilight" panose="020B0502040204020203" pitchFamily="34" charset="-120"/>
@@ -6398,13 +6398,6 @@
   <p:clrMapOvr>
     <a:masterClrMapping/>
   </p:clrMapOvr>
-  <p:timing>
-    <p:tnLst>
-      <p:par>
-        <p:cTn id="1" dur="indefinite" restart="never" nodeType="tmRoot"/>
-      </p:par>
-    </p:tnLst>
-  </p:timing>
 </p:sld>
 </file>
 
@@ -6446,20 +6439,12 @@
           <a:lstStyle/>
           <a:p>
             <a:r>
-              <a:rPr lang="zh-TW" altLang="en-US" dirty="0" smtClean="0">
-                <a:latin typeface="Malgun Gothic Semilight" panose="020B0502040204020203" pitchFamily="34" charset="-120"/>
-                <a:ea typeface="Malgun Gothic Semilight" panose="020B0502040204020203" pitchFamily="34" charset="-120"/>
-                <a:cs typeface="Malgun Gothic Semilight" panose="020B0502040204020203" pitchFamily="34" charset="-120"/>
-              </a:rPr>
-              <a:t>問</a:t>
-            </a:r>
-            <a:r>
               <a:rPr lang="zh-TW" altLang="en-US" dirty="0">
                 <a:latin typeface="Malgun Gothic Semilight" panose="020B0502040204020203" pitchFamily="34" charset="-120"/>
                 <a:ea typeface="Malgun Gothic Semilight" panose="020B0502040204020203" pitchFamily="34" charset="-120"/>
                 <a:cs typeface="Malgun Gothic Semilight" panose="020B0502040204020203" pitchFamily="34" charset="-120"/>
               </a:rPr>
-              <a:t>題</a:t>
+              <a:t>問題</a:t>
             </a:r>
             <a:endParaRPr lang="ko-KR" altLang="en-US" dirty="0">
               <a:latin typeface="Malgun Gothic Semilight" panose="020B0502040204020203" pitchFamily="34" charset="-120"/>
@@ -6478,7 +6463,7 @@
         <p:spPr>
           <a:xfrm>
             <a:off x="827584" y="771551"/>
-            <a:ext cx="7560840" cy="1685846"/>
+            <a:ext cx="7560840" cy="1682961"/>
           </a:xfrm>
           <a:prstGeom prst="rect">
             <a:avLst/>
@@ -6502,7 +6487,7 @@
               <a:buChar char="•"/>
             </a:pPr>
             <a:r>
-              <a:rPr lang="zh-TW" altLang="en-US" sz="2400" dirty="0" smtClean="0">
+              <a:rPr lang="zh-TW" altLang="en-US" sz="2400" dirty="0">
                 <a:solidFill>
                   <a:schemeClr val="tx1">
                     <a:lumMod val="75000"/>
@@ -6515,7 +6500,7 @@
               </a:rPr>
               <a:t>投資一定有風險，基金投資有賺有賠</a:t>
             </a:r>
-            <a:endParaRPr lang="en-US" altLang="zh-TW" sz="2400" dirty="0" smtClean="0">
+            <a:endParaRPr lang="en-US" altLang="zh-TW" sz="2400" dirty="0">
               <a:solidFill>
                 <a:schemeClr val="tx1">
                   <a:lumMod val="75000"/>
@@ -6539,7 +6524,7 @@
               <a:buChar char="•"/>
             </a:pPr>
             <a:r>
-              <a:rPr lang="zh-TW" altLang="en-US" sz="2400" dirty="0" smtClean="0">
+              <a:rPr lang="zh-CN" altLang="en-US" sz="2400" dirty="0">
                 <a:solidFill>
                   <a:schemeClr val="tx1">
                     <a:lumMod val="75000"/>
@@ -6550,33 +6535,10 @@
                 <a:ea typeface="Malgun Gothic Semilight" panose="020B0502040204020203" pitchFamily="34" charset="-120"/>
                 <a:cs typeface="Malgun Gothic Semilight" panose="020B0502040204020203" pitchFamily="34" charset="-120"/>
               </a:rPr>
-              <a:t>投資組合有助於分散風險</a:t>
+              <a:t>台灣可購買的境內境外基金共六千餘支，</a:t>
             </a:r>
-            <a:endParaRPr lang="en-US" altLang="zh-TW" sz="2400" dirty="0" smtClean="0">
-              <a:solidFill>
-                <a:schemeClr val="tx1">
-                  <a:lumMod val="75000"/>
-                  <a:lumOff val="25000"/>
-                </a:schemeClr>
-              </a:solidFill>
-              <a:latin typeface="Malgun Gothic Semilight" panose="020B0502040204020203" pitchFamily="34" charset="-120"/>
-              <a:ea typeface="Malgun Gothic Semilight" panose="020B0502040204020203" pitchFamily="34" charset="-120"/>
-              <a:cs typeface="Malgun Gothic Semilight" panose="020B0502040204020203" pitchFamily="34" charset="-120"/>
-            </a:endParaRPr>
-          </a:p>
-          <a:p>
-            <a:pPr marL="342900" indent="-342900">
-              <a:lnSpc>
-                <a:spcPct val="150000"/>
-              </a:lnSpc>
-              <a:buClr>
-                <a:schemeClr val="accent1"/>
-              </a:buClr>
-              <a:buFont typeface="Arial" panose="020B0604020202020204" pitchFamily="34" charset="0"/>
-              <a:buChar char="•"/>
-            </a:pPr>
-            <a:r>
-              <a:rPr lang="zh-TW" altLang="en-US" sz="2400" dirty="0" smtClean="0">
+            <a:br>
+              <a:rPr lang="en-US" altLang="zh-CN" sz="2400" dirty="0">
                 <a:solidFill>
                   <a:schemeClr val="tx1">
                     <a:lumMod val="75000"/>
@@ -6587,7 +6549,20 @@
                 <a:ea typeface="Malgun Gothic Semilight" panose="020B0502040204020203" pitchFamily="34" charset="-120"/>
                 <a:cs typeface="Malgun Gothic Semilight" panose="020B0502040204020203" pitchFamily="34" charset="-120"/>
               </a:rPr>
-              <a:t>沒有基金資料庫能說明哪些基金組合更能分散風險</a:t>
+            </a:br>
+            <a:r>
+              <a:rPr lang="zh-CN" altLang="en-US" sz="2400" dirty="0">
+                <a:solidFill>
+                  <a:schemeClr val="tx1">
+                    <a:lumMod val="75000"/>
+                    <a:lumOff val="25000"/>
+                  </a:schemeClr>
+                </a:solidFill>
+                <a:latin typeface="Malgun Gothic Semilight" panose="020B0502040204020203" pitchFamily="34" charset="-120"/>
+                <a:ea typeface="Malgun Gothic Semilight" panose="020B0502040204020203" pitchFamily="34" charset="-120"/>
+                <a:cs typeface="Malgun Gothic Semilight" panose="020B0502040204020203" pitchFamily="34" charset="-120"/>
+              </a:rPr>
+              <a:t>在投資人已買了基金後，如何更分散風險？</a:t>
             </a:r>
             <a:endParaRPr lang="en-US" altLang="ko-KR" sz="2400" dirty="0">
               <a:solidFill>
@@ -6613,13 +6588,6 @@
   <p:clrMapOvr>
     <a:masterClrMapping/>
   </p:clrMapOvr>
-  <p:timing>
-    <p:tnLst>
-      <p:par>
-        <p:cTn id="1" dur="indefinite" restart="never" nodeType="tmRoot"/>
-      </p:par>
-    </p:tnLst>
-  </p:timing>
 </p:sld>
 </file>
 
@@ -6661,20 +6629,12 @@
           <a:lstStyle/>
           <a:p>
             <a:r>
-              <a:rPr lang="zh-TW" altLang="en-US" dirty="0" smtClean="0">
-                <a:latin typeface="Malgun Gothic Semilight" panose="020B0502040204020203" pitchFamily="34" charset="-120"/>
-                <a:ea typeface="Malgun Gothic Semilight" panose="020B0502040204020203" pitchFamily="34" charset="-120"/>
-                <a:cs typeface="Malgun Gothic Semilight" panose="020B0502040204020203" pitchFamily="34" charset="-120"/>
-              </a:rPr>
-              <a:t>解決方</a:t>
-            </a:r>
-            <a:r>
               <a:rPr lang="zh-TW" altLang="en-US" dirty="0">
                 <a:latin typeface="Malgun Gothic Semilight" panose="020B0502040204020203" pitchFamily="34" charset="-120"/>
                 <a:ea typeface="Malgun Gothic Semilight" panose="020B0502040204020203" pitchFamily="34" charset="-120"/>
                 <a:cs typeface="Malgun Gothic Semilight" panose="020B0502040204020203" pitchFamily="34" charset="-120"/>
               </a:rPr>
-              <a:t>法</a:t>
+              <a:t>解決方法</a:t>
             </a:r>
             <a:endParaRPr lang="ko-KR" altLang="en-US" dirty="0">
               <a:latin typeface="Malgun Gothic Semilight" panose="020B0502040204020203" pitchFamily="34" charset="-120"/>
@@ -6693,7 +6653,7 @@
         <p:spPr>
           <a:xfrm>
             <a:off x="827584" y="771551"/>
-            <a:ext cx="7560840" cy="2308324"/>
+            <a:ext cx="7560840" cy="1682961"/>
           </a:xfrm>
           <a:prstGeom prst="rect">
             <a:avLst/>
@@ -6717,7 +6677,7 @@
               <a:buChar char="•"/>
             </a:pPr>
             <a:r>
-              <a:rPr lang="zh-TW" altLang="en-US" sz="2400" dirty="0" smtClean="0">
+              <a:rPr lang="zh-TW" altLang="en-US" sz="2400" dirty="0">
                 <a:solidFill>
                   <a:schemeClr val="tx1">
                     <a:lumMod val="75000"/>
@@ -6728,10 +6688,10 @@
                 <a:ea typeface="Malgun Gothic Semilight" panose="020B0502040204020203" pitchFamily="34" charset="-120"/>
                 <a:cs typeface="Malgun Gothic Semilight" panose="020B0502040204020203" pitchFamily="34" charset="-120"/>
               </a:rPr>
-              <a:t>利用自動爬蟲爬</a:t>
+              <a:t>爬取</a:t>
             </a:r>
             <a:r>
-              <a:rPr lang="zh-TW" altLang="en-US" sz="2400" dirty="0" smtClean="0">
+              <a:rPr lang="en-US" altLang="zh-TW" sz="2400" dirty="0">
                 <a:solidFill>
                   <a:schemeClr val="tx1">
                     <a:lumMod val="75000"/>
@@ -6742,10 +6702,10 @@
                 <a:ea typeface="Malgun Gothic Semilight" panose="020B0502040204020203" pitchFamily="34" charset="-120"/>
                 <a:cs typeface="Malgun Gothic Semilight" panose="020B0502040204020203" pitchFamily="34" charset="-120"/>
               </a:rPr>
-              <a:t>取</a:t>
+              <a:t>6192</a:t>
             </a:r>
             <a:r>
-              <a:rPr lang="en-US" altLang="zh-TW" sz="2400" dirty="0" smtClean="0">
+              <a:rPr lang="zh-CN" altLang="en-US" sz="2400" dirty="0">
                 <a:solidFill>
                   <a:schemeClr val="tx1">
                     <a:lumMod val="75000"/>
@@ -6756,72 +6716,7 @@
                 <a:ea typeface="Malgun Gothic Semilight" panose="020B0502040204020203" pitchFamily="34" charset="-120"/>
                 <a:cs typeface="Malgun Gothic Semilight" panose="020B0502040204020203" pitchFamily="34" charset="-120"/>
               </a:rPr>
-              <a:t>6182</a:t>
-            </a:r>
-            <a:r>
-              <a:rPr lang="en-US" altLang="zh-TW" sz="2400" dirty="0" smtClean="0">
-                <a:solidFill>
-                  <a:schemeClr val="tx1">
-                    <a:lumMod val="75000"/>
-                    <a:lumOff val="25000"/>
-                  </a:schemeClr>
-                </a:solidFill>
-                <a:latin typeface="Malgun Gothic Semilight" panose="020B0502040204020203" pitchFamily="34" charset="-120"/>
-                <a:ea typeface="Malgun Gothic Semilight" panose="020B0502040204020203" pitchFamily="34" charset="-120"/>
-                <a:cs typeface="Malgun Gothic Semilight" panose="020B0502040204020203" pitchFamily="34" charset="-120"/>
-              </a:rPr>
-              <a:t>(?)</a:t>
-            </a:r>
-            <a:r>
-              <a:rPr lang="zh-TW" altLang="en-US" sz="2400" dirty="0" smtClean="0">
-                <a:solidFill>
-                  <a:schemeClr val="tx1">
-                    <a:lumMod val="75000"/>
-                    <a:lumOff val="25000"/>
-                  </a:schemeClr>
-                </a:solidFill>
-                <a:latin typeface="Malgun Gothic Semilight" panose="020B0502040204020203" pitchFamily="34" charset="-120"/>
-                <a:ea typeface="Malgun Gothic Semilight" panose="020B0502040204020203" pitchFamily="34" charset="-120"/>
-                <a:cs typeface="Malgun Gothic Semilight" panose="020B0502040204020203" pitchFamily="34" charset="-120"/>
-              </a:rPr>
-              <a:t>項基金的淨值歷史資料</a:t>
-            </a:r>
-            <a:endParaRPr lang="en-US" altLang="zh-TW" sz="2400" dirty="0" smtClean="0">
-              <a:solidFill>
-                <a:schemeClr val="tx1">
-                  <a:lumMod val="75000"/>
-                  <a:lumOff val="25000"/>
-                </a:schemeClr>
-              </a:solidFill>
-              <a:latin typeface="Malgun Gothic Semilight" panose="020B0502040204020203" pitchFamily="34" charset="-120"/>
-              <a:ea typeface="Malgun Gothic Semilight" panose="020B0502040204020203" pitchFamily="34" charset="-120"/>
-              <a:cs typeface="Malgun Gothic Semilight" panose="020B0502040204020203" pitchFamily="34" charset="-120"/>
-            </a:endParaRPr>
-          </a:p>
-          <a:p>
-            <a:pPr marL="342900" indent="-342900">
-              <a:lnSpc>
-                <a:spcPct val="150000"/>
-              </a:lnSpc>
-              <a:buClr>
-                <a:schemeClr val="accent1"/>
-              </a:buClr>
-              <a:buFont typeface="Arial" panose="020B0604020202020204" pitchFamily="34" charset="0"/>
-              <a:buChar char="•"/>
-            </a:pPr>
-            <a:r>
-              <a:rPr lang="zh-TW" altLang="en-US" sz="2400" dirty="0" smtClean="0">
-                <a:solidFill>
-                  <a:schemeClr val="tx1">
-                    <a:lumMod val="75000"/>
-                    <a:lumOff val="25000"/>
-                  </a:schemeClr>
-                </a:solidFill>
-                <a:latin typeface="Malgun Gothic Semilight" panose="020B0502040204020203" pitchFamily="34" charset="-120"/>
-                <a:ea typeface="Malgun Gothic Semilight" panose="020B0502040204020203" pitchFamily="34" charset="-120"/>
-                <a:cs typeface="Malgun Gothic Semilight" panose="020B0502040204020203" pitchFamily="34" charset="-120"/>
-              </a:rPr>
-              <a:t>簡化成</a:t>
+              <a:t>檔</a:t>
             </a:r>
             <a:r>
               <a:rPr lang="zh-TW" altLang="en-US" sz="2400" dirty="0">
@@ -6835,23 +6730,9 @@
                 <a:ea typeface="Malgun Gothic Semilight" panose="020B0502040204020203" pitchFamily="34" charset="-120"/>
                 <a:cs typeface="Malgun Gothic Semilight" panose="020B0502040204020203" pitchFamily="34" charset="-120"/>
               </a:rPr>
-              <a:t>周</a:t>
+              <a:t>基金的淨值歷史週資料，建立資料庫</a:t>
             </a:r>
-            <a:r>
-              <a:rPr lang="zh-TW" altLang="en-US" sz="2400" dirty="0" smtClean="0">
-                <a:solidFill>
-                  <a:schemeClr val="tx1">
-                    <a:lumMod val="75000"/>
-                    <a:lumOff val="25000"/>
-                  </a:schemeClr>
-                </a:solidFill>
-                <a:latin typeface="Malgun Gothic Semilight" panose="020B0502040204020203" pitchFamily="34" charset="-120"/>
-                <a:ea typeface="Malgun Gothic Semilight" panose="020B0502040204020203" pitchFamily="34" charset="-120"/>
-                <a:cs typeface="Malgun Gothic Semilight" panose="020B0502040204020203" pitchFamily="34" charset="-120"/>
-              </a:rPr>
-              <a:t>資料並減去無風險利率</a:t>
-            </a:r>
-            <a:endParaRPr lang="en-US" altLang="zh-TW" sz="2400" dirty="0" smtClean="0">
+            <a:endParaRPr lang="en-US" altLang="zh-TW" sz="2400" dirty="0">
               <a:solidFill>
                 <a:schemeClr val="tx1">
                   <a:lumMod val="75000"/>
@@ -6874,20 +6755,6 @@
               <a:buFont typeface="Arial" panose="020B0604020202020204" pitchFamily="34" charset="0"/>
               <a:buChar char="•"/>
             </a:pPr>
-            <a:r>
-              <a:rPr lang="zh-TW" altLang="en-US" sz="2400" dirty="0" smtClean="0">
-                <a:solidFill>
-                  <a:schemeClr val="tx1">
-                    <a:lumMod val="75000"/>
-                    <a:lumOff val="25000"/>
-                  </a:schemeClr>
-                </a:solidFill>
-                <a:latin typeface="Malgun Gothic Semilight" panose="020B0502040204020203" pitchFamily="34" charset="-120"/>
-                <a:ea typeface="Malgun Gothic Semilight" panose="020B0502040204020203" pitchFamily="34" charset="-120"/>
-                <a:cs typeface="Malgun Gothic Semilight" panose="020B0502040204020203" pitchFamily="34" charset="-120"/>
-              </a:rPr>
-              <a:t>利用</a:t>
-            </a:r>
             <a:r>
               <a:rPr lang="zh-TW" altLang="en-US" sz="2400" dirty="0">
                 <a:solidFill>
@@ -6900,23 +6767,9 @@
                 <a:ea typeface="Malgun Gothic Semilight" panose="020B0502040204020203" pitchFamily="34" charset="-120"/>
                 <a:cs typeface="Malgun Gothic Semilight" panose="020B0502040204020203" pitchFamily="34" charset="-120"/>
               </a:rPr>
-              <a:t>此</a:t>
+              <a:t>計算長期與短期的相關係數，相關係數越小代表越能分散風險</a:t>
             </a:r>
-            <a:r>
-              <a:rPr lang="zh-TW" altLang="en-US" sz="2400" dirty="0" smtClean="0">
-                <a:solidFill>
-                  <a:schemeClr val="tx1">
-                    <a:lumMod val="75000"/>
-                    <a:lumOff val="25000"/>
-                  </a:schemeClr>
-                </a:solidFill>
-                <a:latin typeface="Malgun Gothic Semilight" panose="020B0502040204020203" pitchFamily="34" charset="-120"/>
-                <a:ea typeface="Malgun Gothic Semilight" panose="020B0502040204020203" pitchFamily="34" charset="-120"/>
-                <a:cs typeface="Malgun Gothic Semilight" panose="020B0502040204020203" pitchFamily="34" charset="-120"/>
-              </a:rPr>
-              <a:t>資料計算長期與短期的相關係數，相關係數越小代表此一組合越能分散風險</a:t>
-            </a:r>
-            <a:endParaRPr lang="en-US" altLang="zh-TW" sz="2400" dirty="0" smtClean="0">
+            <a:endParaRPr lang="en-US" altLang="zh-TW" sz="2400" dirty="0">
               <a:solidFill>
                 <a:schemeClr val="tx1">
                   <a:lumMod val="75000"/>
@@ -6940,13 +6793,6 @@
   <p:clrMapOvr>
     <a:masterClrMapping/>
   </p:clrMapOvr>
-  <p:timing>
-    <p:tnLst>
-      <p:par>
-        <p:cTn id="1" dur="indefinite" restart="never" nodeType="tmRoot"/>
-      </p:par>
-    </p:tnLst>
-  </p:timing>
 </p:sld>
 </file>
 
@@ -7081,7 +6927,7 @@
           <a:p>
             <a:pPr algn="ctr"/>
             <a:r>
-              <a:rPr lang="zh-TW" altLang="en-US" sz="3600" dirty="0" smtClean="0">
+              <a:rPr lang="zh-TW" altLang="en-US" sz="3600" dirty="0">
                 <a:solidFill>
                   <a:schemeClr val="bg1"/>
                 </a:solidFill>
@@ -7091,14 +6937,6 @@
               </a:rPr>
               <a:t>我們的團隊</a:t>
             </a:r>
-            <a:endParaRPr lang="zh-TW" altLang="en-US" sz="3600" dirty="0">
-              <a:solidFill>
-                <a:schemeClr val="bg1"/>
-              </a:solidFill>
-              <a:latin typeface="Malgun Gothic Semilight" panose="020B0502040204020203" pitchFamily="34" charset="-120"/>
-              <a:ea typeface="Malgun Gothic Semilight" panose="020B0502040204020203" pitchFamily="34" charset="-120"/>
-              <a:cs typeface="Malgun Gothic Semilight" panose="020B0502040204020203" pitchFamily="34" charset="-120"/>
-            </a:endParaRPr>
           </a:p>
         </p:txBody>
       </p:sp>
@@ -7139,14 +6977,14 @@
           <a:p>
             <a:pPr algn="ctr"/>
             <a:r>
-              <a:rPr lang="zh-TW" altLang="en-US" dirty="0" smtClean="0">
+              <a:rPr lang="zh-TW" altLang="en-US" dirty="0">
                 <a:latin typeface="Malgun Gothic Semilight" panose="020B0502040204020203" pitchFamily="34" charset="-120"/>
                 <a:ea typeface="Malgun Gothic Semilight" panose="020B0502040204020203" pitchFamily="34" charset="-120"/>
                 <a:cs typeface="Malgun Gothic Semilight" panose="020B0502040204020203" pitchFamily="34" charset="-120"/>
               </a:rPr>
               <a:t>台大財金所碩二</a:t>
             </a:r>
-            <a:endParaRPr lang="en-US" altLang="zh-TW" dirty="0" smtClean="0">
+            <a:endParaRPr lang="en-US" altLang="zh-TW" dirty="0">
               <a:latin typeface="Malgun Gothic Semilight" panose="020B0502040204020203" pitchFamily="34" charset="-120"/>
               <a:ea typeface="Malgun Gothic Semilight" panose="020B0502040204020203" pitchFamily="34" charset="-120"/>
               <a:cs typeface="Malgun Gothic Semilight" panose="020B0502040204020203" pitchFamily="34" charset="-120"/>
@@ -7191,14 +7029,14 @@
           <a:p>
             <a:pPr algn="ctr"/>
             <a:r>
-              <a:rPr lang="zh-TW" altLang="en-US" dirty="0" smtClean="0">
+              <a:rPr lang="zh-TW" altLang="en-US" dirty="0">
                 <a:latin typeface="Malgun Gothic Semilight" panose="020B0502040204020203" pitchFamily="34" charset="-120"/>
                 <a:ea typeface="Malgun Gothic Semilight" panose="020B0502040204020203" pitchFamily="34" charset="-120"/>
                 <a:cs typeface="Malgun Gothic Semilight" panose="020B0502040204020203" pitchFamily="34" charset="-120"/>
               </a:rPr>
               <a:t>台大財金系大四</a:t>
             </a:r>
-            <a:endParaRPr lang="en-US" altLang="zh-TW" dirty="0" smtClean="0">
+            <a:endParaRPr lang="en-US" altLang="zh-TW" dirty="0">
               <a:latin typeface="Malgun Gothic Semilight" panose="020B0502040204020203" pitchFamily="34" charset="-120"/>
               <a:ea typeface="Malgun Gothic Semilight" panose="020B0502040204020203" pitchFamily="34" charset="-120"/>
               <a:cs typeface="Malgun Gothic Semilight" panose="020B0502040204020203" pitchFamily="34" charset="-120"/>
@@ -7248,14 +7086,14 @@
           <a:p>
             <a:pPr algn="ctr"/>
             <a:r>
-              <a:rPr lang="zh-TW" altLang="en-US" dirty="0" smtClean="0">
+              <a:rPr lang="zh-TW" altLang="en-US" dirty="0">
                 <a:latin typeface="Malgun Gothic Semilight" panose="020B0502040204020203" pitchFamily="34" charset="-120"/>
                 <a:ea typeface="Malgun Gothic Semilight" panose="020B0502040204020203" pitchFamily="34" charset="-120"/>
                 <a:cs typeface="Malgun Gothic Semilight" panose="020B0502040204020203" pitchFamily="34" charset="-120"/>
               </a:rPr>
               <a:t>台大資工系大二</a:t>
             </a:r>
-            <a:endParaRPr lang="en-US" altLang="zh-TW" dirty="0" smtClean="0">
+            <a:endParaRPr lang="en-US" altLang="zh-TW" dirty="0">
               <a:latin typeface="Malgun Gothic Semilight" panose="020B0502040204020203" pitchFamily="34" charset="-120"/>
               <a:ea typeface="Malgun Gothic Semilight" panose="020B0502040204020203" pitchFamily="34" charset="-120"/>
               <a:cs typeface="Malgun Gothic Semilight" panose="020B0502040204020203" pitchFamily="34" charset="-120"/>
@@ -7273,13 +7111,6 @@
   <p:clrMapOvr>
     <a:masterClrMapping/>
   </p:clrMapOvr>
-  <p:timing>
-    <p:tnLst>
-      <p:par>
-        <p:cTn id="1" dur="indefinite" restart="never" nodeType="tmRoot"/>
-      </p:par>
-    </p:tnLst>
-  </p:timing>
 </p:sld>
 </file>
 
@@ -7316,7 +7147,7 @@
           <a:lstStyle/>
           <a:p>
             <a:r>
-              <a:rPr lang="en-US" altLang="zh-TW" dirty="0" smtClean="0">
+              <a:rPr lang="en-US" altLang="zh-TW" dirty="0">
                 <a:latin typeface="Malgun Gothic Semilight" panose="020B0502040204020203" pitchFamily="34" charset="-120"/>
                 <a:ea typeface="Malgun Gothic Semilight" panose="020B0502040204020203" pitchFamily="34" charset="-120"/>
                 <a:cs typeface="Malgun Gothic Semilight" panose="020B0502040204020203" pitchFamily="34" charset="-120"/>
@@ -7341,13 +7172,6 @@
   <p:clrMapOvr>
     <a:masterClrMapping/>
   </p:clrMapOvr>
-  <p:timing>
-    <p:tnLst>
-      <p:par>
-        <p:cTn id="1" dur="indefinite" restart="never" nodeType="tmRoot"/>
-      </p:par>
-    </p:tnLst>
-  </p:timing>
 </p:sld>
 </file>
 
@@ -7653,7 +7477,7 @@
             <a:lstStyle/>
             <a:p>
               <a:r>
-                <a:rPr lang="zh-TW" altLang="en-US" sz="1200" dirty="0" smtClean="0">
+                <a:rPr lang="zh-TW" altLang="en-US" sz="1200" dirty="0">
                   <a:solidFill>
                     <a:schemeClr val="bg1"/>
                   </a:solidFill>
@@ -7664,7 +7488,7 @@
                 <a:t>利用</a:t>
               </a:r>
               <a:r>
-                <a:rPr lang="en-US" altLang="zh-TW" sz="1200" i="1" dirty="0" smtClean="0">
+                <a:rPr lang="en-US" altLang="zh-TW" sz="1200" i="1" dirty="0">
                   <a:ea typeface="Malgun Gothic Semilight" panose="020B0502040204020203" pitchFamily="34" charset="-120"/>
                   <a:cs typeface="Malgun Gothic Semilight" panose="020B0502040204020203" pitchFamily="34" charset="-120"/>
                   <a:hlinkClick r:id="rId2"/>
@@ -7672,7 +7496,7 @@
                 <a:t>yahoo</a:t>
               </a:r>
               <a:r>
-                <a:rPr lang="zh-TW" altLang="en-US" sz="1200" dirty="0" smtClean="0">
+                <a:rPr lang="zh-TW" altLang="en-US" sz="1200" dirty="0">
                   <a:solidFill>
                     <a:schemeClr val="bg1"/>
                   </a:solidFill>
@@ -7716,39 +7540,6 @@
             <a:lstStyle/>
             <a:p>
               <a:r>
-                <a:rPr lang="zh-TW" altLang="en-US" sz="1400" b="1" dirty="0" smtClean="0">
-                  <a:solidFill>
-                    <a:schemeClr val="bg1"/>
-                  </a:solidFill>
-                  <a:latin typeface="Malgun Gothic Semilight" panose="020B0502040204020203" pitchFamily="34" charset="-120"/>
-                  <a:ea typeface="Malgun Gothic Semilight" panose="020B0502040204020203" pitchFamily="34" charset="-120"/>
-                  <a:cs typeface="Malgun Gothic Semilight" panose="020B0502040204020203" pitchFamily="34" charset="-120"/>
-                </a:rPr>
-                <a:t>取得</a:t>
-              </a:r>
-              <a:r>
-                <a:rPr lang="zh-TW" altLang="en-US" sz="1400" b="1" dirty="0" smtClean="0">
-                  <a:solidFill>
-                    <a:schemeClr val="bg1"/>
-                  </a:solidFill>
-                  <a:latin typeface="Malgun Gothic Semilight" panose="020B0502040204020203" pitchFamily="34" charset="-120"/>
-                  <a:ea typeface="Malgun Gothic Semilight" panose="020B0502040204020203" pitchFamily="34" charset="-120"/>
-                  <a:cs typeface="Malgun Gothic Semilight" panose="020B0502040204020203" pitchFamily="34" charset="-120"/>
-                </a:rPr>
-                <a:t>基金</a:t>
-              </a:r>
-              <a:r>
-                <a:rPr lang="zh-TW" altLang="en-US" sz="1400" b="1" dirty="0" smtClean="0">
-                  <a:solidFill>
-                    <a:schemeClr val="bg1"/>
-                  </a:solidFill>
-                  <a:latin typeface="Malgun Gothic Semilight" panose="020B0502040204020203" pitchFamily="34" charset="-120"/>
-                  <a:ea typeface="Malgun Gothic Semilight" panose="020B0502040204020203" pitchFamily="34" charset="-120"/>
-                  <a:cs typeface="Malgun Gothic Semilight" panose="020B0502040204020203" pitchFamily="34" charset="-120"/>
-                </a:rPr>
-                <a:t>名</a:t>
-              </a:r>
-              <a:r>
                 <a:rPr lang="zh-TW" altLang="en-US" sz="1400" b="1" dirty="0">
                   <a:solidFill>
                     <a:schemeClr val="bg1"/>
@@ -7757,7 +7548,7 @@
                   <a:ea typeface="Malgun Gothic Semilight" panose="020B0502040204020203" pitchFamily="34" charset="-120"/>
                   <a:cs typeface="Malgun Gothic Semilight" panose="020B0502040204020203" pitchFamily="34" charset="-120"/>
                 </a:rPr>
-                <a:t>稱</a:t>
+                <a:t>取得基金名稱</a:t>
               </a:r>
               <a:endParaRPr lang="ko-KR" altLang="en-US" sz="1400" b="1" dirty="0">
                 <a:solidFill>
@@ -7808,7 +7599,7 @@
             <a:lstStyle/>
             <a:p>
               <a:r>
-                <a:rPr lang="zh-TW" altLang="en-US" sz="1200" dirty="0" smtClean="0">
+                <a:rPr lang="zh-TW" altLang="en-US" sz="1200" dirty="0">
                   <a:solidFill>
                     <a:schemeClr val="bg1"/>
                   </a:solidFill>
@@ -7819,7 +7610,7 @@
                 <a:t>在</a:t>
               </a:r>
               <a:r>
-                <a:rPr lang="en-US" altLang="zh-TW" sz="1200" i="1" dirty="0" smtClean="0">
+                <a:rPr lang="en-US" altLang="zh-TW" sz="1200" i="1" dirty="0">
                   <a:ea typeface="+mj-ea"/>
                   <a:cs typeface="Malgun Gothic Semilight" panose="020B0502040204020203" pitchFamily="34" charset="-120"/>
                   <a:hlinkClick r:id="rId2"/>
@@ -7827,7 +7618,7 @@
                 <a:t>yahoo</a:t>
               </a:r>
               <a:r>
-                <a:rPr lang="zh-TW" altLang="en-US" sz="1200" dirty="0" smtClean="0">
+                <a:rPr lang="zh-TW" altLang="en-US" sz="1200" dirty="0">
                   <a:solidFill>
                     <a:schemeClr val="bg1"/>
                   </a:solidFill>
@@ -7838,7 +7629,7 @@
                 <a:t>上爬取</a:t>
               </a:r>
               <a:r>
-                <a:rPr lang="en-US" altLang="zh-TW" sz="1200" dirty="0" smtClean="0">
+                <a:rPr lang="en-US" altLang="zh-TW" sz="1200" dirty="0">
                   <a:solidFill>
                     <a:schemeClr val="bg1"/>
                   </a:solidFill>
@@ -7849,7 +7640,7 @@
                 <a:t>3</a:t>
               </a:r>
               <a:r>
-                <a:rPr lang="zh-TW" altLang="en-US" sz="1200" dirty="0" smtClean="0">
+                <a:rPr lang="zh-TW" altLang="en-US" sz="1200" dirty="0">
                   <a:solidFill>
                     <a:schemeClr val="bg1"/>
                   </a:solidFill>
@@ -7893,7 +7684,7 @@
             <a:lstStyle/>
             <a:p>
               <a:r>
-                <a:rPr lang="zh-TW" altLang="en-US" sz="1400" b="1" dirty="0" smtClean="0">
+                <a:rPr lang="zh-TW" altLang="en-US" sz="1400" b="1" dirty="0">
                   <a:solidFill>
                     <a:schemeClr val="bg1"/>
                   </a:solidFill>
@@ -7952,7 +7743,7 @@
             <a:lstStyle/>
             <a:p>
               <a:r>
-                <a:rPr lang="zh-TW" altLang="en-US" sz="1200" dirty="0" smtClean="0">
+                <a:rPr lang="zh-TW" altLang="en-US" sz="1200" dirty="0">
                   <a:solidFill>
                     <a:schemeClr val="bg1"/>
                   </a:solidFill>
@@ -7963,35 +7754,13 @@
                 <a:t>每周自動爬取最新的周資料，在</a:t>
               </a:r>
               <a:r>
-                <a:rPr lang="zh-TW" altLang="en-US" sz="1200" i="1" dirty="0" smtClean="0">
+                <a:rPr lang="zh-TW" altLang="en-US" sz="1200" i="1" dirty="0">
                   <a:latin typeface="Malgun Gothic Semilight" panose="020B0502040204020203" pitchFamily="34" charset="-120"/>
                   <a:ea typeface="Malgun Gothic Semilight" panose="020B0502040204020203" pitchFamily="34" charset="-120"/>
                   <a:cs typeface="Malgun Gothic Semilight" panose="020B0502040204020203" pitchFamily="34" charset="-120"/>
                   <a:hlinkClick r:id="rId3"/>
                 </a:rPr>
                 <a:t>央行網站</a:t>
-              </a:r>
-              <a:r>
-                <a:rPr lang="zh-TW" altLang="en-US" sz="1200" dirty="0" smtClean="0">
-                  <a:solidFill>
-                    <a:schemeClr val="bg1"/>
-                  </a:solidFill>
-                  <a:latin typeface="Malgun Gothic Semilight" panose="020B0502040204020203" pitchFamily="34" charset="-120"/>
-                  <a:ea typeface="Malgun Gothic Semilight" panose="020B0502040204020203" pitchFamily="34" charset="-120"/>
-                  <a:cs typeface="Malgun Gothic Semilight" panose="020B0502040204020203" pitchFamily="34" charset="-120"/>
-                </a:rPr>
-                <a:t>爬取最新的無風險利率</a:t>
-              </a:r>
-              <a:r>
-                <a:rPr lang="zh-TW" altLang="en-US" sz="1200" dirty="0" smtClean="0">
-                  <a:solidFill>
-                    <a:schemeClr val="bg1"/>
-                  </a:solidFill>
-                  <a:latin typeface="Malgun Gothic Semilight" panose="020B0502040204020203" pitchFamily="34" charset="-120"/>
-                  <a:ea typeface="Malgun Gothic Semilight" panose="020B0502040204020203" pitchFamily="34" charset="-120"/>
-                  <a:cs typeface="Malgun Gothic Semilight" panose="020B0502040204020203" pitchFamily="34" charset="-120"/>
-                </a:rPr>
-                <a:t>加入資料庫，並移除最</a:t>
               </a:r>
               <a:r>
                 <a:rPr lang="zh-TW" altLang="en-US" sz="1200" dirty="0">
@@ -8002,18 +7771,7 @@
                   <a:ea typeface="Malgun Gothic Semilight" panose="020B0502040204020203" pitchFamily="34" charset="-120"/>
                   <a:cs typeface="Malgun Gothic Semilight" panose="020B0502040204020203" pitchFamily="34" charset="-120"/>
                 </a:rPr>
-                <a:t>舊</a:t>
-              </a:r>
-              <a:r>
-                <a:rPr lang="zh-TW" altLang="en-US" sz="1200" dirty="0" smtClean="0">
-                  <a:solidFill>
-                    <a:schemeClr val="bg1"/>
-                  </a:solidFill>
-                  <a:latin typeface="Malgun Gothic Semilight" panose="020B0502040204020203" pitchFamily="34" charset="-120"/>
-                  <a:ea typeface="Malgun Gothic Semilight" panose="020B0502040204020203" pitchFamily="34" charset="-120"/>
-                  <a:cs typeface="Malgun Gothic Semilight" panose="020B0502040204020203" pitchFamily="34" charset="-120"/>
-                </a:rPr>
-                <a:t>一周的資料。</a:t>
+                <a:t>爬取最新的無風險利率加入資料庫，並移除最舊一周的資料。</a:t>
               </a:r>
               <a:endParaRPr lang="ko-KR" altLang="en-US" sz="1200" dirty="0">
                 <a:solidFill>
@@ -8049,17 +7807,6 @@
             <a:lstStyle/>
             <a:p>
               <a:r>
-                <a:rPr lang="zh-TW" altLang="en-US" sz="1400" b="1" dirty="0" smtClean="0">
-                  <a:solidFill>
-                    <a:schemeClr val="bg1"/>
-                  </a:solidFill>
-                  <a:latin typeface="Malgun Gothic Semilight" panose="020B0502040204020203" pitchFamily="34" charset="-120"/>
-                  <a:ea typeface="Malgun Gothic Semilight" panose="020B0502040204020203" pitchFamily="34" charset="-120"/>
-                  <a:cs typeface="Malgun Gothic Semilight" panose="020B0502040204020203" pitchFamily="34" charset="-120"/>
-                </a:rPr>
-                <a:t>自動更新資料</a:t>
-              </a:r>
-              <a:r>
                 <a:rPr lang="zh-TW" altLang="en-US" sz="1400" b="1" dirty="0">
                   <a:solidFill>
                     <a:schemeClr val="bg1"/>
@@ -8068,7 +7815,7 @@
                   <a:ea typeface="Malgun Gothic Semilight" panose="020B0502040204020203" pitchFamily="34" charset="-120"/>
                   <a:cs typeface="Malgun Gothic Semilight" panose="020B0502040204020203" pitchFamily="34" charset="-120"/>
                 </a:rPr>
-                <a:t>庫</a:t>
+                <a:t>自動更新資料庫</a:t>
               </a:r>
               <a:endParaRPr lang="ko-KR" altLang="en-US" sz="1400" b="1" dirty="0">
                 <a:solidFill>
@@ -8272,7 +8019,7 @@
             <a:lstStyle/>
             <a:p>
               <a:r>
-                <a:rPr lang="zh-TW" altLang="en-US" sz="1200" dirty="0" smtClean="0">
+                <a:rPr lang="zh-TW" altLang="en-US" sz="1200" dirty="0">
                   <a:solidFill>
                     <a:schemeClr val="bg1"/>
                   </a:solidFill>
@@ -8283,29 +8030,7 @@
                 <a:t>利用所有周資料</a:t>
               </a:r>
               <a:r>
-                <a:rPr lang="en-US" altLang="zh-TW" sz="1200" dirty="0" smtClean="0">
-                  <a:solidFill>
-                    <a:schemeClr val="bg1"/>
-                  </a:solidFill>
-                  <a:latin typeface="Malgun Gothic Semilight" panose="020B0502040204020203" pitchFamily="34" charset="-120"/>
-                  <a:ea typeface="Malgun Gothic Semilight" panose="020B0502040204020203" pitchFamily="34" charset="-120"/>
-                  <a:cs typeface="Malgun Gothic Semilight" panose="020B0502040204020203" pitchFamily="34" charset="-120"/>
-                </a:rPr>
-                <a:t>/</a:t>
-              </a:r>
-              <a:r>
-                <a:rPr lang="zh-TW" altLang="en-US" sz="1200" dirty="0" smtClean="0">
-                  <a:solidFill>
-                    <a:schemeClr val="bg1"/>
-                  </a:solidFill>
-                  <a:latin typeface="Malgun Gothic Semilight" panose="020B0502040204020203" pitchFamily="34" charset="-120"/>
-                  <a:ea typeface="Malgun Gothic Semilight" panose="020B0502040204020203" pitchFamily="34" charset="-120"/>
-                  <a:cs typeface="Malgun Gothic Semilight" panose="020B0502040204020203" pitchFamily="34" charset="-120"/>
-                </a:rPr>
-                <a:t>僅下跌時資料分別計算兩個基金的長期</a:t>
-              </a:r>
-              <a:r>
-                <a:rPr lang="en-US" altLang="zh-TW" sz="1200" dirty="0" smtClean="0">
+                <a:rPr lang="en-US" altLang="zh-TW" sz="1200" dirty="0">
                   <a:solidFill>
                     <a:schemeClr val="bg1"/>
                   </a:solidFill>
@@ -8324,10 +8049,10 @@
                   <a:ea typeface="Malgun Gothic Semilight" panose="020B0502040204020203" pitchFamily="34" charset="-120"/>
                   <a:cs typeface="Malgun Gothic Semilight" panose="020B0502040204020203" pitchFamily="34" charset="-120"/>
                 </a:rPr>
-                <a:t>短</a:t>
+                <a:t>僅下跌時資料分別計算兩個基金的長期</a:t>
               </a:r>
               <a:r>
-                <a:rPr lang="zh-TW" altLang="en-US" sz="1200" dirty="0" smtClean="0">
+                <a:rPr lang="en-US" altLang="zh-TW" sz="1200" dirty="0">
                   <a:solidFill>
                     <a:schemeClr val="bg1"/>
                   </a:solidFill>
@@ -8335,7 +8060,18 @@
                   <a:ea typeface="Malgun Gothic Semilight" panose="020B0502040204020203" pitchFamily="34" charset="-120"/>
                   <a:cs typeface="Malgun Gothic Semilight" panose="020B0502040204020203" pitchFamily="34" charset="-120"/>
                 </a:rPr>
-                <a:t>期相關係數。</a:t>
+                <a:t>/</a:t>
+              </a:r>
+              <a:r>
+                <a:rPr lang="zh-TW" altLang="en-US" sz="1200" dirty="0">
+                  <a:solidFill>
+                    <a:schemeClr val="bg1"/>
+                  </a:solidFill>
+                  <a:latin typeface="Malgun Gothic Semilight" panose="020B0502040204020203" pitchFamily="34" charset="-120"/>
+                  <a:ea typeface="Malgun Gothic Semilight" panose="020B0502040204020203" pitchFamily="34" charset="-120"/>
+                  <a:cs typeface="Malgun Gothic Semilight" panose="020B0502040204020203" pitchFamily="34" charset="-120"/>
+                </a:rPr>
+                <a:t>短期相關係數。</a:t>
               </a:r>
               <a:endParaRPr lang="ko-KR" altLang="en-US" sz="1200" dirty="0">
                 <a:solidFill>
@@ -8371,7 +8107,7 @@
             <a:lstStyle/>
             <a:p>
               <a:r>
-                <a:rPr lang="zh-TW" altLang="en-US" sz="1400" b="1" dirty="0" smtClean="0">
+                <a:rPr lang="zh-TW" altLang="en-US" sz="1400" b="1" dirty="0">
                   <a:solidFill>
                     <a:schemeClr val="bg1"/>
                   </a:solidFill>
@@ -8382,7 +8118,7 @@
                 <a:t>計算長期</a:t>
               </a:r>
               <a:r>
-                <a:rPr lang="en-US" altLang="zh-TW" sz="1400" b="1" dirty="0" smtClean="0">
+                <a:rPr lang="en-US" altLang="zh-TW" sz="1400" b="1" dirty="0">
                   <a:solidFill>
                     <a:schemeClr val="bg1"/>
                   </a:solidFill>
@@ -8401,18 +8137,7 @@
                   <a:ea typeface="Malgun Gothic Semilight" panose="020B0502040204020203" pitchFamily="34" charset="-120"/>
                   <a:cs typeface="Malgun Gothic Semilight" panose="020B0502040204020203" pitchFamily="34" charset="-120"/>
                 </a:rPr>
-                <a:t>短</a:t>
-              </a:r>
-              <a:r>
-                <a:rPr lang="zh-TW" altLang="en-US" sz="1400" b="1" dirty="0" smtClean="0">
-                  <a:solidFill>
-                    <a:schemeClr val="bg1"/>
-                  </a:solidFill>
-                  <a:latin typeface="Malgun Gothic Semilight" panose="020B0502040204020203" pitchFamily="34" charset="-120"/>
-                  <a:ea typeface="Malgun Gothic Semilight" panose="020B0502040204020203" pitchFamily="34" charset="-120"/>
-                  <a:cs typeface="Malgun Gothic Semilight" panose="020B0502040204020203" pitchFamily="34" charset="-120"/>
-                </a:rPr>
-                <a:t>期相關係數</a:t>
+                <a:t>短期相關係數</a:t>
               </a:r>
               <a:endParaRPr lang="ko-KR" altLang="en-US" sz="1400" b="1" dirty="0">
                 <a:solidFill>
@@ -8463,7 +8188,7 @@
             <a:lstStyle/>
             <a:p>
               <a:r>
-                <a:rPr lang="zh-TW" altLang="en-US" sz="1200" dirty="0" smtClean="0">
+                <a:rPr lang="zh-TW" altLang="en-US" sz="1200" dirty="0">
                   <a:solidFill>
                     <a:schemeClr val="bg1"/>
                   </a:solidFill>
@@ -8507,17 +8232,6 @@
             <a:lstStyle/>
             <a:p>
               <a:r>
-                <a:rPr lang="zh-TW" altLang="en-US" sz="1400" b="1" dirty="0" smtClean="0">
-                  <a:solidFill>
-                    <a:schemeClr val="bg1"/>
-                  </a:solidFill>
-                  <a:latin typeface="Malgun Gothic Semilight" panose="020B0502040204020203" pitchFamily="34" charset="-120"/>
-                  <a:ea typeface="Malgun Gothic Semilight" panose="020B0502040204020203" pitchFamily="34" charset="-120"/>
-                  <a:cs typeface="Malgun Gothic Semilight" panose="020B0502040204020203" pitchFamily="34" charset="-120"/>
-                </a:rPr>
-                <a:t>推薦</a:t>
-              </a:r>
-              <a:r>
                 <a:rPr lang="zh-TW" altLang="en-US" sz="1400" b="1" dirty="0">
                   <a:solidFill>
                     <a:schemeClr val="bg1"/>
@@ -8526,7 +8240,7 @@
                   <a:ea typeface="Malgun Gothic Semilight" panose="020B0502040204020203" pitchFamily="34" charset="-120"/>
                   <a:cs typeface="Malgun Gothic Semilight" panose="020B0502040204020203" pitchFamily="34" charset="-120"/>
                 </a:rPr>
-                <a:t>基金</a:t>
+                <a:t>推薦基金</a:t>
               </a:r>
               <a:endParaRPr lang="ko-KR" altLang="en-US" sz="1400" b="1" dirty="0">
                 <a:solidFill>
@@ -8549,9 +8263,9 @@
         <p:grpSpPr>
           <a:xfrm>
             <a:off x="5896719" y="3725170"/>
-            <a:ext cx="2664296" cy="560296"/>
+            <a:ext cx="2664296" cy="744962"/>
             <a:chOff x="803640" y="3362835"/>
-            <a:chExt cx="2059657" cy="560296"/>
+            <a:chExt cx="2059657" cy="744962"/>
           </a:xfrm>
         </p:grpSpPr>
         <p:sp>
@@ -8563,7 +8277,7 @@
           <p:spPr>
             <a:xfrm>
               <a:off x="803640" y="3646132"/>
-              <a:ext cx="2059657" cy="276999"/>
+              <a:ext cx="2059657" cy="461665"/>
             </a:xfrm>
             <a:prstGeom prst="rect">
               <a:avLst/>
@@ -8577,7 +8291,7 @@
             <a:lstStyle/>
             <a:p>
               <a:r>
-                <a:rPr lang="zh-TW" altLang="en-US" sz="1200" dirty="0" smtClean="0">
+                <a:rPr lang="zh-TW" altLang="en-US" sz="1200" dirty="0">
                   <a:solidFill>
                     <a:schemeClr val="bg1"/>
                   </a:solidFill>
@@ -8585,7 +8299,7 @@
                   <a:ea typeface="Malgun Gothic Semilight" panose="020B0502040204020203" pitchFamily="34" charset="-120"/>
                   <a:cs typeface="Malgun Gothic Semilight" panose="020B0502040204020203" pitchFamily="34" charset="-120"/>
                 </a:rPr>
-                <a:t>架設簡易網站讓使用者更方便查詢。</a:t>
+                <a:t>做出簡易圖形化的應用程式供使用者查詢。</a:t>
               </a:r>
               <a:endParaRPr lang="ko-KR" altLang="en-US" sz="1200" dirty="0">
                 <a:solidFill>
@@ -8621,7 +8335,7 @@
             <a:lstStyle/>
             <a:p>
               <a:r>
-                <a:rPr lang="zh-TW" altLang="en-US" sz="1400" b="1" dirty="0" smtClean="0">
+                <a:rPr lang="zh-CN" altLang="en-US" sz="1400" b="1" dirty="0">
                   <a:solidFill>
                     <a:schemeClr val="bg1"/>
                   </a:solidFill>
@@ -8629,18 +8343,7 @@
                   <a:ea typeface="Malgun Gothic Semilight" panose="020B0502040204020203" pitchFamily="34" charset="-120"/>
                   <a:cs typeface="Malgun Gothic Semilight" panose="020B0502040204020203" pitchFamily="34" charset="-120"/>
                 </a:rPr>
-                <a:t>架設網</a:t>
-              </a:r>
-              <a:r>
-                <a:rPr lang="zh-TW" altLang="en-US" sz="1400" b="1" dirty="0">
-                  <a:solidFill>
-                    <a:schemeClr val="bg1"/>
-                  </a:solidFill>
-                  <a:latin typeface="Malgun Gothic Semilight" panose="020B0502040204020203" pitchFamily="34" charset="-120"/>
-                  <a:ea typeface="Malgun Gothic Semilight" panose="020B0502040204020203" pitchFamily="34" charset="-120"/>
-                  <a:cs typeface="Malgun Gothic Semilight" panose="020B0502040204020203" pitchFamily="34" charset="-120"/>
-                </a:rPr>
-                <a:t>站</a:t>
+                <a:t>應用程式</a:t>
               </a:r>
               <a:endParaRPr lang="ko-KR" altLang="en-US" sz="1400" b="1" dirty="0">
                 <a:solidFill>
@@ -8961,13 +8664,6 @@
   <p:clrMapOvr>
     <a:masterClrMapping/>
   </p:clrMapOvr>
-  <p:timing>
-    <p:tnLst>
-      <p:par>
-        <p:cTn id="1" dur="indefinite" restart="never" nodeType="tmRoot"/>
-      </p:par>
-    </p:tnLst>
-  </p:timing>
 </p:sld>
 </file>
 
@@ -9009,7 +8705,7 @@
           <a:lstStyle/>
           <a:p>
             <a:r>
-              <a:rPr lang="en-US" altLang="zh-TW" dirty="0" smtClean="0">
+              <a:rPr lang="en-US" altLang="zh-TW" dirty="0">
                 <a:ea typeface="Malgun Gothic Semilight" panose="020B0502040204020203" pitchFamily="34" charset="-120"/>
                 <a:cs typeface="Malgun Gothic Semilight" panose="020B0502040204020203" pitchFamily="34" charset="-120"/>
               </a:rPr>
@@ -9020,14 +8716,14 @@
       </p:sp>
       <p:sp>
         <p:nvSpPr>
-          <p:cNvPr id="5" name="TextBox 4"/>
+          <p:cNvPr id="3" name="文字方塊 2"/>
           <p:cNvSpPr txBox="1"/>
           <p:nvPr/>
         </p:nvSpPr>
         <p:spPr>
           <a:xfrm>
-            <a:off x="827584" y="771551"/>
-            <a:ext cx="7560840" cy="574966"/>
+            <a:off x="3815916" y="4155926"/>
+            <a:ext cx="1512168" cy="369332"/>
           </a:xfrm>
           <a:prstGeom prst="rect">
             <a:avLst/>
@@ -9040,95 +8736,9 @@
           </a:bodyPr>
           <a:lstStyle/>
           <a:p>
-            <a:pPr algn="ctr">
-              <a:lnSpc>
-                <a:spcPct val="150000"/>
-              </a:lnSpc>
-              <a:buClr>
-                <a:schemeClr val="accent1"/>
-              </a:buClr>
-            </a:pPr>
-            <a:r>
-              <a:rPr lang="en-US" altLang="zh-TW" sz="2400" dirty="0" smtClean="0">
-                <a:solidFill>
-                  <a:schemeClr val="tx1">
-                    <a:lumMod val="75000"/>
-                    <a:lumOff val="25000"/>
-                  </a:schemeClr>
-                </a:solidFill>
-                <a:latin typeface="Malgun Gothic Semilight" panose="020B0502040204020203" pitchFamily="34" charset="-120"/>
-                <a:ea typeface="Malgun Gothic Semilight" panose="020B0502040204020203" pitchFamily="34" charset="-120"/>
-                <a:cs typeface="Malgun Gothic Semilight" panose="020B0502040204020203" pitchFamily="34" charset="-120"/>
-              </a:rPr>
-              <a:t>(</a:t>
-            </a:r>
-            <a:r>
-              <a:rPr lang="zh-TW" altLang="en-US" sz="2400" dirty="0" smtClean="0">
-                <a:solidFill>
-                  <a:schemeClr val="tx1">
-                    <a:lumMod val="75000"/>
-                    <a:lumOff val="25000"/>
-                  </a:schemeClr>
-                </a:solidFill>
-                <a:latin typeface="Malgun Gothic Semilight" panose="020B0502040204020203" pitchFamily="34" charset="-120"/>
-                <a:ea typeface="Malgun Gothic Semilight" panose="020B0502040204020203" pitchFamily="34" charset="-120"/>
-                <a:cs typeface="Malgun Gothic Semilight" panose="020B0502040204020203" pitchFamily="34" charset="-120"/>
-              </a:rPr>
-              <a:t>網站截圖</a:t>
-            </a:r>
-            <a:r>
-              <a:rPr lang="en-US" altLang="zh-TW" sz="2400" dirty="0" smtClean="0">
-                <a:solidFill>
-                  <a:schemeClr val="tx1">
-                    <a:lumMod val="75000"/>
-                    <a:lumOff val="25000"/>
-                  </a:schemeClr>
-                </a:solidFill>
-                <a:latin typeface="Malgun Gothic Semilight" panose="020B0502040204020203" pitchFamily="34" charset="-120"/>
-                <a:ea typeface="Malgun Gothic Semilight" panose="020B0502040204020203" pitchFamily="34" charset="-120"/>
-                <a:cs typeface="Malgun Gothic Semilight" panose="020B0502040204020203" pitchFamily="34" charset="-120"/>
-              </a:rPr>
-              <a:t>)</a:t>
-            </a:r>
-            <a:endParaRPr lang="en-US" altLang="zh-TW" sz="2400" dirty="0" smtClean="0">
-              <a:solidFill>
-                <a:schemeClr val="tx1">
-                  <a:lumMod val="75000"/>
-                  <a:lumOff val="25000"/>
-                </a:schemeClr>
-              </a:solidFill>
-              <a:latin typeface="Malgun Gothic Semilight" panose="020B0502040204020203" pitchFamily="34" charset="-120"/>
-              <a:ea typeface="Malgun Gothic Semilight" panose="020B0502040204020203" pitchFamily="34" charset="-120"/>
-              <a:cs typeface="Malgun Gothic Semilight" panose="020B0502040204020203" pitchFamily="34" charset="-120"/>
-            </a:endParaRPr>
-          </a:p>
-        </p:txBody>
-      </p:sp>
-      <p:sp>
-        <p:nvSpPr>
-          <p:cNvPr id="3" name="文字方塊 2"/>
-          <p:cNvSpPr txBox="1"/>
-          <p:nvPr/>
-        </p:nvSpPr>
-        <p:spPr>
-          <a:xfrm>
-            <a:off x="3815916" y="4155926"/>
-            <a:ext cx="1512168" cy="369332"/>
-          </a:xfrm>
-          <a:prstGeom prst="rect">
-            <a:avLst/>
-          </a:prstGeom>
-          <a:noFill/>
-        </p:spPr>
-        <p:txBody>
-          <a:bodyPr wrap="square" rtlCol="0">
-            <a:spAutoFit/>
-          </a:bodyPr>
-          <a:lstStyle/>
-          <a:p>
             <a:pPr algn="ctr"/>
             <a:r>
-              <a:rPr lang="en-US" altLang="zh-TW" dirty="0" smtClean="0">
+              <a:rPr lang="en-US" altLang="zh-TW" dirty="0">
                 <a:solidFill>
                   <a:schemeClr val="bg1"/>
                 </a:solidFill>
@@ -9139,7 +8749,7 @@
               <a:t>(</a:t>
             </a:r>
             <a:r>
-              <a:rPr lang="zh-TW" altLang="en-US" dirty="0" smtClean="0">
+              <a:rPr lang="zh-TW" altLang="en-US" dirty="0">
                 <a:solidFill>
                   <a:schemeClr val="bg1"/>
                 </a:solidFill>
@@ -9150,7 +8760,7 @@
               <a:t>網站連結</a:t>
             </a:r>
             <a:r>
-              <a:rPr lang="en-US" altLang="zh-TW" dirty="0" smtClean="0">
+              <a:rPr lang="en-US" altLang="zh-TW" dirty="0">
                 <a:solidFill>
                   <a:schemeClr val="bg1"/>
                 </a:solidFill>
@@ -9171,6 +8781,41 @@
           </a:p>
         </p:txBody>
       </p:sp>
+      <p:pic>
+        <p:nvPicPr>
+          <p:cNvPr id="6" name="圖片 5">
+            <a:extLst>
+              <a:ext uri="{FF2B5EF4-FFF2-40B4-BE49-F238E27FC236}">
+                <a16:creationId xmlns:a16="http://schemas.microsoft.com/office/drawing/2014/main" id="{EFBDE4C4-0307-6E49-827C-1280F1F9BE14}"/>
+              </a:ext>
+            </a:extLst>
+          </p:cNvPr>
+          <p:cNvPicPr>
+            <a:picLocks noChangeAspect="1"/>
+          </p:cNvPicPr>
+          <p:nvPr/>
+        </p:nvPicPr>
+        <p:blipFill rotWithShape="1">
+          <a:blip r:embed="rId2">
+            <a:extLst>
+              <a:ext uri="{28A0092B-C50C-407E-A947-70E740481C1C}">
+                <a14:useLocalDpi xmlns:a14="http://schemas.microsoft.com/office/drawing/2010/main" val="0"/>
+              </a:ext>
+            </a:extLst>
+          </a:blip>
+          <a:srcRect l="499" t="3800" r="9212" b="19035"/>
+          <a:stretch/>
+        </p:blipFill>
+        <p:spPr>
+          <a:xfrm>
+            <a:off x="2679149" y="699542"/>
+            <a:ext cx="3785701" cy="2022114"/>
+          </a:xfrm>
+          <a:prstGeom prst="rect">
+            <a:avLst/>
+          </a:prstGeom>
+        </p:spPr>
+      </p:pic>
     </p:spTree>
     <p:extLst>
       <p:ext uri="{BB962C8B-B14F-4D97-AF65-F5344CB8AC3E}">
@@ -9181,13 +8826,6 @@
   <p:clrMapOvr>
     <a:masterClrMapping/>
   </p:clrMapOvr>
-  <p:timing>
-    <p:tnLst>
-      <p:par>
-        <p:cTn id="1" dur="indefinite" restart="never" nodeType="tmRoot"/>
-      </p:par>
-    </p:tnLst>
-  </p:timing>
 </p:sld>
 </file>
 

--- a/final project/Demo.pptx
+++ b/final project/Demo.pptx
@@ -6345,49 +6345,6 @@
           </a:p>
         </p:txBody>
       </p:sp>
-      <p:sp>
-        <p:nvSpPr>
-          <p:cNvPr id="6" name="TextBox 5">
-            <a:hlinkClick r:id="rId2"/>
-          </p:cNvPr>
-          <p:cNvSpPr txBox="1"/>
-          <p:nvPr/>
-        </p:nvSpPr>
-        <p:spPr>
-          <a:xfrm>
-            <a:off x="3851772" y="4825165"/>
-            <a:ext cx="4752528" cy="215444"/>
-          </a:xfrm>
-          <a:prstGeom prst="rect">
-            <a:avLst/>
-          </a:prstGeom>
-          <a:noFill/>
-        </p:spPr>
-        <p:txBody>
-          <a:bodyPr wrap="square" rtlCol="0">
-            <a:spAutoFit/>
-          </a:bodyPr>
-          <a:lstStyle/>
-          <a:p>
-            <a:r>
-              <a:rPr lang="en-US" altLang="ko-KR" sz="800" dirty="0">
-                <a:solidFill>
-                  <a:schemeClr val="bg1"/>
-                </a:solidFill>
-                <a:cs typeface="Arial" pitchFamily="34" charset="0"/>
-                <a:hlinkClick r:id="rId2"/>
-              </a:rPr>
-              <a:t>http://www.free-powerpoint-templates-design.com</a:t>
-            </a:r>
-            <a:endParaRPr lang="ko-KR" altLang="en-US" sz="800" dirty="0">
-              <a:solidFill>
-                <a:schemeClr val="bg1"/>
-              </a:solidFill>
-              <a:cs typeface="Arial" pitchFamily="34" charset="0"/>
-            </a:endParaRPr>
-          </a:p>
-        </p:txBody>
-      </p:sp>
     </p:spTree>
     <p:extLst>
       <p:ext uri="{BB962C8B-B14F-4D97-AF65-F5344CB8AC3E}">
@@ -6398,21 +6355,6 @@
   <p:clrMapOvr>
     <a:masterClrMapping/>
   </p:clrMapOvr>
-  <mc:AlternateContent xmlns:mc="http://schemas.openxmlformats.org/markup-compatibility/2006">
-    <mc:Choice xmlns:p14="http://schemas.microsoft.com/office/powerpoint/2010/main" Requires="p14">
-      <p:transition p14:dur="0"/>
-    </mc:Choice>
-    <mc:Fallback>
-      <p:transition/>
-    </mc:Fallback>
-  </mc:AlternateContent>
-  <p:timing>
-    <p:tnLst>
-      <p:par>
-        <p:cTn id="1" dur="indefinite" restart="never" nodeType="tmRoot"/>
-      </p:par>
-    </p:tnLst>
-  </p:timing>
 </p:sld>
 </file>
 
@@ -6551,20 +6493,6 @@
                 <a:cs typeface="Malgun Gothic Semilight" panose="020B0502040204020203" pitchFamily="34" charset="-120"/>
               </a:rPr>
               <a:t>台灣可購買的境內境外基金共六千餘支，</a:t>
-            </a:r>
-            <a:r>
-              <a:rPr lang="en-US" altLang="zh-CN" sz="2400" dirty="0">
-                <a:solidFill>
-                  <a:schemeClr val="tx1">
-                    <a:lumMod val="75000"/>
-                    <a:lumOff val="25000"/>
-                  </a:schemeClr>
-                </a:solidFill>
-                <a:latin typeface="Malgun Gothic Semilight" panose="020B0502040204020203" pitchFamily="34" charset="-120"/>
-                <a:ea typeface="Malgun Gothic Semilight" panose="020B0502040204020203" pitchFamily="34" charset="-120"/>
-                <a:cs typeface="Malgun Gothic Semilight" panose="020B0502040204020203" pitchFamily="34" charset="-120"/>
-              </a:rPr>
-              <a:t/>
             </a:r>
             <a:br>
               <a:rPr lang="en-US" altLang="zh-CN" sz="2400" dirty="0">
@@ -7993,25 +7921,18 @@
   <p:clrMapOvr>
     <a:masterClrMapping/>
   </p:clrMapOvr>
-  <mc:AlternateContent xmlns:mc="http://schemas.openxmlformats.org/markup-compatibility/2006">
-    <mc:Choice xmlns:p14="http://schemas.microsoft.com/office/powerpoint/2010/main" Requires="p14">
+  <mc:AlternateContent xmlns:mc="http://schemas.openxmlformats.org/markup-compatibility/2006" xmlns:p14="http://schemas.microsoft.com/office/powerpoint/2010/main">
+    <mc:Choice Requires="p14">
       <p:transition spd="slow" p14:dur="1200">
         <p:zoom/>
       </p:transition>
     </mc:Choice>
-    <mc:Fallback>
+    <mc:Fallback xmlns="">
       <p:transition spd="slow">
         <p:zoom/>
       </p:transition>
     </mc:Fallback>
   </mc:AlternateContent>
-  <p:timing>
-    <p:tnLst>
-      <p:par>
-        <p:cTn id="1" dur="indefinite" restart="never" nodeType="tmRoot"/>
-      </p:par>
-    </p:tnLst>
-  </p:timing>
 </p:sld>
 </file>
 
@@ -9504,13 +9425,13 @@
   <p:clrMapOvr>
     <a:masterClrMapping/>
   </p:clrMapOvr>
-  <mc:AlternateContent xmlns:mc="http://schemas.openxmlformats.org/markup-compatibility/2006">
-    <mc:Choice xmlns:p14="http://schemas.microsoft.com/office/powerpoint/2010/main" Requires="p14">
+  <mc:AlternateContent xmlns:mc="http://schemas.openxmlformats.org/markup-compatibility/2006" xmlns:p14="http://schemas.microsoft.com/office/powerpoint/2010/main">
+    <mc:Choice Requires="p14">
       <p:transition spd="slow">
         <p14:flash/>
       </p:transition>
     </mc:Choice>
-    <mc:Fallback>
+    <mc:Fallback xmlns="">
       <p:transition spd="slow">
         <p:fade/>
       </p:transition>

--- a/final project/Demo.pptx
+++ b/final project/Demo.pptx
@@ -6398,6 +6398,21 @@
   <p:clrMapOvr>
     <a:masterClrMapping/>
   </p:clrMapOvr>
+  <mc:AlternateContent xmlns:mc="http://schemas.openxmlformats.org/markup-compatibility/2006">
+    <mc:Choice xmlns:p14="http://schemas.microsoft.com/office/powerpoint/2010/main" Requires="p14">
+      <p:transition p14:dur="0"/>
+    </mc:Choice>
+    <mc:Fallback>
+      <p:transition/>
+    </mc:Fallback>
+  </mc:AlternateContent>
+  <p:timing>
+    <p:tnLst>
+      <p:par>
+        <p:cTn id="1" dur="indefinite" restart="never" nodeType="tmRoot"/>
+      </p:par>
+    </p:tnLst>
+  </p:timing>
 </p:sld>
 </file>
 
@@ -6537,6 +6552,20 @@
               </a:rPr>
               <a:t>台灣可購買的境內境外基金共六千餘支，</a:t>
             </a:r>
+            <a:r>
+              <a:rPr lang="en-US" altLang="zh-CN" sz="2400" dirty="0">
+                <a:solidFill>
+                  <a:schemeClr val="tx1">
+                    <a:lumMod val="75000"/>
+                    <a:lumOff val="25000"/>
+                  </a:schemeClr>
+                </a:solidFill>
+                <a:latin typeface="Malgun Gothic Semilight" panose="020B0502040204020203" pitchFamily="34" charset="-120"/>
+                <a:ea typeface="Malgun Gothic Semilight" panose="020B0502040204020203" pitchFamily="34" charset="-120"/>
+                <a:cs typeface="Malgun Gothic Semilight" panose="020B0502040204020203" pitchFamily="34" charset="-120"/>
+              </a:rPr>
+              <a:t/>
+            </a:r>
             <a:br>
               <a:rPr lang="en-US" altLang="zh-CN" sz="2400" dirty="0">
                 <a:solidFill>
@@ -6588,6 +6617,260 @@
   <p:clrMapOvr>
     <a:masterClrMapping/>
   </p:clrMapOvr>
+  <p:transition spd="slow">
+    <p:push dir="d"/>
+  </p:transition>
+  <p:timing>
+    <p:tnLst>
+      <p:par>
+        <p:cTn id="1" dur="indefinite" restart="never" nodeType="tmRoot">
+          <p:childTnLst>
+            <p:seq concurrent="1" nextAc="seek">
+              <p:cTn id="2" dur="indefinite" nodeType="mainSeq">
+                <p:childTnLst>
+                  <p:par>
+                    <p:cTn id="3" fill="hold">
+                      <p:stCondLst>
+                        <p:cond delay="indefinite"/>
+                      </p:stCondLst>
+                      <p:childTnLst>
+                        <p:par>
+                          <p:cTn id="4" fill="hold">
+                            <p:stCondLst>
+                              <p:cond delay="0"/>
+                            </p:stCondLst>
+                            <p:childTnLst>
+                              <p:par>
+                                <p:cTn id="5" presetID="42" presetClass="entr" presetSubtype="0" fill="hold" nodeType="clickEffect">
+                                  <p:stCondLst>
+                                    <p:cond delay="0"/>
+                                  </p:stCondLst>
+                                  <p:childTnLst>
+                                    <p:set>
+                                      <p:cBhvr>
+                                        <p:cTn id="6" dur="1" fill="hold">
+                                          <p:stCondLst>
+                                            <p:cond delay="0"/>
+                                          </p:stCondLst>
+                                        </p:cTn>
+                                        <p:tgtEl>
+                                          <p:spTgt spid="5">
+                                            <p:txEl>
+                                              <p:pRg st="0" end="0"/>
+                                            </p:txEl>
+                                          </p:spTgt>
+                                        </p:tgtEl>
+                                        <p:attrNameLst>
+                                          <p:attrName>style.visibility</p:attrName>
+                                        </p:attrNameLst>
+                                      </p:cBhvr>
+                                      <p:to>
+                                        <p:strVal val="visible"/>
+                                      </p:to>
+                                    </p:set>
+                                    <p:animEffect transition="in" filter="fade">
+                                      <p:cBhvr>
+                                        <p:cTn id="7" dur="1000"/>
+                                        <p:tgtEl>
+                                          <p:spTgt spid="5">
+                                            <p:txEl>
+                                              <p:pRg st="0" end="0"/>
+                                            </p:txEl>
+                                          </p:spTgt>
+                                        </p:tgtEl>
+                                      </p:cBhvr>
+                                    </p:animEffect>
+                                    <p:anim calcmode="lin" valueType="num">
+                                      <p:cBhvr>
+                                        <p:cTn id="8" dur="1000" fill="hold"/>
+                                        <p:tgtEl>
+                                          <p:spTgt spid="5">
+                                            <p:txEl>
+                                              <p:pRg st="0" end="0"/>
+                                            </p:txEl>
+                                          </p:spTgt>
+                                        </p:tgtEl>
+                                        <p:attrNameLst>
+                                          <p:attrName>ppt_x</p:attrName>
+                                        </p:attrNameLst>
+                                      </p:cBhvr>
+                                      <p:tavLst>
+                                        <p:tav tm="0">
+                                          <p:val>
+                                            <p:strVal val="#ppt_x"/>
+                                          </p:val>
+                                        </p:tav>
+                                        <p:tav tm="100000">
+                                          <p:val>
+                                            <p:strVal val="#ppt_x"/>
+                                          </p:val>
+                                        </p:tav>
+                                      </p:tavLst>
+                                    </p:anim>
+                                    <p:anim calcmode="lin" valueType="num">
+                                      <p:cBhvr>
+                                        <p:cTn id="9" dur="1000" fill="hold"/>
+                                        <p:tgtEl>
+                                          <p:spTgt spid="5">
+                                            <p:txEl>
+                                              <p:pRg st="0" end="0"/>
+                                            </p:txEl>
+                                          </p:spTgt>
+                                        </p:tgtEl>
+                                        <p:attrNameLst>
+                                          <p:attrName>ppt_y</p:attrName>
+                                        </p:attrNameLst>
+                                      </p:cBhvr>
+                                      <p:tavLst>
+                                        <p:tav tm="0">
+                                          <p:val>
+                                            <p:strVal val="#ppt_y+.1"/>
+                                          </p:val>
+                                        </p:tav>
+                                        <p:tav tm="100000">
+                                          <p:val>
+                                            <p:strVal val="#ppt_y"/>
+                                          </p:val>
+                                        </p:tav>
+                                      </p:tavLst>
+                                    </p:anim>
+                                  </p:childTnLst>
+                                </p:cTn>
+                              </p:par>
+                            </p:childTnLst>
+                          </p:cTn>
+                        </p:par>
+                        <p:par>
+                          <p:cTn id="10" fill="hold">
+                            <p:stCondLst>
+                              <p:cond delay="1000"/>
+                            </p:stCondLst>
+                            <p:childTnLst>
+                              <p:par>
+                                <p:cTn id="11" presetID="42" presetClass="entr" presetSubtype="0" fill="hold" nodeType="afterEffect">
+                                  <p:stCondLst>
+                                    <p:cond delay="0"/>
+                                  </p:stCondLst>
+                                  <p:childTnLst>
+                                    <p:set>
+                                      <p:cBhvr>
+                                        <p:cTn id="12" dur="1" fill="hold">
+                                          <p:stCondLst>
+                                            <p:cond delay="0"/>
+                                          </p:stCondLst>
+                                        </p:cTn>
+                                        <p:tgtEl>
+                                          <p:spTgt spid="5">
+                                            <p:txEl>
+                                              <p:pRg st="1" end="1"/>
+                                            </p:txEl>
+                                          </p:spTgt>
+                                        </p:tgtEl>
+                                        <p:attrNameLst>
+                                          <p:attrName>style.visibility</p:attrName>
+                                        </p:attrNameLst>
+                                      </p:cBhvr>
+                                      <p:to>
+                                        <p:strVal val="visible"/>
+                                      </p:to>
+                                    </p:set>
+                                    <p:animEffect transition="in" filter="fade">
+                                      <p:cBhvr>
+                                        <p:cTn id="13" dur="1000"/>
+                                        <p:tgtEl>
+                                          <p:spTgt spid="5">
+                                            <p:txEl>
+                                              <p:pRg st="1" end="1"/>
+                                            </p:txEl>
+                                          </p:spTgt>
+                                        </p:tgtEl>
+                                      </p:cBhvr>
+                                    </p:animEffect>
+                                    <p:anim calcmode="lin" valueType="num">
+                                      <p:cBhvr>
+                                        <p:cTn id="14" dur="1000" fill="hold"/>
+                                        <p:tgtEl>
+                                          <p:spTgt spid="5">
+                                            <p:txEl>
+                                              <p:pRg st="1" end="1"/>
+                                            </p:txEl>
+                                          </p:spTgt>
+                                        </p:tgtEl>
+                                        <p:attrNameLst>
+                                          <p:attrName>ppt_x</p:attrName>
+                                        </p:attrNameLst>
+                                      </p:cBhvr>
+                                      <p:tavLst>
+                                        <p:tav tm="0">
+                                          <p:val>
+                                            <p:strVal val="#ppt_x"/>
+                                          </p:val>
+                                        </p:tav>
+                                        <p:tav tm="100000">
+                                          <p:val>
+                                            <p:strVal val="#ppt_x"/>
+                                          </p:val>
+                                        </p:tav>
+                                      </p:tavLst>
+                                    </p:anim>
+                                    <p:anim calcmode="lin" valueType="num">
+                                      <p:cBhvr>
+                                        <p:cTn id="15" dur="1000" fill="hold"/>
+                                        <p:tgtEl>
+                                          <p:spTgt spid="5">
+                                            <p:txEl>
+                                              <p:pRg st="1" end="1"/>
+                                            </p:txEl>
+                                          </p:spTgt>
+                                        </p:tgtEl>
+                                        <p:attrNameLst>
+                                          <p:attrName>ppt_y</p:attrName>
+                                        </p:attrNameLst>
+                                      </p:cBhvr>
+                                      <p:tavLst>
+                                        <p:tav tm="0">
+                                          <p:val>
+                                            <p:strVal val="#ppt_y+.1"/>
+                                          </p:val>
+                                        </p:tav>
+                                        <p:tav tm="100000">
+                                          <p:val>
+                                            <p:strVal val="#ppt_y"/>
+                                          </p:val>
+                                        </p:tav>
+                                      </p:tavLst>
+                                    </p:anim>
+                                  </p:childTnLst>
+                                </p:cTn>
+                              </p:par>
+                            </p:childTnLst>
+                          </p:cTn>
+                        </p:par>
+                      </p:childTnLst>
+                    </p:cTn>
+                  </p:par>
+                </p:childTnLst>
+              </p:cTn>
+              <p:prevCondLst>
+                <p:cond evt="onPrev" delay="0">
+                  <p:tgtEl>
+                    <p:sldTgt/>
+                  </p:tgtEl>
+                </p:cond>
+              </p:prevCondLst>
+              <p:nextCondLst>
+                <p:cond evt="onNext" delay="0">
+                  <p:tgtEl>
+                    <p:sldTgt/>
+                  </p:tgtEl>
+                </p:cond>
+              </p:nextCondLst>
+            </p:seq>
+          </p:childTnLst>
+        </p:cTn>
+      </p:par>
+    </p:tnLst>
+  </p:timing>
 </p:sld>
 </file>
 
@@ -6793,6 +7076,260 @@
   <p:clrMapOvr>
     <a:masterClrMapping/>
   </p:clrMapOvr>
+  <p:transition spd="slow">
+    <p:push/>
+  </p:transition>
+  <p:timing>
+    <p:tnLst>
+      <p:par>
+        <p:cTn id="1" dur="indefinite" restart="never" nodeType="tmRoot">
+          <p:childTnLst>
+            <p:seq concurrent="1" nextAc="seek">
+              <p:cTn id="2" dur="indefinite" nodeType="mainSeq">
+                <p:childTnLst>
+                  <p:par>
+                    <p:cTn id="3" fill="hold">
+                      <p:stCondLst>
+                        <p:cond delay="indefinite"/>
+                      </p:stCondLst>
+                      <p:childTnLst>
+                        <p:par>
+                          <p:cTn id="4" fill="hold">
+                            <p:stCondLst>
+                              <p:cond delay="0"/>
+                            </p:stCondLst>
+                            <p:childTnLst>
+                              <p:par>
+                                <p:cTn id="5" presetID="42" presetClass="entr" presetSubtype="0" fill="hold" nodeType="clickEffect">
+                                  <p:stCondLst>
+                                    <p:cond delay="0"/>
+                                  </p:stCondLst>
+                                  <p:childTnLst>
+                                    <p:set>
+                                      <p:cBhvr>
+                                        <p:cTn id="6" dur="1" fill="hold">
+                                          <p:stCondLst>
+                                            <p:cond delay="0"/>
+                                          </p:stCondLst>
+                                        </p:cTn>
+                                        <p:tgtEl>
+                                          <p:spTgt spid="5">
+                                            <p:txEl>
+                                              <p:pRg st="0" end="0"/>
+                                            </p:txEl>
+                                          </p:spTgt>
+                                        </p:tgtEl>
+                                        <p:attrNameLst>
+                                          <p:attrName>style.visibility</p:attrName>
+                                        </p:attrNameLst>
+                                      </p:cBhvr>
+                                      <p:to>
+                                        <p:strVal val="visible"/>
+                                      </p:to>
+                                    </p:set>
+                                    <p:animEffect transition="in" filter="fade">
+                                      <p:cBhvr>
+                                        <p:cTn id="7" dur="1000"/>
+                                        <p:tgtEl>
+                                          <p:spTgt spid="5">
+                                            <p:txEl>
+                                              <p:pRg st="0" end="0"/>
+                                            </p:txEl>
+                                          </p:spTgt>
+                                        </p:tgtEl>
+                                      </p:cBhvr>
+                                    </p:animEffect>
+                                    <p:anim calcmode="lin" valueType="num">
+                                      <p:cBhvr>
+                                        <p:cTn id="8" dur="1000" fill="hold"/>
+                                        <p:tgtEl>
+                                          <p:spTgt spid="5">
+                                            <p:txEl>
+                                              <p:pRg st="0" end="0"/>
+                                            </p:txEl>
+                                          </p:spTgt>
+                                        </p:tgtEl>
+                                        <p:attrNameLst>
+                                          <p:attrName>ppt_x</p:attrName>
+                                        </p:attrNameLst>
+                                      </p:cBhvr>
+                                      <p:tavLst>
+                                        <p:tav tm="0">
+                                          <p:val>
+                                            <p:strVal val="#ppt_x"/>
+                                          </p:val>
+                                        </p:tav>
+                                        <p:tav tm="100000">
+                                          <p:val>
+                                            <p:strVal val="#ppt_x"/>
+                                          </p:val>
+                                        </p:tav>
+                                      </p:tavLst>
+                                    </p:anim>
+                                    <p:anim calcmode="lin" valueType="num">
+                                      <p:cBhvr>
+                                        <p:cTn id="9" dur="1000" fill="hold"/>
+                                        <p:tgtEl>
+                                          <p:spTgt spid="5">
+                                            <p:txEl>
+                                              <p:pRg st="0" end="0"/>
+                                            </p:txEl>
+                                          </p:spTgt>
+                                        </p:tgtEl>
+                                        <p:attrNameLst>
+                                          <p:attrName>ppt_y</p:attrName>
+                                        </p:attrNameLst>
+                                      </p:cBhvr>
+                                      <p:tavLst>
+                                        <p:tav tm="0">
+                                          <p:val>
+                                            <p:strVal val="#ppt_y+.1"/>
+                                          </p:val>
+                                        </p:tav>
+                                        <p:tav tm="100000">
+                                          <p:val>
+                                            <p:strVal val="#ppt_y"/>
+                                          </p:val>
+                                        </p:tav>
+                                      </p:tavLst>
+                                    </p:anim>
+                                  </p:childTnLst>
+                                </p:cTn>
+                              </p:par>
+                            </p:childTnLst>
+                          </p:cTn>
+                        </p:par>
+                        <p:par>
+                          <p:cTn id="10" fill="hold">
+                            <p:stCondLst>
+                              <p:cond delay="1000"/>
+                            </p:stCondLst>
+                            <p:childTnLst>
+                              <p:par>
+                                <p:cTn id="11" presetID="42" presetClass="entr" presetSubtype="0" fill="hold" nodeType="afterEffect">
+                                  <p:stCondLst>
+                                    <p:cond delay="0"/>
+                                  </p:stCondLst>
+                                  <p:childTnLst>
+                                    <p:set>
+                                      <p:cBhvr>
+                                        <p:cTn id="12" dur="1" fill="hold">
+                                          <p:stCondLst>
+                                            <p:cond delay="0"/>
+                                          </p:stCondLst>
+                                        </p:cTn>
+                                        <p:tgtEl>
+                                          <p:spTgt spid="5">
+                                            <p:txEl>
+                                              <p:pRg st="1" end="1"/>
+                                            </p:txEl>
+                                          </p:spTgt>
+                                        </p:tgtEl>
+                                        <p:attrNameLst>
+                                          <p:attrName>style.visibility</p:attrName>
+                                        </p:attrNameLst>
+                                      </p:cBhvr>
+                                      <p:to>
+                                        <p:strVal val="visible"/>
+                                      </p:to>
+                                    </p:set>
+                                    <p:animEffect transition="in" filter="fade">
+                                      <p:cBhvr>
+                                        <p:cTn id="13" dur="1000"/>
+                                        <p:tgtEl>
+                                          <p:spTgt spid="5">
+                                            <p:txEl>
+                                              <p:pRg st="1" end="1"/>
+                                            </p:txEl>
+                                          </p:spTgt>
+                                        </p:tgtEl>
+                                      </p:cBhvr>
+                                    </p:animEffect>
+                                    <p:anim calcmode="lin" valueType="num">
+                                      <p:cBhvr>
+                                        <p:cTn id="14" dur="1000" fill="hold"/>
+                                        <p:tgtEl>
+                                          <p:spTgt spid="5">
+                                            <p:txEl>
+                                              <p:pRg st="1" end="1"/>
+                                            </p:txEl>
+                                          </p:spTgt>
+                                        </p:tgtEl>
+                                        <p:attrNameLst>
+                                          <p:attrName>ppt_x</p:attrName>
+                                        </p:attrNameLst>
+                                      </p:cBhvr>
+                                      <p:tavLst>
+                                        <p:tav tm="0">
+                                          <p:val>
+                                            <p:strVal val="#ppt_x"/>
+                                          </p:val>
+                                        </p:tav>
+                                        <p:tav tm="100000">
+                                          <p:val>
+                                            <p:strVal val="#ppt_x"/>
+                                          </p:val>
+                                        </p:tav>
+                                      </p:tavLst>
+                                    </p:anim>
+                                    <p:anim calcmode="lin" valueType="num">
+                                      <p:cBhvr>
+                                        <p:cTn id="15" dur="1000" fill="hold"/>
+                                        <p:tgtEl>
+                                          <p:spTgt spid="5">
+                                            <p:txEl>
+                                              <p:pRg st="1" end="1"/>
+                                            </p:txEl>
+                                          </p:spTgt>
+                                        </p:tgtEl>
+                                        <p:attrNameLst>
+                                          <p:attrName>ppt_y</p:attrName>
+                                        </p:attrNameLst>
+                                      </p:cBhvr>
+                                      <p:tavLst>
+                                        <p:tav tm="0">
+                                          <p:val>
+                                            <p:strVal val="#ppt_y+.1"/>
+                                          </p:val>
+                                        </p:tav>
+                                        <p:tav tm="100000">
+                                          <p:val>
+                                            <p:strVal val="#ppt_y"/>
+                                          </p:val>
+                                        </p:tav>
+                                      </p:tavLst>
+                                    </p:anim>
+                                  </p:childTnLst>
+                                </p:cTn>
+                              </p:par>
+                            </p:childTnLst>
+                          </p:cTn>
+                        </p:par>
+                      </p:childTnLst>
+                    </p:cTn>
+                  </p:par>
+                </p:childTnLst>
+              </p:cTn>
+              <p:prevCondLst>
+                <p:cond evt="onPrev" delay="0">
+                  <p:tgtEl>
+                    <p:sldTgt/>
+                  </p:tgtEl>
+                </p:cond>
+              </p:prevCondLst>
+              <p:nextCondLst>
+                <p:cond evt="onNext" delay="0">
+                  <p:tgtEl>
+                    <p:sldTgt/>
+                  </p:tgtEl>
+                </p:cond>
+              </p:nextCondLst>
+            </p:seq>
+          </p:childTnLst>
+        </p:cTn>
+      </p:par>
+    </p:tnLst>
+  </p:timing>
 </p:sld>
 </file>
 
@@ -7111,6 +7648,290 @@
   <p:clrMapOvr>
     <a:masterClrMapping/>
   </p:clrMapOvr>
+  <p:transition spd="slow">
+    <p:push dir="u"/>
+  </p:transition>
+  <p:timing>
+    <p:tnLst>
+      <p:par>
+        <p:cTn id="1" dur="indefinite" restart="never" nodeType="tmRoot">
+          <p:childTnLst>
+            <p:seq concurrent="1" nextAc="seek">
+              <p:cTn id="2" dur="indefinite" nodeType="mainSeq">
+                <p:childTnLst>
+                  <p:par>
+                    <p:cTn id="3" fill="hold">
+                      <p:stCondLst>
+                        <p:cond delay="indefinite"/>
+                      </p:stCondLst>
+                      <p:childTnLst>
+                        <p:par>
+                          <p:cTn id="4" fill="hold">
+                            <p:stCondLst>
+                              <p:cond delay="0"/>
+                            </p:stCondLst>
+                            <p:childTnLst>
+                              <p:par>
+                                <p:cTn id="5" presetID="10" presetClass="entr" presetSubtype="0" fill="hold" nodeType="clickEffect">
+                                  <p:stCondLst>
+                                    <p:cond delay="0"/>
+                                  </p:stCondLst>
+                                  <p:childTnLst>
+                                    <p:set>
+                                      <p:cBhvr>
+                                        <p:cTn id="6" dur="1" fill="hold">
+                                          <p:stCondLst>
+                                            <p:cond delay="0"/>
+                                          </p:stCondLst>
+                                        </p:cTn>
+                                        <p:tgtEl>
+                                          <p:spTgt spid="15"/>
+                                        </p:tgtEl>
+                                        <p:attrNameLst>
+                                          <p:attrName>style.visibility</p:attrName>
+                                        </p:attrNameLst>
+                                      </p:cBhvr>
+                                      <p:to>
+                                        <p:strVal val="visible"/>
+                                      </p:to>
+                                    </p:set>
+                                    <p:animEffect transition="in" filter="fade">
+                                      <p:cBhvr>
+                                        <p:cTn id="7" dur="500"/>
+                                        <p:tgtEl>
+                                          <p:spTgt spid="15"/>
+                                        </p:tgtEl>
+                                      </p:cBhvr>
+                                    </p:animEffect>
+                                  </p:childTnLst>
+                                </p:cTn>
+                              </p:par>
+                              <p:par>
+                                <p:cTn id="8" presetID="10" presetClass="entr" presetSubtype="0" fill="hold" grpId="0" nodeType="withEffect">
+                                  <p:stCondLst>
+                                    <p:cond delay="0"/>
+                                  </p:stCondLst>
+                                  <p:childTnLst>
+                                    <p:set>
+                                      <p:cBhvr>
+                                        <p:cTn id="9" dur="1" fill="hold">
+                                          <p:stCondLst>
+                                            <p:cond delay="0"/>
+                                          </p:stCondLst>
+                                        </p:cTn>
+                                        <p:tgtEl>
+                                          <p:spTgt spid="18"/>
+                                        </p:tgtEl>
+                                        <p:attrNameLst>
+                                          <p:attrName>style.visibility</p:attrName>
+                                        </p:attrNameLst>
+                                      </p:cBhvr>
+                                      <p:to>
+                                        <p:strVal val="visible"/>
+                                      </p:to>
+                                    </p:set>
+                                    <p:animEffect transition="in" filter="fade">
+                                      <p:cBhvr>
+                                        <p:cTn id="10" dur="500"/>
+                                        <p:tgtEl>
+                                          <p:spTgt spid="18"/>
+                                        </p:tgtEl>
+                                      </p:cBhvr>
+                                    </p:animEffect>
+                                  </p:childTnLst>
+                                </p:cTn>
+                              </p:par>
+                            </p:childTnLst>
+                          </p:cTn>
+                        </p:par>
+                        <p:par>
+                          <p:cTn id="11" fill="hold">
+                            <p:stCondLst>
+                              <p:cond delay="500"/>
+                            </p:stCondLst>
+                            <p:childTnLst>
+                              <p:par>
+                                <p:cTn id="12" presetID="10" presetClass="entr" presetSubtype="0" fill="hold" nodeType="afterEffect">
+                                  <p:stCondLst>
+                                    <p:cond delay="0"/>
+                                  </p:stCondLst>
+                                  <p:childTnLst>
+                                    <p:set>
+                                      <p:cBhvr>
+                                        <p:cTn id="13" dur="1" fill="hold">
+                                          <p:stCondLst>
+                                            <p:cond delay="0"/>
+                                          </p:stCondLst>
+                                        </p:cTn>
+                                        <p:tgtEl>
+                                          <p:spTgt spid="16"/>
+                                        </p:tgtEl>
+                                        <p:attrNameLst>
+                                          <p:attrName>style.visibility</p:attrName>
+                                        </p:attrNameLst>
+                                      </p:cBhvr>
+                                      <p:to>
+                                        <p:strVal val="visible"/>
+                                      </p:to>
+                                    </p:set>
+                                    <p:animEffect transition="in" filter="fade">
+                                      <p:cBhvr>
+                                        <p:cTn id="14" dur="500"/>
+                                        <p:tgtEl>
+                                          <p:spTgt spid="16"/>
+                                        </p:tgtEl>
+                                      </p:cBhvr>
+                                    </p:animEffect>
+                                  </p:childTnLst>
+                                </p:cTn>
+                              </p:par>
+                              <p:par>
+                                <p:cTn id="15" presetID="10" presetClass="entr" presetSubtype="0" fill="hold" grpId="0" nodeType="withEffect">
+                                  <p:stCondLst>
+                                    <p:cond delay="0"/>
+                                  </p:stCondLst>
+                                  <p:childTnLst>
+                                    <p:set>
+                                      <p:cBhvr>
+                                        <p:cTn id="16" dur="1" fill="hold">
+                                          <p:stCondLst>
+                                            <p:cond delay="0"/>
+                                          </p:stCondLst>
+                                        </p:cTn>
+                                        <p:tgtEl>
+                                          <p:spTgt spid="19"/>
+                                        </p:tgtEl>
+                                        <p:attrNameLst>
+                                          <p:attrName>style.visibility</p:attrName>
+                                        </p:attrNameLst>
+                                      </p:cBhvr>
+                                      <p:to>
+                                        <p:strVal val="visible"/>
+                                      </p:to>
+                                    </p:set>
+                                    <p:animEffect transition="in" filter="fade">
+                                      <p:cBhvr>
+                                        <p:cTn id="17" dur="500"/>
+                                        <p:tgtEl>
+                                          <p:spTgt spid="19"/>
+                                        </p:tgtEl>
+                                      </p:cBhvr>
+                                    </p:animEffect>
+                                  </p:childTnLst>
+                                </p:cTn>
+                              </p:par>
+                            </p:childTnLst>
+                          </p:cTn>
+                        </p:par>
+                        <p:par>
+                          <p:cTn id="18" fill="hold">
+                            <p:stCondLst>
+                              <p:cond delay="1000"/>
+                            </p:stCondLst>
+                            <p:childTnLst>
+                              <p:par>
+                                <p:cTn id="19" presetID="10" presetClass="entr" presetSubtype="0" fill="hold" nodeType="afterEffect">
+                                  <p:stCondLst>
+                                    <p:cond delay="0"/>
+                                  </p:stCondLst>
+                                  <p:childTnLst>
+                                    <p:set>
+                                      <p:cBhvr>
+                                        <p:cTn id="20" dur="1" fill="hold">
+                                          <p:stCondLst>
+                                            <p:cond delay="0"/>
+                                          </p:stCondLst>
+                                        </p:cTn>
+                                        <p:tgtEl>
+                                          <p:spTgt spid="17"/>
+                                        </p:tgtEl>
+                                        <p:attrNameLst>
+                                          <p:attrName>style.visibility</p:attrName>
+                                        </p:attrNameLst>
+                                      </p:cBhvr>
+                                      <p:to>
+                                        <p:strVal val="visible"/>
+                                      </p:to>
+                                    </p:set>
+                                    <p:animEffect transition="in" filter="fade">
+                                      <p:cBhvr>
+                                        <p:cTn id="21" dur="500"/>
+                                        <p:tgtEl>
+                                          <p:spTgt spid="17"/>
+                                        </p:tgtEl>
+                                      </p:cBhvr>
+                                    </p:animEffect>
+                                  </p:childTnLst>
+                                </p:cTn>
+                              </p:par>
+                              <p:par>
+                                <p:cTn id="22" presetID="10" presetClass="entr" presetSubtype="0" fill="hold" grpId="0" nodeType="withEffect">
+                                  <p:stCondLst>
+                                    <p:cond delay="0"/>
+                                  </p:stCondLst>
+                                  <p:childTnLst>
+                                    <p:set>
+                                      <p:cBhvr>
+                                        <p:cTn id="23" dur="1" fill="hold">
+                                          <p:stCondLst>
+                                            <p:cond delay="0"/>
+                                          </p:stCondLst>
+                                        </p:cTn>
+                                        <p:tgtEl>
+                                          <p:spTgt spid="20"/>
+                                        </p:tgtEl>
+                                        <p:attrNameLst>
+                                          <p:attrName>style.visibility</p:attrName>
+                                        </p:attrNameLst>
+                                      </p:cBhvr>
+                                      <p:to>
+                                        <p:strVal val="visible"/>
+                                      </p:to>
+                                    </p:set>
+                                    <p:animEffect transition="in" filter="fade">
+                                      <p:cBhvr>
+                                        <p:cTn id="24" dur="500"/>
+                                        <p:tgtEl>
+                                          <p:spTgt spid="20"/>
+                                        </p:tgtEl>
+                                      </p:cBhvr>
+                                    </p:animEffect>
+                                  </p:childTnLst>
+                                </p:cTn>
+                              </p:par>
+                            </p:childTnLst>
+                          </p:cTn>
+                        </p:par>
+                      </p:childTnLst>
+                    </p:cTn>
+                  </p:par>
+                </p:childTnLst>
+              </p:cTn>
+              <p:prevCondLst>
+                <p:cond evt="onPrev" delay="0">
+                  <p:tgtEl>
+                    <p:sldTgt/>
+                  </p:tgtEl>
+                </p:cond>
+              </p:prevCondLst>
+              <p:nextCondLst>
+                <p:cond evt="onNext" delay="0">
+                  <p:tgtEl>
+                    <p:sldTgt/>
+                  </p:tgtEl>
+                </p:cond>
+              </p:nextCondLst>
+            </p:seq>
+          </p:childTnLst>
+        </p:cTn>
+      </p:par>
+    </p:tnLst>
+    <p:bldLst>
+      <p:bldP spid="18" grpId="0" animBg="1"/>
+      <p:bldP spid="19" grpId="0" animBg="1"/>
+      <p:bldP spid="20" grpId="0" animBg="1"/>
+    </p:bldLst>
+  </p:timing>
 </p:sld>
 </file>
 
@@ -7172,6 +7993,25 @@
   <p:clrMapOvr>
     <a:masterClrMapping/>
   </p:clrMapOvr>
+  <mc:AlternateContent xmlns:mc="http://schemas.openxmlformats.org/markup-compatibility/2006">
+    <mc:Choice xmlns:p14="http://schemas.microsoft.com/office/powerpoint/2010/main" Requires="p14">
+      <p:transition spd="slow" p14:dur="1200">
+        <p:zoom/>
+      </p:transition>
+    </mc:Choice>
+    <mc:Fallback>
+      <p:transition spd="slow">
+        <p:zoom/>
+      </p:transition>
+    </mc:Fallback>
+  </mc:AlternateContent>
+  <p:timing>
+    <p:tnLst>
+      <p:par>
+        <p:cTn id="1" dur="indefinite" restart="never" nodeType="tmRoot"/>
+      </p:par>
+    </p:tnLst>
+  </p:timing>
 </p:sld>
 </file>
 
@@ -8664,6 +9504,1484 @@
   <p:clrMapOvr>
     <a:masterClrMapping/>
   </p:clrMapOvr>
+  <mc:AlternateContent xmlns:mc="http://schemas.openxmlformats.org/markup-compatibility/2006">
+    <mc:Choice xmlns:p14="http://schemas.microsoft.com/office/powerpoint/2010/main" Requires="p14">
+      <p:transition spd="slow">
+        <p14:flash/>
+      </p:transition>
+    </mc:Choice>
+    <mc:Fallback>
+      <p:transition spd="slow">
+        <p:fade/>
+      </p:transition>
+    </mc:Fallback>
+  </mc:AlternateContent>
+  <p:timing>
+    <p:tnLst>
+      <p:par>
+        <p:cTn id="1" dur="indefinite" restart="never" nodeType="tmRoot">
+          <p:childTnLst>
+            <p:seq concurrent="1" nextAc="seek">
+              <p:cTn id="2" dur="indefinite" nodeType="mainSeq">
+                <p:childTnLst>
+                  <p:par>
+                    <p:cTn id="3" fill="hold">
+                      <p:stCondLst>
+                        <p:cond delay="indefinite"/>
+                      </p:stCondLst>
+                      <p:childTnLst>
+                        <p:par>
+                          <p:cTn id="4" fill="hold">
+                            <p:stCondLst>
+                              <p:cond delay="0"/>
+                            </p:stCondLst>
+                            <p:childTnLst>
+                              <p:par>
+                                <p:cTn id="5" presetID="2" presetClass="entr" presetSubtype="4" fill="hold" grpId="0" nodeType="clickEffect">
+                                  <p:stCondLst>
+                                    <p:cond delay="0"/>
+                                  </p:stCondLst>
+                                  <p:childTnLst>
+                                    <p:set>
+                                      <p:cBhvr>
+                                        <p:cTn id="6" dur="1" fill="hold">
+                                          <p:stCondLst>
+                                            <p:cond delay="0"/>
+                                          </p:stCondLst>
+                                        </p:cTn>
+                                        <p:tgtEl>
+                                          <p:spTgt spid="7"/>
+                                        </p:tgtEl>
+                                        <p:attrNameLst>
+                                          <p:attrName>style.visibility</p:attrName>
+                                        </p:attrNameLst>
+                                      </p:cBhvr>
+                                      <p:to>
+                                        <p:strVal val="visible"/>
+                                      </p:to>
+                                    </p:set>
+                                    <p:anim calcmode="lin" valueType="num">
+                                      <p:cBhvr additive="base">
+                                        <p:cTn id="7" dur="500" fill="hold"/>
+                                        <p:tgtEl>
+                                          <p:spTgt spid="7"/>
+                                        </p:tgtEl>
+                                        <p:attrNameLst>
+                                          <p:attrName>ppt_x</p:attrName>
+                                        </p:attrNameLst>
+                                      </p:cBhvr>
+                                      <p:tavLst>
+                                        <p:tav tm="0">
+                                          <p:val>
+                                            <p:strVal val="#ppt_x"/>
+                                          </p:val>
+                                        </p:tav>
+                                        <p:tav tm="100000">
+                                          <p:val>
+                                            <p:strVal val="#ppt_x"/>
+                                          </p:val>
+                                        </p:tav>
+                                      </p:tavLst>
+                                    </p:anim>
+                                    <p:anim calcmode="lin" valueType="num">
+                                      <p:cBhvr additive="base">
+                                        <p:cTn id="8" dur="500" fill="hold"/>
+                                        <p:tgtEl>
+                                          <p:spTgt spid="7"/>
+                                        </p:tgtEl>
+                                        <p:attrNameLst>
+                                          <p:attrName>ppt_y</p:attrName>
+                                        </p:attrNameLst>
+                                      </p:cBhvr>
+                                      <p:tavLst>
+                                        <p:tav tm="0">
+                                          <p:val>
+                                            <p:strVal val="1+#ppt_h/2"/>
+                                          </p:val>
+                                        </p:tav>
+                                        <p:tav tm="100000">
+                                          <p:val>
+                                            <p:strVal val="#ppt_y"/>
+                                          </p:val>
+                                        </p:tav>
+                                      </p:tavLst>
+                                    </p:anim>
+                                  </p:childTnLst>
+                                </p:cTn>
+                              </p:par>
+                              <p:par>
+                                <p:cTn id="9" presetID="2" presetClass="entr" presetSubtype="4" fill="hold" nodeType="withEffect">
+                                  <p:stCondLst>
+                                    <p:cond delay="0"/>
+                                  </p:stCondLst>
+                                  <p:childTnLst>
+                                    <p:set>
+                                      <p:cBhvr>
+                                        <p:cTn id="10" dur="1" fill="hold">
+                                          <p:stCondLst>
+                                            <p:cond delay="0"/>
+                                          </p:stCondLst>
+                                        </p:cTn>
+                                        <p:tgtEl>
+                                          <p:spTgt spid="11"/>
+                                        </p:tgtEl>
+                                        <p:attrNameLst>
+                                          <p:attrName>style.visibility</p:attrName>
+                                        </p:attrNameLst>
+                                      </p:cBhvr>
+                                      <p:to>
+                                        <p:strVal val="visible"/>
+                                      </p:to>
+                                    </p:set>
+                                    <p:anim calcmode="lin" valueType="num">
+                                      <p:cBhvr additive="base">
+                                        <p:cTn id="11" dur="500" fill="hold"/>
+                                        <p:tgtEl>
+                                          <p:spTgt spid="11"/>
+                                        </p:tgtEl>
+                                        <p:attrNameLst>
+                                          <p:attrName>ppt_x</p:attrName>
+                                        </p:attrNameLst>
+                                      </p:cBhvr>
+                                      <p:tavLst>
+                                        <p:tav tm="0">
+                                          <p:val>
+                                            <p:strVal val="#ppt_x"/>
+                                          </p:val>
+                                        </p:tav>
+                                        <p:tav tm="100000">
+                                          <p:val>
+                                            <p:strVal val="#ppt_x"/>
+                                          </p:val>
+                                        </p:tav>
+                                      </p:tavLst>
+                                    </p:anim>
+                                    <p:anim calcmode="lin" valueType="num">
+                                      <p:cBhvr additive="base">
+                                        <p:cTn id="12" dur="500" fill="hold"/>
+                                        <p:tgtEl>
+                                          <p:spTgt spid="11"/>
+                                        </p:tgtEl>
+                                        <p:attrNameLst>
+                                          <p:attrName>ppt_y</p:attrName>
+                                        </p:attrNameLst>
+                                      </p:cBhvr>
+                                      <p:tavLst>
+                                        <p:tav tm="0">
+                                          <p:val>
+                                            <p:strVal val="1+#ppt_h/2"/>
+                                          </p:val>
+                                        </p:tav>
+                                        <p:tav tm="100000">
+                                          <p:val>
+                                            <p:strVal val="#ppt_y"/>
+                                          </p:val>
+                                        </p:tav>
+                                      </p:tavLst>
+                                    </p:anim>
+                                  </p:childTnLst>
+                                </p:cTn>
+                              </p:par>
+                              <p:par>
+                                <p:cTn id="13" presetID="2" presetClass="entr" presetSubtype="4" fill="hold" grpId="0" nodeType="withEffect">
+                                  <p:stCondLst>
+                                    <p:cond delay="0"/>
+                                  </p:stCondLst>
+                                  <p:childTnLst>
+                                    <p:set>
+                                      <p:cBhvr>
+                                        <p:cTn id="14" dur="1" fill="hold">
+                                          <p:stCondLst>
+                                            <p:cond delay="0"/>
+                                          </p:stCondLst>
+                                        </p:cTn>
+                                        <p:tgtEl>
+                                          <p:spTgt spid="33"/>
+                                        </p:tgtEl>
+                                        <p:attrNameLst>
+                                          <p:attrName>style.visibility</p:attrName>
+                                        </p:attrNameLst>
+                                      </p:cBhvr>
+                                      <p:to>
+                                        <p:strVal val="visible"/>
+                                      </p:to>
+                                    </p:set>
+                                    <p:anim calcmode="lin" valueType="num">
+                                      <p:cBhvr additive="base">
+                                        <p:cTn id="15" dur="500" fill="hold"/>
+                                        <p:tgtEl>
+                                          <p:spTgt spid="33"/>
+                                        </p:tgtEl>
+                                        <p:attrNameLst>
+                                          <p:attrName>ppt_x</p:attrName>
+                                        </p:attrNameLst>
+                                      </p:cBhvr>
+                                      <p:tavLst>
+                                        <p:tav tm="0">
+                                          <p:val>
+                                            <p:strVal val="#ppt_x"/>
+                                          </p:val>
+                                        </p:tav>
+                                        <p:tav tm="100000">
+                                          <p:val>
+                                            <p:strVal val="#ppt_x"/>
+                                          </p:val>
+                                        </p:tav>
+                                      </p:tavLst>
+                                    </p:anim>
+                                    <p:anim calcmode="lin" valueType="num">
+                                      <p:cBhvr additive="base">
+                                        <p:cTn id="16" dur="500" fill="hold"/>
+                                        <p:tgtEl>
+                                          <p:spTgt spid="33"/>
+                                        </p:tgtEl>
+                                        <p:attrNameLst>
+                                          <p:attrName>ppt_y</p:attrName>
+                                        </p:attrNameLst>
+                                      </p:cBhvr>
+                                      <p:tavLst>
+                                        <p:tav tm="0">
+                                          <p:val>
+                                            <p:strVal val="1+#ppt_h/2"/>
+                                          </p:val>
+                                        </p:tav>
+                                        <p:tav tm="100000">
+                                          <p:val>
+                                            <p:strVal val="#ppt_y"/>
+                                          </p:val>
+                                        </p:tav>
+                                      </p:tavLst>
+                                    </p:anim>
+                                  </p:childTnLst>
+                                </p:cTn>
+                              </p:par>
+                            </p:childTnLst>
+                          </p:cTn>
+                        </p:par>
+                      </p:childTnLst>
+                    </p:cTn>
+                  </p:par>
+                  <p:par>
+                    <p:cTn id="17" fill="hold">
+                      <p:stCondLst>
+                        <p:cond delay="indefinite"/>
+                      </p:stCondLst>
+                      <p:childTnLst>
+                        <p:par>
+                          <p:cTn id="18" fill="hold">
+                            <p:stCondLst>
+                              <p:cond delay="0"/>
+                            </p:stCondLst>
+                            <p:childTnLst>
+                              <p:par>
+                                <p:cTn id="19" presetID="2" presetClass="entr" presetSubtype="4" fill="hold" grpId="0" nodeType="clickEffect">
+                                  <p:stCondLst>
+                                    <p:cond delay="0"/>
+                                  </p:stCondLst>
+                                  <p:childTnLst>
+                                    <p:set>
+                                      <p:cBhvr>
+                                        <p:cTn id="20" dur="1" fill="hold">
+                                          <p:stCondLst>
+                                            <p:cond delay="0"/>
+                                          </p:stCondLst>
+                                        </p:cTn>
+                                        <p:tgtEl>
+                                          <p:spTgt spid="9"/>
+                                        </p:tgtEl>
+                                        <p:attrNameLst>
+                                          <p:attrName>style.visibility</p:attrName>
+                                        </p:attrNameLst>
+                                      </p:cBhvr>
+                                      <p:to>
+                                        <p:strVal val="visible"/>
+                                      </p:to>
+                                    </p:set>
+                                    <p:anim calcmode="lin" valueType="num">
+                                      <p:cBhvr additive="base">
+                                        <p:cTn id="21" dur="500" fill="hold"/>
+                                        <p:tgtEl>
+                                          <p:spTgt spid="9"/>
+                                        </p:tgtEl>
+                                        <p:attrNameLst>
+                                          <p:attrName>ppt_x</p:attrName>
+                                        </p:attrNameLst>
+                                      </p:cBhvr>
+                                      <p:tavLst>
+                                        <p:tav tm="0">
+                                          <p:val>
+                                            <p:strVal val="#ppt_x"/>
+                                          </p:val>
+                                        </p:tav>
+                                        <p:tav tm="100000">
+                                          <p:val>
+                                            <p:strVal val="#ppt_x"/>
+                                          </p:val>
+                                        </p:tav>
+                                      </p:tavLst>
+                                    </p:anim>
+                                    <p:anim calcmode="lin" valueType="num">
+                                      <p:cBhvr additive="base">
+                                        <p:cTn id="22" dur="500" fill="hold"/>
+                                        <p:tgtEl>
+                                          <p:spTgt spid="9"/>
+                                        </p:tgtEl>
+                                        <p:attrNameLst>
+                                          <p:attrName>ppt_y</p:attrName>
+                                        </p:attrNameLst>
+                                      </p:cBhvr>
+                                      <p:tavLst>
+                                        <p:tav tm="0">
+                                          <p:val>
+                                            <p:strVal val="1+#ppt_h/2"/>
+                                          </p:val>
+                                        </p:tav>
+                                        <p:tav tm="100000">
+                                          <p:val>
+                                            <p:strVal val="#ppt_y"/>
+                                          </p:val>
+                                        </p:tav>
+                                      </p:tavLst>
+                                    </p:anim>
+                                  </p:childTnLst>
+                                </p:cTn>
+                              </p:par>
+                              <p:par>
+                                <p:cTn id="23" presetID="2" presetClass="entr" presetSubtype="4" fill="hold" nodeType="withEffect">
+                                  <p:stCondLst>
+                                    <p:cond delay="0"/>
+                                  </p:stCondLst>
+                                  <p:childTnLst>
+                                    <p:set>
+                                      <p:cBhvr>
+                                        <p:cTn id="24" dur="1" fill="hold">
+                                          <p:stCondLst>
+                                            <p:cond delay="0"/>
+                                          </p:stCondLst>
+                                        </p:cTn>
+                                        <p:tgtEl>
+                                          <p:spTgt spid="14"/>
+                                        </p:tgtEl>
+                                        <p:attrNameLst>
+                                          <p:attrName>style.visibility</p:attrName>
+                                        </p:attrNameLst>
+                                      </p:cBhvr>
+                                      <p:to>
+                                        <p:strVal val="visible"/>
+                                      </p:to>
+                                    </p:set>
+                                    <p:anim calcmode="lin" valueType="num">
+                                      <p:cBhvr additive="base">
+                                        <p:cTn id="25" dur="500" fill="hold"/>
+                                        <p:tgtEl>
+                                          <p:spTgt spid="14"/>
+                                        </p:tgtEl>
+                                        <p:attrNameLst>
+                                          <p:attrName>ppt_x</p:attrName>
+                                        </p:attrNameLst>
+                                      </p:cBhvr>
+                                      <p:tavLst>
+                                        <p:tav tm="0">
+                                          <p:val>
+                                            <p:strVal val="#ppt_x"/>
+                                          </p:val>
+                                        </p:tav>
+                                        <p:tav tm="100000">
+                                          <p:val>
+                                            <p:strVal val="#ppt_x"/>
+                                          </p:val>
+                                        </p:tav>
+                                      </p:tavLst>
+                                    </p:anim>
+                                    <p:anim calcmode="lin" valueType="num">
+                                      <p:cBhvr additive="base">
+                                        <p:cTn id="26" dur="500" fill="hold"/>
+                                        <p:tgtEl>
+                                          <p:spTgt spid="14"/>
+                                        </p:tgtEl>
+                                        <p:attrNameLst>
+                                          <p:attrName>ppt_y</p:attrName>
+                                        </p:attrNameLst>
+                                      </p:cBhvr>
+                                      <p:tavLst>
+                                        <p:tav tm="0">
+                                          <p:val>
+                                            <p:strVal val="1+#ppt_h/2"/>
+                                          </p:val>
+                                        </p:tav>
+                                        <p:tav tm="100000">
+                                          <p:val>
+                                            <p:strVal val="#ppt_y"/>
+                                          </p:val>
+                                        </p:tav>
+                                      </p:tavLst>
+                                    </p:anim>
+                                  </p:childTnLst>
+                                </p:cTn>
+                              </p:par>
+                              <p:par>
+                                <p:cTn id="27" presetID="2" presetClass="entr" presetSubtype="4" fill="hold" grpId="0" nodeType="withEffect">
+                                  <p:stCondLst>
+                                    <p:cond delay="0"/>
+                                  </p:stCondLst>
+                                  <p:childTnLst>
+                                    <p:set>
+                                      <p:cBhvr>
+                                        <p:cTn id="28" dur="1" fill="hold">
+                                          <p:stCondLst>
+                                            <p:cond delay="0"/>
+                                          </p:stCondLst>
+                                        </p:cTn>
+                                        <p:tgtEl>
+                                          <p:spTgt spid="34"/>
+                                        </p:tgtEl>
+                                        <p:attrNameLst>
+                                          <p:attrName>style.visibility</p:attrName>
+                                        </p:attrNameLst>
+                                      </p:cBhvr>
+                                      <p:to>
+                                        <p:strVal val="visible"/>
+                                      </p:to>
+                                    </p:set>
+                                    <p:anim calcmode="lin" valueType="num">
+                                      <p:cBhvr additive="base">
+                                        <p:cTn id="29" dur="500" fill="hold"/>
+                                        <p:tgtEl>
+                                          <p:spTgt spid="34"/>
+                                        </p:tgtEl>
+                                        <p:attrNameLst>
+                                          <p:attrName>ppt_x</p:attrName>
+                                        </p:attrNameLst>
+                                      </p:cBhvr>
+                                      <p:tavLst>
+                                        <p:tav tm="0">
+                                          <p:val>
+                                            <p:strVal val="#ppt_x"/>
+                                          </p:val>
+                                        </p:tav>
+                                        <p:tav tm="100000">
+                                          <p:val>
+                                            <p:strVal val="#ppt_x"/>
+                                          </p:val>
+                                        </p:tav>
+                                      </p:tavLst>
+                                    </p:anim>
+                                    <p:anim calcmode="lin" valueType="num">
+                                      <p:cBhvr additive="base">
+                                        <p:cTn id="30" dur="500" fill="hold"/>
+                                        <p:tgtEl>
+                                          <p:spTgt spid="34"/>
+                                        </p:tgtEl>
+                                        <p:attrNameLst>
+                                          <p:attrName>ppt_y</p:attrName>
+                                        </p:attrNameLst>
+                                      </p:cBhvr>
+                                      <p:tavLst>
+                                        <p:tav tm="0">
+                                          <p:val>
+                                            <p:strVal val="1+#ppt_h/2"/>
+                                          </p:val>
+                                        </p:tav>
+                                        <p:tav tm="100000">
+                                          <p:val>
+                                            <p:strVal val="#ppt_y"/>
+                                          </p:val>
+                                        </p:tav>
+                                      </p:tavLst>
+                                    </p:anim>
+                                  </p:childTnLst>
+                                </p:cTn>
+                              </p:par>
+                            </p:childTnLst>
+                          </p:cTn>
+                        </p:par>
+                      </p:childTnLst>
+                    </p:cTn>
+                  </p:par>
+                  <p:par>
+                    <p:cTn id="31" fill="hold">
+                      <p:stCondLst>
+                        <p:cond delay="indefinite"/>
+                      </p:stCondLst>
+                      <p:childTnLst>
+                        <p:par>
+                          <p:cTn id="32" fill="hold">
+                            <p:stCondLst>
+                              <p:cond delay="0"/>
+                            </p:stCondLst>
+                            <p:childTnLst>
+                              <p:par>
+                                <p:cTn id="33" presetID="2" presetClass="entr" presetSubtype="4" fill="hold" grpId="0" nodeType="clickEffect">
+                                  <p:stCondLst>
+                                    <p:cond delay="0"/>
+                                  </p:stCondLst>
+                                  <p:childTnLst>
+                                    <p:set>
+                                      <p:cBhvr>
+                                        <p:cTn id="34" dur="1" fill="hold">
+                                          <p:stCondLst>
+                                            <p:cond delay="0"/>
+                                          </p:stCondLst>
+                                        </p:cTn>
+                                        <p:tgtEl>
+                                          <p:spTgt spid="10"/>
+                                        </p:tgtEl>
+                                        <p:attrNameLst>
+                                          <p:attrName>style.visibility</p:attrName>
+                                        </p:attrNameLst>
+                                      </p:cBhvr>
+                                      <p:to>
+                                        <p:strVal val="visible"/>
+                                      </p:to>
+                                    </p:set>
+                                    <p:anim calcmode="lin" valueType="num">
+                                      <p:cBhvr additive="base">
+                                        <p:cTn id="35" dur="500" fill="hold"/>
+                                        <p:tgtEl>
+                                          <p:spTgt spid="10"/>
+                                        </p:tgtEl>
+                                        <p:attrNameLst>
+                                          <p:attrName>ppt_x</p:attrName>
+                                        </p:attrNameLst>
+                                      </p:cBhvr>
+                                      <p:tavLst>
+                                        <p:tav tm="0">
+                                          <p:val>
+                                            <p:strVal val="#ppt_x"/>
+                                          </p:val>
+                                        </p:tav>
+                                        <p:tav tm="100000">
+                                          <p:val>
+                                            <p:strVal val="#ppt_x"/>
+                                          </p:val>
+                                        </p:tav>
+                                      </p:tavLst>
+                                    </p:anim>
+                                    <p:anim calcmode="lin" valueType="num">
+                                      <p:cBhvr additive="base">
+                                        <p:cTn id="36" dur="500" fill="hold"/>
+                                        <p:tgtEl>
+                                          <p:spTgt spid="10"/>
+                                        </p:tgtEl>
+                                        <p:attrNameLst>
+                                          <p:attrName>ppt_y</p:attrName>
+                                        </p:attrNameLst>
+                                      </p:cBhvr>
+                                      <p:tavLst>
+                                        <p:tav tm="0">
+                                          <p:val>
+                                            <p:strVal val="1+#ppt_h/2"/>
+                                          </p:val>
+                                        </p:tav>
+                                        <p:tav tm="100000">
+                                          <p:val>
+                                            <p:strVal val="#ppt_y"/>
+                                          </p:val>
+                                        </p:tav>
+                                      </p:tavLst>
+                                    </p:anim>
+                                  </p:childTnLst>
+                                </p:cTn>
+                              </p:par>
+                              <p:par>
+                                <p:cTn id="37" presetID="2" presetClass="entr" presetSubtype="4" fill="hold" nodeType="withEffect">
+                                  <p:stCondLst>
+                                    <p:cond delay="0"/>
+                                  </p:stCondLst>
+                                  <p:childTnLst>
+                                    <p:set>
+                                      <p:cBhvr>
+                                        <p:cTn id="38" dur="1" fill="hold">
+                                          <p:stCondLst>
+                                            <p:cond delay="0"/>
+                                          </p:stCondLst>
+                                        </p:cTn>
+                                        <p:tgtEl>
+                                          <p:spTgt spid="17"/>
+                                        </p:tgtEl>
+                                        <p:attrNameLst>
+                                          <p:attrName>style.visibility</p:attrName>
+                                        </p:attrNameLst>
+                                      </p:cBhvr>
+                                      <p:to>
+                                        <p:strVal val="visible"/>
+                                      </p:to>
+                                    </p:set>
+                                    <p:anim calcmode="lin" valueType="num">
+                                      <p:cBhvr additive="base">
+                                        <p:cTn id="39" dur="500" fill="hold"/>
+                                        <p:tgtEl>
+                                          <p:spTgt spid="17"/>
+                                        </p:tgtEl>
+                                        <p:attrNameLst>
+                                          <p:attrName>ppt_x</p:attrName>
+                                        </p:attrNameLst>
+                                      </p:cBhvr>
+                                      <p:tavLst>
+                                        <p:tav tm="0">
+                                          <p:val>
+                                            <p:strVal val="#ppt_x"/>
+                                          </p:val>
+                                        </p:tav>
+                                        <p:tav tm="100000">
+                                          <p:val>
+                                            <p:strVal val="#ppt_x"/>
+                                          </p:val>
+                                        </p:tav>
+                                      </p:tavLst>
+                                    </p:anim>
+                                    <p:anim calcmode="lin" valueType="num">
+                                      <p:cBhvr additive="base">
+                                        <p:cTn id="40" dur="500" fill="hold"/>
+                                        <p:tgtEl>
+                                          <p:spTgt spid="17"/>
+                                        </p:tgtEl>
+                                        <p:attrNameLst>
+                                          <p:attrName>ppt_y</p:attrName>
+                                        </p:attrNameLst>
+                                      </p:cBhvr>
+                                      <p:tavLst>
+                                        <p:tav tm="0">
+                                          <p:val>
+                                            <p:strVal val="1+#ppt_h/2"/>
+                                          </p:val>
+                                        </p:tav>
+                                        <p:tav tm="100000">
+                                          <p:val>
+                                            <p:strVal val="#ppt_y"/>
+                                          </p:val>
+                                        </p:tav>
+                                      </p:tavLst>
+                                    </p:anim>
+                                  </p:childTnLst>
+                                </p:cTn>
+                              </p:par>
+                              <p:par>
+                                <p:cTn id="41" presetID="2" presetClass="entr" presetSubtype="4" fill="hold" grpId="0" nodeType="withEffect">
+                                  <p:stCondLst>
+                                    <p:cond delay="0"/>
+                                  </p:stCondLst>
+                                  <p:childTnLst>
+                                    <p:set>
+                                      <p:cBhvr>
+                                        <p:cTn id="42" dur="1" fill="hold">
+                                          <p:stCondLst>
+                                            <p:cond delay="0"/>
+                                          </p:stCondLst>
+                                        </p:cTn>
+                                        <p:tgtEl>
+                                          <p:spTgt spid="35"/>
+                                        </p:tgtEl>
+                                        <p:attrNameLst>
+                                          <p:attrName>style.visibility</p:attrName>
+                                        </p:attrNameLst>
+                                      </p:cBhvr>
+                                      <p:to>
+                                        <p:strVal val="visible"/>
+                                      </p:to>
+                                    </p:set>
+                                    <p:anim calcmode="lin" valueType="num">
+                                      <p:cBhvr additive="base">
+                                        <p:cTn id="43" dur="500" fill="hold"/>
+                                        <p:tgtEl>
+                                          <p:spTgt spid="35"/>
+                                        </p:tgtEl>
+                                        <p:attrNameLst>
+                                          <p:attrName>ppt_x</p:attrName>
+                                        </p:attrNameLst>
+                                      </p:cBhvr>
+                                      <p:tavLst>
+                                        <p:tav tm="0">
+                                          <p:val>
+                                            <p:strVal val="#ppt_x"/>
+                                          </p:val>
+                                        </p:tav>
+                                        <p:tav tm="100000">
+                                          <p:val>
+                                            <p:strVal val="#ppt_x"/>
+                                          </p:val>
+                                        </p:tav>
+                                      </p:tavLst>
+                                    </p:anim>
+                                    <p:anim calcmode="lin" valueType="num">
+                                      <p:cBhvr additive="base">
+                                        <p:cTn id="44" dur="500" fill="hold"/>
+                                        <p:tgtEl>
+                                          <p:spTgt spid="35"/>
+                                        </p:tgtEl>
+                                        <p:attrNameLst>
+                                          <p:attrName>ppt_y</p:attrName>
+                                        </p:attrNameLst>
+                                      </p:cBhvr>
+                                      <p:tavLst>
+                                        <p:tav tm="0">
+                                          <p:val>
+                                            <p:strVal val="1+#ppt_h/2"/>
+                                          </p:val>
+                                        </p:tav>
+                                        <p:tav tm="100000">
+                                          <p:val>
+                                            <p:strVal val="#ppt_y"/>
+                                          </p:val>
+                                        </p:tav>
+                                      </p:tavLst>
+                                    </p:anim>
+                                  </p:childTnLst>
+                                </p:cTn>
+                              </p:par>
+                            </p:childTnLst>
+                          </p:cTn>
+                        </p:par>
+                      </p:childTnLst>
+                    </p:cTn>
+                  </p:par>
+                  <p:par>
+                    <p:cTn id="45" fill="hold">
+                      <p:stCondLst>
+                        <p:cond delay="indefinite"/>
+                      </p:stCondLst>
+                      <p:childTnLst>
+                        <p:par>
+                          <p:cTn id="46" fill="hold">
+                            <p:stCondLst>
+                              <p:cond delay="0"/>
+                            </p:stCondLst>
+                            <p:childTnLst>
+                              <p:par>
+                                <p:cTn id="47" presetID="2" presetClass="entr" presetSubtype="4" fill="hold" grpId="0" nodeType="clickEffect">
+                                  <p:stCondLst>
+                                    <p:cond delay="0"/>
+                                  </p:stCondLst>
+                                  <p:childTnLst>
+                                    <p:set>
+                                      <p:cBhvr>
+                                        <p:cTn id="48" dur="1" fill="hold">
+                                          <p:stCondLst>
+                                            <p:cond delay="0"/>
+                                          </p:stCondLst>
+                                        </p:cTn>
+                                        <p:tgtEl>
+                                          <p:spTgt spid="20"/>
+                                        </p:tgtEl>
+                                        <p:attrNameLst>
+                                          <p:attrName>style.visibility</p:attrName>
+                                        </p:attrNameLst>
+                                      </p:cBhvr>
+                                      <p:to>
+                                        <p:strVal val="visible"/>
+                                      </p:to>
+                                    </p:set>
+                                    <p:anim calcmode="lin" valueType="num">
+                                      <p:cBhvr additive="base">
+                                        <p:cTn id="49" dur="500" fill="hold"/>
+                                        <p:tgtEl>
+                                          <p:spTgt spid="20"/>
+                                        </p:tgtEl>
+                                        <p:attrNameLst>
+                                          <p:attrName>ppt_x</p:attrName>
+                                        </p:attrNameLst>
+                                      </p:cBhvr>
+                                      <p:tavLst>
+                                        <p:tav tm="0">
+                                          <p:val>
+                                            <p:strVal val="#ppt_x"/>
+                                          </p:val>
+                                        </p:tav>
+                                        <p:tav tm="100000">
+                                          <p:val>
+                                            <p:strVal val="#ppt_x"/>
+                                          </p:val>
+                                        </p:tav>
+                                      </p:tavLst>
+                                    </p:anim>
+                                    <p:anim calcmode="lin" valueType="num">
+                                      <p:cBhvr additive="base">
+                                        <p:cTn id="50" dur="500" fill="hold"/>
+                                        <p:tgtEl>
+                                          <p:spTgt spid="20"/>
+                                        </p:tgtEl>
+                                        <p:attrNameLst>
+                                          <p:attrName>ppt_y</p:attrName>
+                                        </p:attrNameLst>
+                                      </p:cBhvr>
+                                      <p:tavLst>
+                                        <p:tav tm="0">
+                                          <p:val>
+                                            <p:strVal val="1+#ppt_h/2"/>
+                                          </p:val>
+                                        </p:tav>
+                                        <p:tav tm="100000">
+                                          <p:val>
+                                            <p:strVal val="#ppt_y"/>
+                                          </p:val>
+                                        </p:tav>
+                                      </p:tavLst>
+                                    </p:anim>
+                                  </p:childTnLst>
+                                </p:cTn>
+                              </p:par>
+                              <p:par>
+                                <p:cTn id="51" presetID="2" presetClass="entr" presetSubtype="4" fill="hold" nodeType="withEffect">
+                                  <p:stCondLst>
+                                    <p:cond delay="0"/>
+                                  </p:stCondLst>
+                                  <p:childTnLst>
+                                    <p:set>
+                                      <p:cBhvr>
+                                        <p:cTn id="52" dur="1" fill="hold">
+                                          <p:stCondLst>
+                                            <p:cond delay="0"/>
+                                          </p:stCondLst>
+                                        </p:cTn>
+                                        <p:tgtEl>
+                                          <p:spTgt spid="23"/>
+                                        </p:tgtEl>
+                                        <p:attrNameLst>
+                                          <p:attrName>style.visibility</p:attrName>
+                                        </p:attrNameLst>
+                                      </p:cBhvr>
+                                      <p:to>
+                                        <p:strVal val="visible"/>
+                                      </p:to>
+                                    </p:set>
+                                    <p:anim calcmode="lin" valueType="num">
+                                      <p:cBhvr additive="base">
+                                        <p:cTn id="53" dur="500" fill="hold"/>
+                                        <p:tgtEl>
+                                          <p:spTgt spid="23"/>
+                                        </p:tgtEl>
+                                        <p:attrNameLst>
+                                          <p:attrName>ppt_x</p:attrName>
+                                        </p:attrNameLst>
+                                      </p:cBhvr>
+                                      <p:tavLst>
+                                        <p:tav tm="0">
+                                          <p:val>
+                                            <p:strVal val="#ppt_x"/>
+                                          </p:val>
+                                        </p:tav>
+                                        <p:tav tm="100000">
+                                          <p:val>
+                                            <p:strVal val="#ppt_x"/>
+                                          </p:val>
+                                        </p:tav>
+                                      </p:tavLst>
+                                    </p:anim>
+                                    <p:anim calcmode="lin" valueType="num">
+                                      <p:cBhvr additive="base">
+                                        <p:cTn id="54" dur="500" fill="hold"/>
+                                        <p:tgtEl>
+                                          <p:spTgt spid="23"/>
+                                        </p:tgtEl>
+                                        <p:attrNameLst>
+                                          <p:attrName>ppt_y</p:attrName>
+                                        </p:attrNameLst>
+                                      </p:cBhvr>
+                                      <p:tavLst>
+                                        <p:tav tm="0">
+                                          <p:val>
+                                            <p:strVal val="1+#ppt_h/2"/>
+                                          </p:val>
+                                        </p:tav>
+                                        <p:tav tm="100000">
+                                          <p:val>
+                                            <p:strVal val="#ppt_y"/>
+                                          </p:val>
+                                        </p:tav>
+                                      </p:tavLst>
+                                    </p:anim>
+                                  </p:childTnLst>
+                                </p:cTn>
+                              </p:par>
+                              <p:par>
+                                <p:cTn id="55" presetID="2" presetClass="entr" presetSubtype="4" fill="hold" grpId="0" nodeType="withEffect">
+                                  <p:stCondLst>
+                                    <p:cond delay="0"/>
+                                  </p:stCondLst>
+                                  <p:childTnLst>
+                                    <p:set>
+                                      <p:cBhvr>
+                                        <p:cTn id="56" dur="1" fill="hold">
+                                          <p:stCondLst>
+                                            <p:cond delay="0"/>
+                                          </p:stCondLst>
+                                        </p:cTn>
+                                        <p:tgtEl>
+                                          <p:spTgt spid="36"/>
+                                        </p:tgtEl>
+                                        <p:attrNameLst>
+                                          <p:attrName>style.visibility</p:attrName>
+                                        </p:attrNameLst>
+                                      </p:cBhvr>
+                                      <p:to>
+                                        <p:strVal val="visible"/>
+                                      </p:to>
+                                    </p:set>
+                                    <p:anim calcmode="lin" valueType="num">
+                                      <p:cBhvr additive="base">
+                                        <p:cTn id="57" dur="500" fill="hold"/>
+                                        <p:tgtEl>
+                                          <p:spTgt spid="36"/>
+                                        </p:tgtEl>
+                                        <p:attrNameLst>
+                                          <p:attrName>ppt_x</p:attrName>
+                                        </p:attrNameLst>
+                                      </p:cBhvr>
+                                      <p:tavLst>
+                                        <p:tav tm="0">
+                                          <p:val>
+                                            <p:strVal val="#ppt_x"/>
+                                          </p:val>
+                                        </p:tav>
+                                        <p:tav tm="100000">
+                                          <p:val>
+                                            <p:strVal val="#ppt_x"/>
+                                          </p:val>
+                                        </p:tav>
+                                      </p:tavLst>
+                                    </p:anim>
+                                    <p:anim calcmode="lin" valueType="num">
+                                      <p:cBhvr additive="base">
+                                        <p:cTn id="58" dur="500" fill="hold"/>
+                                        <p:tgtEl>
+                                          <p:spTgt spid="36"/>
+                                        </p:tgtEl>
+                                        <p:attrNameLst>
+                                          <p:attrName>ppt_y</p:attrName>
+                                        </p:attrNameLst>
+                                      </p:cBhvr>
+                                      <p:tavLst>
+                                        <p:tav tm="0">
+                                          <p:val>
+                                            <p:strVal val="1+#ppt_h/2"/>
+                                          </p:val>
+                                        </p:tav>
+                                        <p:tav tm="100000">
+                                          <p:val>
+                                            <p:strVal val="#ppt_y"/>
+                                          </p:val>
+                                        </p:tav>
+                                      </p:tavLst>
+                                    </p:anim>
+                                  </p:childTnLst>
+                                </p:cTn>
+                              </p:par>
+                            </p:childTnLst>
+                          </p:cTn>
+                        </p:par>
+                      </p:childTnLst>
+                    </p:cTn>
+                  </p:par>
+                  <p:par>
+                    <p:cTn id="59" fill="hold">
+                      <p:stCondLst>
+                        <p:cond delay="indefinite"/>
+                      </p:stCondLst>
+                      <p:childTnLst>
+                        <p:par>
+                          <p:cTn id="60" fill="hold">
+                            <p:stCondLst>
+                              <p:cond delay="0"/>
+                            </p:stCondLst>
+                            <p:childTnLst>
+                              <p:par>
+                                <p:cTn id="61" presetID="2" presetClass="entr" presetSubtype="4" fill="hold" grpId="0" nodeType="clickEffect">
+                                  <p:stCondLst>
+                                    <p:cond delay="0"/>
+                                  </p:stCondLst>
+                                  <p:childTnLst>
+                                    <p:set>
+                                      <p:cBhvr>
+                                        <p:cTn id="62" dur="1" fill="hold">
+                                          <p:stCondLst>
+                                            <p:cond delay="0"/>
+                                          </p:stCondLst>
+                                        </p:cTn>
+                                        <p:tgtEl>
+                                          <p:spTgt spid="21"/>
+                                        </p:tgtEl>
+                                        <p:attrNameLst>
+                                          <p:attrName>style.visibility</p:attrName>
+                                        </p:attrNameLst>
+                                      </p:cBhvr>
+                                      <p:to>
+                                        <p:strVal val="visible"/>
+                                      </p:to>
+                                    </p:set>
+                                    <p:anim calcmode="lin" valueType="num">
+                                      <p:cBhvr additive="base">
+                                        <p:cTn id="63" dur="500" fill="hold"/>
+                                        <p:tgtEl>
+                                          <p:spTgt spid="21"/>
+                                        </p:tgtEl>
+                                        <p:attrNameLst>
+                                          <p:attrName>ppt_x</p:attrName>
+                                        </p:attrNameLst>
+                                      </p:cBhvr>
+                                      <p:tavLst>
+                                        <p:tav tm="0">
+                                          <p:val>
+                                            <p:strVal val="#ppt_x"/>
+                                          </p:val>
+                                        </p:tav>
+                                        <p:tav tm="100000">
+                                          <p:val>
+                                            <p:strVal val="#ppt_x"/>
+                                          </p:val>
+                                        </p:tav>
+                                      </p:tavLst>
+                                    </p:anim>
+                                    <p:anim calcmode="lin" valueType="num">
+                                      <p:cBhvr additive="base">
+                                        <p:cTn id="64" dur="500" fill="hold"/>
+                                        <p:tgtEl>
+                                          <p:spTgt spid="21"/>
+                                        </p:tgtEl>
+                                        <p:attrNameLst>
+                                          <p:attrName>ppt_y</p:attrName>
+                                        </p:attrNameLst>
+                                      </p:cBhvr>
+                                      <p:tavLst>
+                                        <p:tav tm="0">
+                                          <p:val>
+                                            <p:strVal val="1+#ppt_h/2"/>
+                                          </p:val>
+                                        </p:tav>
+                                        <p:tav tm="100000">
+                                          <p:val>
+                                            <p:strVal val="#ppt_y"/>
+                                          </p:val>
+                                        </p:tav>
+                                      </p:tavLst>
+                                    </p:anim>
+                                  </p:childTnLst>
+                                </p:cTn>
+                              </p:par>
+                              <p:par>
+                                <p:cTn id="65" presetID="2" presetClass="entr" presetSubtype="4" fill="hold" nodeType="withEffect">
+                                  <p:stCondLst>
+                                    <p:cond delay="0"/>
+                                  </p:stCondLst>
+                                  <p:childTnLst>
+                                    <p:set>
+                                      <p:cBhvr>
+                                        <p:cTn id="66" dur="1" fill="hold">
+                                          <p:stCondLst>
+                                            <p:cond delay="0"/>
+                                          </p:stCondLst>
+                                        </p:cTn>
+                                        <p:tgtEl>
+                                          <p:spTgt spid="26"/>
+                                        </p:tgtEl>
+                                        <p:attrNameLst>
+                                          <p:attrName>style.visibility</p:attrName>
+                                        </p:attrNameLst>
+                                      </p:cBhvr>
+                                      <p:to>
+                                        <p:strVal val="visible"/>
+                                      </p:to>
+                                    </p:set>
+                                    <p:anim calcmode="lin" valueType="num">
+                                      <p:cBhvr additive="base">
+                                        <p:cTn id="67" dur="500" fill="hold"/>
+                                        <p:tgtEl>
+                                          <p:spTgt spid="26"/>
+                                        </p:tgtEl>
+                                        <p:attrNameLst>
+                                          <p:attrName>ppt_x</p:attrName>
+                                        </p:attrNameLst>
+                                      </p:cBhvr>
+                                      <p:tavLst>
+                                        <p:tav tm="0">
+                                          <p:val>
+                                            <p:strVal val="#ppt_x"/>
+                                          </p:val>
+                                        </p:tav>
+                                        <p:tav tm="100000">
+                                          <p:val>
+                                            <p:strVal val="#ppt_x"/>
+                                          </p:val>
+                                        </p:tav>
+                                      </p:tavLst>
+                                    </p:anim>
+                                    <p:anim calcmode="lin" valueType="num">
+                                      <p:cBhvr additive="base">
+                                        <p:cTn id="68" dur="500" fill="hold"/>
+                                        <p:tgtEl>
+                                          <p:spTgt spid="26"/>
+                                        </p:tgtEl>
+                                        <p:attrNameLst>
+                                          <p:attrName>ppt_y</p:attrName>
+                                        </p:attrNameLst>
+                                      </p:cBhvr>
+                                      <p:tavLst>
+                                        <p:tav tm="0">
+                                          <p:val>
+                                            <p:strVal val="1+#ppt_h/2"/>
+                                          </p:val>
+                                        </p:tav>
+                                        <p:tav tm="100000">
+                                          <p:val>
+                                            <p:strVal val="#ppt_y"/>
+                                          </p:val>
+                                        </p:tav>
+                                      </p:tavLst>
+                                    </p:anim>
+                                  </p:childTnLst>
+                                </p:cTn>
+                              </p:par>
+                              <p:par>
+                                <p:cTn id="69" presetID="2" presetClass="entr" presetSubtype="4" fill="hold" grpId="0" nodeType="withEffect">
+                                  <p:stCondLst>
+                                    <p:cond delay="0"/>
+                                  </p:stCondLst>
+                                  <p:childTnLst>
+                                    <p:set>
+                                      <p:cBhvr>
+                                        <p:cTn id="70" dur="1" fill="hold">
+                                          <p:stCondLst>
+                                            <p:cond delay="0"/>
+                                          </p:stCondLst>
+                                        </p:cTn>
+                                        <p:tgtEl>
+                                          <p:spTgt spid="37"/>
+                                        </p:tgtEl>
+                                        <p:attrNameLst>
+                                          <p:attrName>style.visibility</p:attrName>
+                                        </p:attrNameLst>
+                                      </p:cBhvr>
+                                      <p:to>
+                                        <p:strVal val="visible"/>
+                                      </p:to>
+                                    </p:set>
+                                    <p:anim calcmode="lin" valueType="num">
+                                      <p:cBhvr additive="base">
+                                        <p:cTn id="71" dur="500" fill="hold"/>
+                                        <p:tgtEl>
+                                          <p:spTgt spid="37"/>
+                                        </p:tgtEl>
+                                        <p:attrNameLst>
+                                          <p:attrName>ppt_x</p:attrName>
+                                        </p:attrNameLst>
+                                      </p:cBhvr>
+                                      <p:tavLst>
+                                        <p:tav tm="0">
+                                          <p:val>
+                                            <p:strVal val="#ppt_x"/>
+                                          </p:val>
+                                        </p:tav>
+                                        <p:tav tm="100000">
+                                          <p:val>
+                                            <p:strVal val="#ppt_x"/>
+                                          </p:val>
+                                        </p:tav>
+                                      </p:tavLst>
+                                    </p:anim>
+                                    <p:anim calcmode="lin" valueType="num">
+                                      <p:cBhvr additive="base">
+                                        <p:cTn id="72" dur="500" fill="hold"/>
+                                        <p:tgtEl>
+                                          <p:spTgt spid="37"/>
+                                        </p:tgtEl>
+                                        <p:attrNameLst>
+                                          <p:attrName>ppt_y</p:attrName>
+                                        </p:attrNameLst>
+                                      </p:cBhvr>
+                                      <p:tavLst>
+                                        <p:tav tm="0">
+                                          <p:val>
+                                            <p:strVal val="1+#ppt_h/2"/>
+                                          </p:val>
+                                        </p:tav>
+                                        <p:tav tm="100000">
+                                          <p:val>
+                                            <p:strVal val="#ppt_y"/>
+                                          </p:val>
+                                        </p:tav>
+                                      </p:tavLst>
+                                    </p:anim>
+                                  </p:childTnLst>
+                                </p:cTn>
+                              </p:par>
+                            </p:childTnLst>
+                          </p:cTn>
+                        </p:par>
+                      </p:childTnLst>
+                    </p:cTn>
+                  </p:par>
+                  <p:par>
+                    <p:cTn id="73" fill="hold">
+                      <p:stCondLst>
+                        <p:cond delay="indefinite"/>
+                      </p:stCondLst>
+                      <p:childTnLst>
+                        <p:par>
+                          <p:cTn id="74" fill="hold">
+                            <p:stCondLst>
+                              <p:cond delay="0"/>
+                            </p:stCondLst>
+                            <p:childTnLst>
+                              <p:par>
+                                <p:cTn id="75" presetID="2" presetClass="entr" presetSubtype="4" fill="hold" grpId="0" nodeType="clickEffect">
+                                  <p:stCondLst>
+                                    <p:cond delay="0"/>
+                                  </p:stCondLst>
+                                  <p:childTnLst>
+                                    <p:set>
+                                      <p:cBhvr>
+                                        <p:cTn id="76" dur="1" fill="hold">
+                                          <p:stCondLst>
+                                            <p:cond delay="0"/>
+                                          </p:stCondLst>
+                                        </p:cTn>
+                                        <p:tgtEl>
+                                          <p:spTgt spid="22"/>
+                                        </p:tgtEl>
+                                        <p:attrNameLst>
+                                          <p:attrName>style.visibility</p:attrName>
+                                        </p:attrNameLst>
+                                      </p:cBhvr>
+                                      <p:to>
+                                        <p:strVal val="visible"/>
+                                      </p:to>
+                                    </p:set>
+                                    <p:anim calcmode="lin" valueType="num">
+                                      <p:cBhvr additive="base">
+                                        <p:cTn id="77" dur="500" fill="hold"/>
+                                        <p:tgtEl>
+                                          <p:spTgt spid="22"/>
+                                        </p:tgtEl>
+                                        <p:attrNameLst>
+                                          <p:attrName>ppt_x</p:attrName>
+                                        </p:attrNameLst>
+                                      </p:cBhvr>
+                                      <p:tavLst>
+                                        <p:tav tm="0">
+                                          <p:val>
+                                            <p:strVal val="#ppt_x"/>
+                                          </p:val>
+                                        </p:tav>
+                                        <p:tav tm="100000">
+                                          <p:val>
+                                            <p:strVal val="#ppt_x"/>
+                                          </p:val>
+                                        </p:tav>
+                                      </p:tavLst>
+                                    </p:anim>
+                                    <p:anim calcmode="lin" valueType="num">
+                                      <p:cBhvr additive="base">
+                                        <p:cTn id="78" dur="500" fill="hold"/>
+                                        <p:tgtEl>
+                                          <p:spTgt spid="22"/>
+                                        </p:tgtEl>
+                                        <p:attrNameLst>
+                                          <p:attrName>ppt_y</p:attrName>
+                                        </p:attrNameLst>
+                                      </p:cBhvr>
+                                      <p:tavLst>
+                                        <p:tav tm="0">
+                                          <p:val>
+                                            <p:strVal val="1+#ppt_h/2"/>
+                                          </p:val>
+                                        </p:tav>
+                                        <p:tav tm="100000">
+                                          <p:val>
+                                            <p:strVal val="#ppt_y"/>
+                                          </p:val>
+                                        </p:tav>
+                                      </p:tavLst>
+                                    </p:anim>
+                                  </p:childTnLst>
+                                </p:cTn>
+                              </p:par>
+                              <p:par>
+                                <p:cTn id="79" presetID="2" presetClass="entr" presetSubtype="4" fill="hold" nodeType="withEffect">
+                                  <p:stCondLst>
+                                    <p:cond delay="0"/>
+                                  </p:stCondLst>
+                                  <p:childTnLst>
+                                    <p:set>
+                                      <p:cBhvr>
+                                        <p:cTn id="80" dur="1" fill="hold">
+                                          <p:stCondLst>
+                                            <p:cond delay="0"/>
+                                          </p:stCondLst>
+                                        </p:cTn>
+                                        <p:tgtEl>
+                                          <p:spTgt spid="29"/>
+                                        </p:tgtEl>
+                                        <p:attrNameLst>
+                                          <p:attrName>style.visibility</p:attrName>
+                                        </p:attrNameLst>
+                                      </p:cBhvr>
+                                      <p:to>
+                                        <p:strVal val="visible"/>
+                                      </p:to>
+                                    </p:set>
+                                    <p:anim calcmode="lin" valueType="num">
+                                      <p:cBhvr additive="base">
+                                        <p:cTn id="81" dur="500" fill="hold"/>
+                                        <p:tgtEl>
+                                          <p:spTgt spid="29"/>
+                                        </p:tgtEl>
+                                        <p:attrNameLst>
+                                          <p:attrName>ppt_x</p:attrName>
+                                        </p:attrNameLst>
+                                      </p:cBhvr>
+                                      <p:tavLst>
+                                        <p:tav tm="0">
+                                          <p:val>
+                                            <p:strVal val="#ppt_x"/>
+                                          </p:val>
+                                        </p:tav>
+                                        <p:tav tm="100000">
+                                          <p:val>
+                                            <p:strVal val="#ppt_x"/>
+                                          </p:val>
+                                        </p:tav>
+                                      </p:tavLst>
+                                    </p:anim>
+                                    <p:anim calcmode="lin" valueType="num">
+                                      <p:cBhvr additive="base">
+                                        <p:cTn id="82" dur="500" fill="hold"/>
+                                        <p:tgtEl>
+                                          <p:spTgt spid="29"/>
+                                        </p:tgtEl>
+                                        <p:attrNameLst>
+                                          <p:attrName>ppt_y</p:attrName>
+                                        </p:attrNameLst>
+                                      </p:cBhvr>
+                                      <p:tavLst>
+                                        <p:tav tm="0">
+                                          <p:val>
+                                            <p:strVal val="1+#ppt_h/2"/>
+                                          </p:val>
+                                        </p:tav>
+                                        <p:tav tm="100000">
+                                          <p:val>
+                                            <p:strVal val="#ppt_y"/>
+                                          </p:val>
+                                        </p:tav>
+                                      </p:tavLst>
+                                    </p:anim>
+                                  </p:childTnLst>
+                                </p:cTn>
+                              </p:par>
+                              <p:par>
+                                <p:cTn id="83" presetID="2" presetClass="entr" presetSubtype="4" fill="hold" grpId="0" nodeType="withEffect">
+                                  <p:stCondLst>
+                                    <p:cond delay="0"/>
+                                  </p:stCondLst>
+                                  <p:childTnLst>
+                                    <p:set>
+                                      <p:cBhvr>
+                                        <p:cTn id="84" dur="1" fill="hold">
+                                          <p:stCondLst>
+                                            <p:cond delay="0"/>
+                                          </p:stCondLst>
+                                        </p:cTn>
+                                        <p:tgtEl>
+                                          <p:spTgt spid="38"/>
+                                        </p:tgtEl>
+                                        <p:attrNameLst>
+                                          <p:attrName>style.visibility</p:attrName>
+                                        </p:attrNameLst>
+                                      </p:cBhvr>
+                                      <p:to>
+                                        <p:strVal val="visible"/>
+                                      </p:to>
+                                    </p:set>
+                                    <p:anim calcmode="lin" valueType="num">
+                                      <p:cBhvr additive="base">
+                                        <p:cTn id="85" dur="500" fill="hold"/>
+                                        <p:tgtEl>
+                                          <p:spTgt spid="38"/>
+                                        </p:tgtEl>
+                                        <p:attrNameLst>
+                                          <p:attrName>ppt_x</p:attrName>
+                                        </p:attrNameLst>
+                                      </p:cBhvr>
+                                      <p:tavLst>
+                                        <p:tav tm="0">
+                                          <p:val>
+                                            <p:strVal val="#ppt_x"/>
+                                          </p:val>
+                                        </p:tav>
+                                        <p:tav tm="100000">
+                                          <p:val>
+                                            <p:strVal val="#ppt_x"/>
+                                          </p:val>
+                                        </p:tav>
+                                      </p:tavLst>
+                                    </p:anim>
+                                    <p:anim calcmode="lin" valueType="num">
+                                      <p:cBhvr additive="base">
+                                        <p:cTn id="86" dur="500" fill="hold"/>
+                                        <p:tgtEl>
+                                          <p:spTgt spid="38"/>
+                                        </p:tgtEl>
+                                        <p:attrNameLst>
+                                          <p:attrName>ppt_y</p:attrName>
+                                        </p:attrNameLst>
+                                      </p:cBhvr>
+                                      <p:tavLst>
+                                        <p:tav tm="0">
+                                          <p:val>
+                                            <p:strVal val="1+#ppt_h/2"/>
+                                          </p:val>
+                                        </p:tav>
+                                        <p:tav tm="100000">
+                                          <p:val>
+                                            <p:strVal val="#ppt_y"/>
+                                          </p:val>
+                                        </p:tav>
+                                      </p:tavLst>
+                                    </p:anim>
+                                  </p:childTnLst>
+                                </p:cTn>
+                              </p:par>
+                            </p:childTnLst>
+                          </p:cTn>
+                        </p:par>
+                      </p:childTnLst>
+                    </p:cTn>
+                  </p:par>
+                </p:childTnLst>
+              </p:cTn>
+              <p:prevCondLst>
+                <p:cond evt="onPrev" delay="0">
+                  <p:tgtEl>
+                    <p:sldTgt/>
+                  </p:tgtEl>
+                </p:cond>
+              </p:prevCondLst>
+              <p:nextCondLst>
+                <p:cond evt="onNext" delay="0">
+                  <p:tgtEl>
+                    <p:sldTgt/>
+                  </p:tgtEl>
+                </p:cond>
+              </p:nextCondLst>
+            </p:seq>
+          </p:childTnLst>
+        </p:cTn>
+      </p:par>
+    </p:tnLst>
+    <p:bldLst>
+      <p:bldP spid="7" grpId="0" animBg="1"/>
+      <p:bldP spid="9" grpId="0" animBg="1"/>
+      <p:bldP spid="10" grpId="0" animBg="1"/>
+      <p:bldP spid="20" grpId="0" animBg="1"/>
+      <p:bldP spid="21" grpId="0" animBg="1"/>
+      <p:bldP spid="22" grpId="0" animBg="1"/>
+      <p:bldP spid="33" grpId="0"/>
+      <p:bldP spid="34" grpId="0"/>
+      <p:bldP spid="35" grpId="0"/>
+      <p:bldP spid="36" grpId="0"/>
+      <p:bldP spid="37" grpId="0"/>
+      <p:bldP spid="38" grpId="0"/>
+    </p:bldLst>
+  </p:timing>
 </p:sld>
 </file>
 
@@ -8694,12 +11012,7 @@
             <p:ph type="body" sz="quarter" idx="10"/>
           </p:nvPr>
         </p:nvSpPr>
-        <p:spPr>
-          <a:xfrm>
-            <a:off x="0" y="123478"/>
-            <a:ext cx="9144000" cy="576064"/>
-          </a:xfrm>
-        </p:spPr>
+        <p:spPr/>
         <p:txBody>
           <a:bodyPr/>
           <a:lstStyle/>
@@ -8711,73 +11024,6 @@
               </a:rPr>
               <a:t>Demo</a:t>
             </a:r>
-          </a:p>
-        </p:txBody>
-      </p:sp>
-      <p:sp>
-        <p:nvSpPr>
-          <p:cNvPr id="3" name="文字方塊 2"/>
-          <p:cNvSpPr txBox="1"/>
-          <p:nvPr/>
-        </p:nvSpPr>
-        <p:spPr>
-          <a:xfrm>
-            <a:off x="3815916" y="4155926"/>
-            <a:ext cx="1512168" cy="369332"/>
-          </a:xfrm>
-          <a:prstGeom prst="rect">
-            <a:avLst/>
-          </a:prstGeom>
-          <a:noFill/>
-        </p:spPr>
-        <p:txBody>
-          <a:bodyPr wrap="square" rtlCol="0">
-            <a:spAutoFit/>
-          </a:bodyPr>
-          <a:lstStyle/>
-          <a:p>
-            <a:pPr algn="ctr"/>
-            <a:r>
-              <a:rPr lang="en-US" altLang="zh-TW" dirty="0">
-                <a:solidFill>
-                  <a:schemeClr val="bg1"/>
-                </a:solidFill>
-                <a:latin typeface="Malgun Gothic Semilight" panose="020B0502040204020203" pitchFamily="34" charset="-120"/>
-                <a:ea typeface="Malgun Gothic Semilight" panose="020B0502040204020203" pitchFamily="34" charset="-120"/>
-                <a:cs typeface="Malgun Gothic Semilight" panose="020B0502040204020203" pitchFamily="34" charset="-120"/>
-              </a:rPr>
-              <a:t>(</a:t>
-            </a:r>
-            <a:r>
-              <a:rPr lang="zh-TW" altLang="en-US" dirty="0">
-                <a:solidFill>
-                  <a:schemeClr val="bg1"/>
-                </a:solidFill>
-                <a:latin typeface="Malgun Gothic Semilight" panose="020B0502040204020203" pitchFamily="34" charset="-120"/>
-                <a:ea typeface="Malgun Gothic Semilight" panose="020B0502040204020203" pitchFamily="34" charset="-120"/>
-                <a:cs typeface="Malgun Gothic Semilight" panose="020B0502040204020203" pitchFamily="34" charset="-120"/>
-              </a:rPr>
-              <a:t>網站連結</a:t>
-            </a:r>
-            <a:r>
-              <a:rPr lang="en-US" altLang="zh-TW" dirty="0">
-                <a:solidFill>
-                  <a:schemeClr val="bg1"/>
-                </a:solidFill>
-                <a:latin typeface="Malgun Gothic Semilight" panose="020B0502040204020203" pitchFamily="34" charset="-120"/>
-                <a:ea typeface="Malgun Gothic Semilight" panose="020B0502040204020203" pitchFamily="34" charset="-120"/>
-                <a:cs typeface="Malgun Gothic Semilight" panose="020B0502040204020203" pitchFamily="34" charset="-120"/>
-              </a:rPr>
-              <a:t>)</a:t>
-            </a:r>
-            <a:endParaRPr lang="zh-TW" altLang="en-US" dirty="0">
-              <a:solidFill>
-                <a:schemeClr val="bg1"/>
-              </a:solidFill>
-              <a:latin typeface="Malgun Gothic Semilight" panose="020B0502040204020203" pitchFamily="34" charset="-120"/>
-              <a:ea typeface="Malgun Gothic Semilight" panose="020B0502040204020203" pitchFamily="34" charset="-120"/>
-              <a:cs typeface="Malgun Gothic Semilight" panose="020B0502040204020203" pitchFamily="34" charset="-120"/>
-            </a:endParaRPr>
           </a:p>
         </p:txBody>
       </p:sp>
@@ -8796,7 +11042,7 @@
           <p:nvPr/>
         </p:nvPicPr>
         <p:blipFill rotWithShape="1">
-          <a:blip r:embed="rId2">
+          <a:blip r:embed="rId2" cstate="print">
             <a:extLst>
               <a:ext uri="{28A0092B-C50C-407E-A947-70E740481C1C}">
                 <a14:useLocalDpi xmlns:a14="http://schemas.microsoft.com/office/drawing/2010/main" val="0"/>
@@ -8808,8 +11054,8 @@
         </p:blipFill>
         <p:spPr>
           <a:xfrm>
-            <a:off x="2679149" y="699542"/>
-            <a:ext cx="3785701" cy="2022114"/>
+            <a:off x="1134350" y="1002127"/>
+            <a:ext cx="6875300" cy="3672408"/>
           </a:xfrm>
           <a:prstGeom prst="rect">
             <a:avLst/>
@@ -8826,6 +11072,95 @@
   <p:clrMapOvr>
     <a:masterClrMapping/>
   </p:clrMapOvr>
+  <p:transition spd="slow">
+    <p:push dir="u"/>
+  </p:transition>
+  <p:timing>
+    <p:tnLst>
+      <p:par>
+        <p:cTn id="1" dur="indefinite" restart="never" nodeType="tmRoot">
+          <p:childTnLst>
+            <p:seq concurrent="1" nextAc="seek">
+              <p:cTn id="2" dur="indefinite" nodeType="mainSeq">
+                <p:childTnLst>
+                  <p:par>
+                    <p:cTn id="3" fill="hold">
+                      <p:stCondLst>
+                        <p:cond delay="indefinite"/>
+                        <p:cond evt="onBegin" delay="0">
+                          <p:tn val="2"/>
+                        </p:cond>
+                      </p:stCondLst>
+                      <p:childTnLst>
+                        <p:par>
+                          <p:cTn id="4" fill="hold">
+                            <p:stCondLst>
+                              <p:cond delay="0"/>
+                            </p:stCondLst>
+                            <p:childTnLst>
+                              <p:par>
+                                <p:cTn id="5" presetID="6" presetClass="entr" presetSubtype="16" fill="hold" nodeType="afterEffect">
+                                  <p:stCondLst>
+                                    <p:cond delay="0"/>
+                                  </p:stCondLst>
+                                  <p:childTnLst>
+                                    <p:set>
+                                      <p:cBhvr>
+                                        <p:cTn id="6" dur="1" fill="hold">
+                                          <p:stCondLst>
+                                            <p:cond delay="0"/>
+                                          </p:stCondLst>
+                                        </p:cTn>
+                                        <p:tgtEl>
+                                          <p:spTgt spid="6"/>
+                                        </p:tgtEl>
+                                        <p:attrNameLst>
+                                          <p:attrName>style.visibility</p:attrName>
+                                        </p:attrNameLst>
+                                      </p:cBhvr>
+                                      <p:to>
+                                        <p:strVal val="visible"/>
+                                      </p:to>
+                                    </p:set>
+                                    <p:animEffect transition="in" filter="circle(in)">
+                                      <p:cBhvr>
+                                        <p:cTn id="7" dur="2000"/>
+                                        <p:tgtEl>
+                                          <p:spTgt spid="6"/>
+                                        </p:tgtEl>
+                                      </p:cBhvr>
+                                    </p:animEffect>
+                                  </p:childTnLst>
+                                </p:cTn>
+                              </p:par>
+                            </p:childTnLst>
+                          </p:cTn>
+                        </p:par>
+                      </p:childTnLst>
+                    </p:cTn>
+                  </p:par>
+                </p:childTnLst>
+              </p:cTn>
+              <p:prevCondLst>
+                <p:cond evt="onPrev" delay="0">
+                  <p:tgtEl>
+                    <p:sldTgt/>
+                  </p:tgtEl>
+                </p:cond>
+              </p:prevCondLst>
+              <p:nextCondLst>
+                <p:cond evt="onNext" delay="0">
+                  <p:tgtEl>
+                    <p:sldTgt/>
+                  </p:tgtEl>
+                </p:cond>
+              </p:nextCondLst>
+            </p:seq>
+          </p:childTnLst>
+        </p:cTn>
+      </p:par>
+    </p:tnLst>
+  </p:timing>
 </p:sld>
 </file>
 

--- a/final project/Demo.pptx
+++ b/final project/Demo.pptx
@@ -10,9 +10,9 @@
     <p:sldId id="256" r:id="rId4"/>
     <p:sldId id="300" r:id="rId5"/>
     <p:sldId id="301" r:id="rId6"/>
-    <p:sldId id="302" r:id="rId7"/>
-    <p:sldId id="264" r:id="rId8"/>
-    <p:sldId id="265" r:id="rId9"/>
+    <p:sldId id="264" r:id="rId7"/>
+    <p:sldId id="265" r:id="rId8"/>
+    <p:sldId id="302" r:id="rId9"/>
     <p:sldId id="303" r:id="rId10"/>
   </p:sldIdLst>
   <p:sldSz cx="9144000" cy="5143500" type="screen16x9"/>
@@ -7278,608 +7278,6 @@
           <a:chExt cx="0" cy="0"/>
         </a:xfrm>
       </p:grpSpPr>
-      <p:pic>
-        <p:nvPicPr>
-          <p:cNvPr id="15" name="圖片版面配置區 14"/>
-          <p:cNvPicPr>
-            <a:picLocks noGrp="1" noChangeAspect="1"/>
-          </p:cNvPicPr>
-          <p:nvPr>
-            <p:ph type="pic" idx="1"/>
-          </p:nvPr>
-        </p:nvPicPr>
-        <p:blipFill>
-          <a:blip r:embed="rId2" cstate="print">
-            <a:extLst>
-              <a:ext uri="{28A0092B-C50C-407E-A947-70E740481C1C}">
-                <a14:useLocalDpi xmlns:a14="http://schemas.microsoft.com/office/drawing/2010/main" val="0"/>
-              </a:ext>
-            </a:extLst>
-          </a:blip>
-          <a:srcRect/>
-          <a:stretch>
-            <a:fillRect/>
-          </a:stretch>
-        </p:blipFill>
-        <p:spPr>
-          <a:xfrm>
-            <a:off x="755650" y="1203325"/>
-            <a:ext cx="2160588" cy="2160588"/>
-          </a:xfrm>
-        </p:spPr>
-      </p:pic>
-      <p:pic>
-        <p:nvPicPr>
-          <p:cNvPr id="17" name="圖片版面配置區 16"/>
-          <p:cNvPicPr>
-            <a:picLocks noGrp="1" noChangeAspect="1"/>
-          </p:cNvPicPr>
-          <p:nvPr>
-            <p:ph type="pic" idx="10"/>
-          </p:nvPr>
-        </p:nvPicPr>
-        <p:blipFill>
-          <a:blip r:embed="rId3" cstate="print">
-            <a:extLst>
-              <a:ext uri="{28A0092B-C50C-407E-A947-70E740481C1C}">
-                <a14:useLocalDpi xmlns:a14="http://schemas.microsoft.com/office/drawing/2010/main" val="0"/>
-              </a:ext>
-            </a:extLst>
-          </a:blip>
-          <a:srcRect/>
-          <a:stretch>
-            <a:fillRect/>
-          </a:stretch>
-        </p:blipFill>
-        <p:spPr>
-          <a:xfrm>
-            <a:off x="6135688" y="1203325"/>
-            <a:ext cx="2160587" cy="2160588"/>
-          </a:xfrm>
-        </p:spPr>
-      </p:pic>
-      <p:pic>
-        <p:nvPicPr>
-          <p:cNvPr id="16" name="圖片版面配置區 15"/>
-          <p:cNvPicPr>
-            <a:picLocks noGrp="1" noChangeAspect="1"/>
-          </p:cNvPicPr>
-          <p:nvPr>
-            <p:ph type="pic" idx="12"/>
-          </p:nvPr>
-        </p:nvPicPr>
-        <p:blipFill>
-          <a:blip r:embed="rId4">
-            <a:extLst>
-              <a:ext uri="{28A0092B-C50C-407E-A947-70E740481C1C}">
-                <a14:useLocalDpi xmlns:a14="http://schemas.microsoft.com/office/drawing/2010/main" val="0"/>
-              </a:ext>
-            </a:extLst>
-          </a:blip>
-          <a:srcRect/>
-          <a:stretch>
-            <a:fillRect/>
-          </a:stretch>
-        </p:blipFill>
-        <p:spPr>
-          <a:xfrm>
-            <a:off x="3455988" y="1203325"/>
-            <a:ext cx="2160587" cy="2160588"/>
-          </a:xfrm>
-        </p:spPr>
-      </p:pic>
-      <p:sp>
-        <p:nvSpPr>
-          <p:cNvPr id="14" name="文字方塊 13"/>
-          <p:cNvSpPr txBox="1"/>
-          <p:nvPr/>
-        </p:nvSpPr>
-        <p:spPr>
-          <a:xfrm>
-            <a:off x="1835696" y="339502"/>
-            <a:ext cx="5400600" cy="646331"/>
-          </a:xfrm>
-          <a:prstGeom prst="rect">
-            <a:avLst/>
-          </a:prstGeom>
-          <a:noFill/>
-        </p:spPr>
-        <p:txBody>
-          <a:bodyPr wrap="square" rtlCol="0">
-            <a:spAutoFit/>
-          </a:bodyPr>
-          <a:lstStyle/>
-          <a:p>
-            <a:pPr algn="ctr"/>
-            <a:r>
-              <a:rPr lang="zh-TW" altLang="en-US" sz="3600" dirty="0">
-                <a:solidFill>
-                  <a:schemeClr val="bg1"/>
-                </a:solidFill>
-                <a:latin typeface="Malgun Gothic Semilight" panose="020B0502040204020203" pitchFamily="34" charset="-120"/>
-                <a:ea typeface="Malgun Gothic Semilight" panose="020B0502040204020203" pitchFamily="34" charset="-120"/>
-                <a:cs typeface="Malgun Gothic Semilight" panose="020B0502040204020203" pitchFamily="34" charset="-120"/>
-              </a:rPr>
-              <a:t>我們的團隊</a:t>
-            </a:r>
-          </a:p>
-        </p:txBody>
-      </p:sp>
-      <p:sp>
-        <p:nvSpPr>
-          <p:cNvPr id="18" name="文字方塊 17"/>
-          <p:cNvSpPr txBox="1"/>
-          <p:nvPr/>
-        </p:nvSpPr>
-        <p:spPr>
-          <a:xfrm>
-            <a:off x="755650" y="3363913"/>
-            <a:ext cx="2160588" cy="646331"/>
-          </a:xfrm>
-          <a:prstGeom prst="rect">
-            <a:avLst/>
-          </a:prstGeom>
-          <a:solidFill>
-            <a:schemeClr val="bg1"/>
-          </a:solidFill>
-        </p:spPr>
-        <p:txBody>
-          <a:bodyPr wrap="square" rtlCol="0">
-            <a:spAutoFit/>
-          </a:bodyPr>
-          <a:lstStyle/>
-          <a:p>
-            <a:pPr algn="ctr"/>
-            <a:r>
-              <a:rPr lang="zh-TW" altLang="en-US" dirty="0">
-                <a:latin typeface="Malgun Gothic Semilight" panose="020B0502040204020203" pitchFamily="34" charset="-120"/>
-                <a:ea typeface="Malgun Gothic Semilight" panose="020B0502040204020203" pitchFamily="34" charset="-120"/>
-                <a:cs typeface="Malgun Gothic Semilight" panose="020B0502040204020203" pitchFamily="34" charset="-120"/>
-              </a:rPr>
-              <a:t>陳昱誠</a:t>
-            </a:r>
-          </a:p>
-          <a:p>
-            <a:pPr algn="ctr"/>
-            <a:r>
-              <a:rPr lang="zh-TW" altLang="en-US" dirty="0">
-                <a:latin typeface="Malgun Gothic Semilight" panose="020B0502040204020203" pitchFamily="34" charset="-120"/>
-                <a:ea typeface="Malgun Gothic Semilight" panose="020B0502040204020203" pitchFamily="34" charset="-120"/>
-                <a:cs typeface="Malgun Gothic Semilight" panose="020B0502040204020203" pitchFamily="34" charset="-120"/>
-              </a:rPr>
-              <a:t>台大財金所碩二</a:t>
-            </a:r>
-            <a:endParaRPr lang="en-US" altLang="zh-TW" dirty="0">
-              <a:latin typeface="Malgun Gothic Semilight" panose="020B0502040204020203" pitchFamily="34" charset="-120"/>
-              <a:ea typeface="Malgun Gothic Semilight" panose="020B0502040204020203" pitchFamily="34" charset="-120"/>
-              <a:cs typeface="Malgun Gothic Semilight" panose="020B0502040204020203" pitchFamily="34" charset="-120"/>
-            </a:endParaRPr>
-          </a:p>
-        </p:txBody>
-      </p:sp>
-      <p:sp>
-        <p:nvSpPr>
-          <p:cNvPr id="19" name="文字方塊 18"/>
-          <p:cNvSpPr txBox="1"/>
-          <p:nvPr/>
-        </p:nvSpPr>
-        <p:spPr>
-          <a:xfrm>
-            <a:off x="3455987" y="3363912"/>
-            <a:ext cx="2160588" cy="646331"/>
-          </a:xfrm>
-          <a:prstGeom prst="rect">
-            <a:avLst/>
-          </a:prstGeom>
-          <a:solidFill>
-            <a:schemeClr val="bg1"/>
-          </a:solidFill>
-        </p:spPr>
-        <p:txBody>
-          <a:bodyPr wrap="square" rtlCol="0">
-            <a:spAutoFit/>
-          </a:bodyPr>
-          <a:lstStyle/>
-          <a:p>
-            <a:pPr algn="ctr"/>
-            <a:r>
-              <a:rPr lang="zh-TW" altLang="en-US" dirty="0">
-                <a:latin typeface="Malgun Gothic Semilight" panose="020B0502040204020203" pitchFamily="34" charset="-120"/>
-                <a:ea typeface="Malgun Gothic Semilight" panose="020B0502040204020203" pitchFamily="34" charset="-120"/>
-                <a:cs typeface="Malgun Gothic Semilight" panose="020B0502040204020203" pitchFamily="34" charset="-120"/>
-              </a:rPr>
-              <a:t>林昕靜</a:t>
-            </a:r>
-          </a:p>
-          <a:p>
-            <a:pPr algn="ctr"/>
-            <a:r>
-              <a:rPr lang="zh-TW" altLang="en-US" dirty="0">
-                <a:latin typeface="Malgun Gothic Semilight" panose="020B0502040204020203" pitchFamily="34" charset="-120"/>
-                <a:ea typeface="Malgun Gothic Semilight" panose="020B0502040204020203" pitchFamily="34" charset="-120"/>
-                <a:cs typeface="Malgun Gothic Semilight" panose="020B0502040204020203" pitchFamily="34" charset="-120"/>
-              </a:rPr>
-              <a:t>台大財金系大四</a:t>
-            </a:r>
-            <a:endParaRPr lang="en-US" altLang="zh-TW" dirty="0">
-              <a:latin typeface="Malgun Gothic Semilight" panose="020B0502040204020203" pitchFamily="34" charset="-120"/>
-              <a:ea typeface="Malgun Gothic Semilight" panose="020B0502040204020203" pitchFamily="34" charset="-120"/>
-              <a:cs typeface="Malgun Gothic Semilight" panose="020B0502040204020203" pitchFamily="34" charset="-120"/>
-            </a:endParaRPr>
-          </a:p>
-        </p:txBody>
-      </p:sp>
-      <p:sp>
-        <p:nvSpPr>
-          <p:cNvPr id="20" name="文字方塊 19"/>
-          <p:cNvSpPr txBox="1"/>
-          <p:nvPr/>
-        </p:nvSpPr>
-        <p:spPr>
-          <a:xfrm>
-            <a:off x="6135687" y="3363912"/>
-            <a:ext cx="2160588" cy="646331"/>
-          </a:xfrm>
-          <a:prstGeom prst="rect">
-            <a:avLst/>
-          </a:prstGeom>
-          <a:solidFill>
-            <a:schemeClr val="bg1"/>
-          </a:solidFill>
-        </p:spPr>
-        <p:txBody>
-          <a:bodyPr wrap="square" rtlCol="0">
-            <a:spAutoFit/>
-          </a:bodyPr>
-          <a:lstStyle/>
-          <a:p>
-            <a:pPr algn="ctr"/>
-            <a:r>
-              <a:rPr lang="zh-TW" altLang="en-US" dirty="0">
-                <a:latin typeface="Malgun Gothic Semilight" panose="020B0502040204020203" pitchFamily="34" charset="-120"/>
-                <a:ea typeface="Malgun Gothic Semilight" panose="020B0502040204020203" pitchFamily="34" charset="-120"/>
-                <a:cs typeface="Malgun Gothic Semilight" panose="020B0502040204020203" pitchFamily="34" charset="-120"/>
-              </a:rPr>
-              <a:t>許育銘</a:t>
-            </a:r>
-            <a:endParaRPr lang="en-US" altLang="zh-TW" dirty="0">
-              <a:latin typeface="Malgun Gothic Semilight" panose="020B0502040204020203" pitchFamily="34" charset="-120"/>
-              <a:ea typeface="Malgun Gothic Semilight" panose="020B0502040204020203" pitchFamily="34" charset="-120"/>
-              <a:cs typeface="Malgun Gothic Semilight" panose="020B0502040204020203" pitchFamily="34" charset="-120"/>
-            </a:endParaRPr>
-          </a:p>
-          <a:p>
-            <a:pPr algn="ctr"/>
-            <a:r>
-              <a:rPr lang="zh-TW" altLang="en-US" dirty="0">
-                <a:latin typeface="Malgun Gothic Semilight" panose="020B0502040204020203" pitchFamily="34" charset="-120"/>
-                <a:ea typeface="Malgun Gothic Semilight" panose="020B0502040204020203" pitchFamily="34" charset="-120"/>
-                <a:cs typeface="Malgun Gothic Semilight" panose="020B0502040204020203" pitchFamily="34" charset="-120"/>
-              </a:rPr>
-              <a:t>台大資工系大二</a:t>
-            </a:r>
-            <a:endParaRPr lang="en-US" altLang="zh-TW" dirty="0">
-              <a:latin typeface="Malgun Gothic Semilight" panose="020B0502040204020203" pitchFamily="34" charset="-120"/>
-              <a:ea typeface="Malgun Gothic Semilight" panose="020B0502040204020203" pitchFamily="34" charset="-120"/>
-              <a:cs typeface="Malgun Gothic Semilight" panose="020B0502040204020203" pitchFamily="34" charset="-120"/>
-            </a:endParaRPr>
-          </a:p>
-        </p:txBody>
-      </p:sp>
-    </p:spTree>
-    <p:extLst>
-      <p:ext uri="{BB962C8B-B14F-4D97-AF65-F5344CB8AC3E}">
-        <p14:creationId xmlns:p14="http://schemas.microsoft.com/office/powerpoint/2010/main" val="1834173824"/>
-      </p:ext>
-    </p:extLst>
-  </p:cSld>
-  <p:clrMapOvr>
-    <a:masterClrMapping/>
-  </p:clrMapOvr>
-  <p:transition spd="slow">
-    <p:push dir="u"/>
-  </p:transition>
-  <p:timing>
-    <p:tnLst>
-      <p:par>
-        <p:cTn id="1" dur="indefinite" restart="never" nodeType="tmRoot">
-          <p:childTnLst>
-            <p:seq concurrent="1" nextAc="seek">
-              <p:cTn id="2" dur="indefinite" nodeType="mainSeq">
-                <p:childTnLst>
-                  <p:par>
-                    <p:cTn id="3" fill="hold">
-                      <p:stCondLst>
-                        <p:cond delay="indefinite"/>
-                      </p:stCondLst>
-                      <p:childTnLst>
-                        <p:par>
-                          <p:cTn id="4" fill="hold">
-                            <p:stCondLst>
-                              <p:cond delay="0"/>
-                            </p:stCondLst>
-                            <p:childTnLst>
-                              <p:par>
-                                <p:cTn id="5" presetID="10" presetClass="entr" presetSubtype="0" fill="hold" nodeType="clickEffect">
-                                  <p:stCondLst>
-                                    <p:cond delay="0"/>
-                                  </p:stCondLst>
-                                  <p:childTnLst>
-                                    <p:set>
-                                      <p:cBhvr>
-                                        <p:cTn id="6" dur="1" fill="hold">
-                                          <p:stCondLst>
-                                            <p:cond delay="0"/>
-                                          </p:stCondLst>
-                                        </p:cTn>
-                                        <p:tgtEl>
-                                          <p:spTgt spid="15"/>
-                                        </p:tgtEl>
-                                        <p:attrNameLst>
-                                          <p:attrName>style.visibility</p:attrName>
-                                        </p:attrNameLst>
-                                      </p:cBhvr>
-                                      <p:to>
-                                        <p:strVal val="visible"/>
-                                      </p:to>
-                                    </p:set>
-                                    <p:animEffect transition="in" filter="fade">
-                                      <p:cBhvr>
-                                        <p:cTn id="7" dur="500"/>
-                                        <p:tgtEl>
-                                          <p:spTgt spid="15"/>
-                                        </p:tgtEl>
-                                      </p:cBhvr>
-                                    </p:animEffect>
-                                  </p:childTnLst>
-                                </p:cTn>
-                              </p:par>
-                              <p:par>
-                                <p:cTn id="8" presetID="10" presetClass="entr" presetSubtype="0" fill="hold" grpId="0" nodeType="withEffect">
-                                  <p:stCondLst>
-                                    <p:cond delay="0"/>
-                                  </p:stCondLst>
-                                  <p:childTnLst>
-                                    <p:set>
-                                      <p:cBhvr>
-                                        <p:cTn id="9" dur="1" fill="hold">
-                                          <p:stCondLst>
-                                            <p:cond delay="0"/>
-                                          </p:stCondLst>
-                                        </p:cTn>
-                                        <p:tgtEl>
-                                          <p:spTgt spid="18"/>
-                                        </p:tgtEl>
-                                        <p:attrNameLst>
-                                          <p:attrName>style.visibility</p:attrName>
-                                        </p:attrNameLst>
-                                      </p:cBhvr>
-                                      <p:to>
-                                        <p:strVal val="visible"/>
-                                      </p:to>
-                                    </p:set>
-                                    <p:animEffect transition="in" filter="fade">
-                                      <p:cBhvr>
-                                        <p:cTn id="10" dur="500"/>
-                                        <p:tgtEl>
-                                          <p:spTgt spid="18"/>
-                                        </p:tgtEl>
-                                      </p:cBhvr>
-                                    </p:animEffect>
-                                  </p:childTnLst>
-                                </p:cTn>
-                              </p:par>
-                            </p:childTnLst>
-                          </p:cTn>
-                        </p:par>
-                        <p:par>
-                          <p:cTn id="11" fill="hold">
-                            <p:stCondLst>
-                              <p:cond delay="500"/>
-                            </p:stCondLst>
-                            <p:childTnLst>
-                              <p:par>
-                                <p:cTn id="12" presetID="10" presetClass="entr" presetSubtype="0" fill="hold" nodeType="afterEffect">
-                                  <p:stCondLst>
-                                    <p:cond delay="0"/>
-                                  </p:stCondLst>
-                                  <p:childTnLst>
-                                    <p:set>
-                                      <p:cBhvr>
-                                        <p:cTn id="13" dur="1" fill="hold">
-                                          <p:stCondLst>
-                                            <p:cond delay="0"/>
-                                          </p:stCondLst>
-                                        </p:cTn>
-                                        <p:tgtEl>
-                                          <p:spTgt spid="16"/>
-                                        </p:tgtEl>
-                                        <p:attrNameLst>
-                                          <p:attrName>style.visibility</p:attrName>
-                                        </p:attrNameLst>
-                                      </p:cBhvr>
-                                      <p:to>
-                                        <p:strVal val="visible"/>
-                                      </p:to>
-                                    </p:set>
-                                    <p:animEffect transition="in" filter="fade">
-                                      <p:cBhvr>
-                                        <p:cTn id="14" dur="500"/>
-                                        <p:tgtEl>
-                                          <p:spTgt spid="16"/>
-                                        </p:tgtEl>
-                                      </p:cBhvr>
-                                    </p:animEffect>
-                                  </p:childTnLst>
-                                </p:cTn>
-                              </p:par>
-                              <p:par>
-                                <p:cTn id="15" presetID="10" presetClass="entr" presetSubtype="0" fill="hold" grpId="0" nodeType="withEffect">
-                                  <p:stCondLst>
-                                    <p:cond delay="0"/>
-                                  </p:stCondLst>
-                                  <p:childTnLst>
-                                    <p:set>
-                                      <p:cBhvr>
-                                        <p:cTn id="16" dur="1" fill="hold">
-                                          <p:stCondLst>
-                                            <p:cond delay="0"/>
-                                          </p:stCondLst>
-                                        </p:cTn>
-                                        <p:tgtEl>
-                                          <p:spTgt spid="19"/>
-                                        </p:tgtEl>
-                                        <p:attrNameLst>
-                                          <p:attrName>style.visibility</p:attrName>
-                                        </p:attrNameLst>
-                                      </p:cBhvr>
-                                      <p:to>
-                                        <p:strVal val="visible"/>
-                                      </p:to>
-                                    </p:set>
-                                    <p:animEffect transition="in" filter="fade">
-                                      <p:cBhvr>
-                                        <p:cTn id="17" dur="500"/>
-                                        <p:tgtEl>
-                                          <p:spTgt spid="19"/>
-                                        </p:tgtEl>
-                                      </p:cBhvr>
-                                    </p:animEffect>
-                                  </p:childTnLst>
-                                </p:cTn>
-                              </p:par>
-                            </p:childTnLst>
-                          </p:cTn>
-                        </p:par>
-                        <p:par>
-                          <p:cTn id="18" fill="hold">
-                            <p:stCondLst>
-                              <p:cond delay="1000"/>
-                            </p:stCondLst>
-                            <p:childTnLst>
-                              <p:par>
-                                <p:cTn id="19" presetID="10" presetClass="entr" presetSubtype="0" fill="hold" nodeType="afterEffect">
-                                  <p:stCondLst>
-                                    <p:cond delay="0"/>
-                                  </p:stCondLst>
-                                  <p:childTnLst>
-                                    <p:set>
-                                      <p:cBhvr>
-                                        <p:cTn id="20" dur="1" fill="hold">
-                                          <p:stCondLst>
-                                            <p:cond delay="0"/>
-                                          </p:stCondLst>
-                                        </p:cTn>
-                                        <p:tgtEl>
-                                          <p:spTgt spid="17"/>
-                                        </p:tgtEl>
-                                        <p:attrNameLst>
-                                          <p:attrName>style.visibility</p:attrName>
-                                        </p:attrNameLst>
-                                      </p:cBhvr>
-                                      <p:to>
-                                        <p:strVal val="visible"/>
-                                      </p:to>
-                                    </p:set>
-                                    <p:animEffect transition="in" filter="fade">
-                                      <p:cBhvr>
-                                        <p:cTn id="21" dur="500"/>
-                                        <p:tgtEl>
-                                          <p:spTgt spid="17"/>
-                                        </p:tgtEl>
-                                      </p:cBhvr>
-                                    </p:animEffect>
-                                  </p:childTnLst>
-                                </p:cTn>
-                              </p:par>
-                              <p:par>
-                                <p:cTn id="22" presetID="10" presetClass="entr" presetSubtype="0" fill="hold" grpId="0" nodeType="withEffect">
-                                  <p:stCondLst>
-                                    <p:cond delay="0"/>
-                                  </p:stCondLst>
-                                  <p:childTnLst>
-                                    <p:set>
-                                      <p:cBhvr>
-                                        <p:cTn id="23" dur="1" fill="hold">
-                                          <p:stCondLst>
-                                            <p:cond delay="0"/>
-                                          </p:stCondLst>
-                                        </p:cTn>
-                                        <p:tgtEl>
-                                          <p:spTgt spid="20"/>
-                                        </p:tgtEl>
-                                        <p:attrNameLst>
-                                          <p:attrName>style.visibility</p:attrName>
-                                        </p:attrNameLst>
-                                      </p:cBhvr>
-                                      <p:to>
-                                        <p:strVal val="visible"/>
-                                      </p:to>
-                                    </p:set>
-                                    <p:animEffect transition="in" filter="fade">
-                                      <p:cBhvr>
-                                        <p:cTn id="24" dur="500"/>
-                                        <p:tgtEl>
-                                          <p:spTgt spid="20"/>
-                                        </p:tgtEl>
-                                      </p:cBhvr>
-                                    </p:animEffect>
-                                  </p:childTnLst>
-                                </p:cTn>
-                              </p:par>
-                            </p:childTnLst>
-                          </p:cTn>
-                        </p:par>
-                      </p:childTnLst>
-                    </p:cTn>
-                  </p:par>
-                </p:childTnLst>
-              </p:cTn>
-              <p:prevCondLst>
-                <p:cond evt="onPrev" delay="0">
-                  <p:tgtEl>
-                    <p:sldTgt/>
-                  </p:tgtEl>
-                </p:cond>
-              </p:prevCondLst>
-              <p:nextCondLst>
-                <p:cond evt="onNext" delay="0">
-                  <p:tgtEl>
-                    <p:sldTgt/>
-                  </p:tgtEl>
-                </p:cond>
-              </p:nextCondLst>
-            </p:seq>
-          </p:childTnLst>
-        </p:cTn>
-      </p:par>
-    </p:tnLst>
-    <p:bldLst>
-      <p:bldP spid="18" grpId="0" animBg="1"/>
-      <p:bldP spid="19" grpId="0" animBg="1"/>
-      <p:bldP spid="20" grpId="0" animBg="1"/>
-    </p:bldLst>
-  </p:timing>
-</p:sld>
-</file>
-
-<file path=ppt/slides/slide5.xml><?xml version="1.0" encoding="utf-8"?>
-<p:sld xmlns:a="http://schemas.openxmlformats.org/drawingml/2006/main" xmlns:r="http://schemas.openxmlformats.org/officeDocument/2006/relationships" xmlns:p="http://schemas.openxmlformats.org/presentationml/2006/main">
-  <p:cSld>
-    <p:spTree>
-      <p:nvGrpSpPr>
-        <p:cNvPr id="1" name=""/>
-        <p:cNvGrpSpPr/>
-        <p:nvPr/>
-      </p:nvGrpSpPr>
-      <p:grpSpPr>
-        <a:xfrm>
-          <a:off x="0" y="0"/>
-          <a:ext cx="0" cy="0"/>
-          <a:chOff x="0" y="0"/>
-          <a:chExt cx="0" cy="0"/>
-        </a:xfrm>
-      </p:grpSpPr>
       <p:sp>
         <p:nvSpPr>
           <p:cNvPr id="2" name="Text Placeholder 1"/>
@@ -7936,7 +7334,7 @@
 </p:sld>
 </file>
 
-<file path=ppt/slides/slide6.xml><?xml version="1.0" encoding="utf-8"?>
+<file path=ppt/slides/slide5.xml><?xml version="1.0" encoding="utf-8"?>
 <p:sld xmlns:a="http://schemas.openxmlformats.org/drawingml/2006/main" xmlns:r="http://schemas.openxmlformats.org/officeDocument/2006/relationships" xmlns:p="http://schemas.openxmlformats.org/presentationml/2006/main">
   <p:cSld>
     <p:bg>
@@ -10906,6 +10304,608 @@
 </p:sld>
 </file>
 
+<file path=ppt/slides/slide6.xml><?xml version="1.0" encoding="utf-8"?>
+<p:sld xmlns:a="http://schemas.openxmlformats.org/drawingml/2006/main" xmlns:r="http://schemas.openxmlformats.org/officeDocument/2006/relationships" xmlns:p="http://schemas.openxmlformats.org/presentationml/2006/main">
+  <p:cSld>
+    <p:spTree>
+      <p:nvGrpSpPr>
+        <p:cNvPr id="1" name=""/>
+        <p:cNvGrpSpPr/>
+        <p:nvPr/>
+      </p:nvGrpSpPr>
+      <p:grpSpPr>
+        <a:xfrm>
+          <a:off x="0" y="0"/>
+          <a:ext cx="0" cy="0"/>
+          <a:chOff x="0" y="0"/>
+          <a:chExt cx="0" cy="0"/>
+        </a:xfrm>
+      </p:grpSpPr>
+      <p:pic>
+        <p:nvPicPr>
+          <p:cNvPr id="15" name="圖片版面配置區 14"/>
+          <p:cNvPicPr>
+            <a:picLocks noGrp="1" noChangeAspect="1"/>
+          </p:cNvPicPr>
+          <p:nvPr>
+            <p:ph type="pic" idx="1"/>
+          </p:nvPr>
+        </p:nvPicPr>
+        <p:blipFill>
+          <a:blip r:embed="rId2" cstate="print">
+            <a:extLst>
+              <a:ext uri="{28A0092B-C50C-407E-A947-70E740481C1C}">
+                <a14:useLocalDpi xmlns:a14="http://schemas.microsoft.com/office/drawing/2010/main" val="0"/>
+              </a:ext>
+            </a:extLst>
+          </a:blip>
+          <a:srcRect/>
+          <a:stretch>
+            <a:fillRect/>
+          </a:stretch>
+        </p:blipFill>
+        <p:spPr>
+          <a:xfrm>
+            <a:off x="755650" y="1203325"/>
+            <a:ext cx="2160588" cy="2160588"/>
+          </a:xfrm>
+        </p:spPr>
+      </p:pic>
+      <p:pic>
+        <p:nvPicPr>
+          <p:cNvPr id="17" name="圖片版面配置區 16"/>
+          <p:cNvPicPr>
+            <a:picLocks noGrp="1" noChangeAspect="1"/>
+          </p:cNvPicPr>
+          <p:nvPr>
+            <p:ph type="pic" idx="10"/>
+          </p:nvPr>
+        </p:nvPicPr>
+        <p:blipFill>
+          <a:blip r:embed="rId3" cstate="print">
+            <a:extLst>
+              <a:ext uri="{28A0092B-C50C-407E-A947-70E740481C1C}">
+                <a14:useLocalDpi xmlns:a14="http://schemas.microsoft.com/office/drawing/2010/main" val="0"/>
+              </a:ext>
+            </a:extLst>
+          </a:blip>
+          <a:srcRect/>
+          <a:stretch>
+            <a:fillRect/>
+          </a:stretch>
+        </p:blipFill>
+        <p:spPr>
+          <a:xfrm>
+            <a:off x="6135688" y="1203325"/>
+            <a:ext cx="2160587" cy="2160588"/>
+          </a:xfrm>
+        </p:spPr>
+      </p:pic>
+      <p:pic>
+        <p:nvPicPr>
+          <p:cNvPr id="16" name="圖片版面配置區 15"/>
+          <p:cNvPicPr>
+            <a:picLocks noGrp="1" noChangeAspect="1"/>
+          </p:cNvPicPr>
+          <p:nvPr>
+            <p:ph type="pic" idx="12"/>
+          </p:nvPr>
+        </p:nvPicPr>
+        <p:blipFill>
+          <a:blip r:embed="rId4">
+            <a:extLst>
+              <a:ext uri="{28A0092B-C50C-407E-A947-70E740481C1C}">
+                <a14:useLocalDpi xmlns:a14="http://schemas.microsoft.com/office/drawing/2010/main" val="0"/>
+              </a:ext>
+            </a:extLst>
+          </a:blip>
+          <a:srcRect/>
+          <a:stretch>
+            <a:fillRect/>
+          </a:stretch>
+        </p:blipFill>
+        <p:spPr>
+          <a:xfrm>
+            <a:off x="3455988" y="1203325"/>
+            <a:ext cx="2160587" cy="2160588"/>
+          </a:xfrm>
+        </p:spPr>
+      </p:pic>
+      <p:sp>
+        <p:nvSpPr>
+          <p:cNvPr id="14" name="文字方塊 13"/>
+          <p:cNvSpPr txBox="1"/>
+          <p:nvPr/>
+        </p:nvSpPr>
+        <p:spPr>
+          <a:xfrm>
+            <a:off x="1835696" y="339502"/>
+            <a:ext cx="5400600" cy="646331"/>
+          </a:xfrm>
+          <a:prstGeom prst="rect">
+            <a:avLst/>
+          </a:prstGeom>
+          <a:noFill/>
+        </p:spPr>
+        <p:txBody>
+          <a:bodyPr wrap="square" rtlCol="0">
+            <a:spAutoFit/>
+          </a:bodyPr>
+          <a:lstStyle/>
+          <a:p>
+            <a:pPr algn="ctr"/>
+            <a:r>
+              <a:rPr lang="zh-TW" altLang="en-US" sz="3600" dirty="0">
+                <a:solidFill>
+                  <a:schemeClr val="bg1"/>
+                </a:solidFill>
+                <a:latin typeface="Malgun Gothic Semilight" panose="020B0502040204020203" pitchFamily="34" charset="-120"/>
+                <a:ea typeface="Malgun Gothic Semilight" panose="020B0502040204020203" pitchFamily="34" charset="-120"/>
+                <a:cs typeface="Malgun Gothic Semilight" panose="020B0502040204020203" pitchFamily="34" charset="-120"/>
+              </a:rPr>
+              <a:t>我們的團隊</a:t>
+            </a:r>
+          </a:p>
+        </p:txBody>
+      </p:sp>
+      <p:sp>
+        <p:nvSpPr>
+          <p:cNvPr id="18" name="文字方塊 17"/>
+          <p:cNvSpPr txBox="1"/>
+          <p:nvPr/>
+        </p:nvSpPr>
+        <p:spPr>
+          <a:xfrm>
+            <a:off x="755650" y="3363913"/>
+            <a:ext cx="2160588" cy="646331"/>
+          </a:xfrm>
+          <a:prstGeom prst="rect">
+            <a:avLst/>
+          </a:prstGeom>
+          <a:solidFill>
+            <a:schemeClr val="bg1"/>
+          </a:solidFill>
+        </p:spPr>
+        <p:txBody>
+          <a:bodyPr wrap="square" rtlCol="0">
+            <a:spAutoFit/>
+          </a:bodyPr>
+          <a:lstStyle/>
+          <a:p>
+            <a:pPr algn="ctr"/>
+            <a:r>
+              <a:rPr lang="zh-TW" altLang="en-US" dirty="0">
+                <a:latin typeface="Malgun Gothic Semilight" panose="020B0502040204020203" pitchFamily="34" charset="-120"/>
+                <a:ea typeface="Malgun Gothic Semilight" panose="020B0502040204020203" pitchFamily="34" charset="-120"/>
+                <a:cs typeface="Malgun Gothic Semilight" panose="020B0502040204020203" pitchFamily="34" charset="-120"/>
+              </a:rPr>
+              <a:t>陳昱誠</a:t>
+            </a:r>
+          </a:p>
+          <a:p>
+            <a:pPr algn="ctr"/>
+            <a:r>
+              <a:rPr lang="zh-TW" altLang="en-US" dirty="0">
+                <a:latin typeface="Malgun Gothic Semilight" panose="020B0502040204020203" pitchFamily="34" charset="-120"/>
+                <a:ea typeface="Malgun Gothic Semilight" panose="020B0502040204020203" pitchFamily="34" charset="-120"/>
+                <a:cs typeface="Malgun Gothic Semilight" panose="020B0502040204020203" pitchFamily="34" charset="-120"/>
+              </a:rPr>
+              <a:t>台大財金所碩二</a:t>
+            </a:r>
+            <a:endParaRPr lang="en-US" altLang="zh-TW" dirty="0">
+              <a:latin typeface="Malgun Gothic Semilight" panose="020B0502040204020203" pitchFamily="34" charset="-120"/>
+              <a:ea typeface="Malgun Gothic Semilight" panose="020B0502040204020203" pitchFamily="34" charset="-120"/>
+              <a:cs typeface="Malgun Gothic Semilight" panose="020B0502040204020203" pitchFamily="34" charset="-120"/>
+            </a:endParaRPr>
+          </a:p>
+        </p:txBody>
+      </p:sp>
+      <p:sp>
+        <p:nvSpPr>
+          <p:cNvPr id="19" name="文字方塊 18"/>
+          <p:cNvSpPr txBox="1"/>
+          <p:nvPr/>
+        </p:nvSpPr>
+        <p:spPr>
+          <a:xfrm>
+            <a:off x="3455987" y="3363912"/>
+            <a:ext cx="2160588" cy="646331"/>
+          </a:xfrm>
+          <a:prstGeom prst="rect">
+            <a:avLst/>
+          </a:prstGeom>
+          <a:solidFill>
+            <a:schemeClr val="bg1"/>
+          </a:solidFill>
+        </p:spPr>
+        <p:txBody>
+          <a:bodyPr wrap="square" rtlCol="0">
+            <a:spAutoFit/>
+          </a:bodyPr>
+          <a:lstStyle/>
+          <a:p>
+            <a:pPr algn="ctr"/>
+            <a:r>
+              <a:rPr lang="zh-TW" altLang="en-US" dirty="0">
+                <a:latin typeface="Malgun Gothic Semilight" panose="020B0502040204020203" pitchFamily="34" charset="-120"/>
+                <a:ea typeface="Malgun Gothic Semilight" panose="020B0502040204020203" pitchFamily="34" charset="-120"/>
+                <a:cs typeface="Malgun Gothic Semilight" panose="020B0502040204020203" pitchFamily="34" charset="-120"/>
+              </a:rPr>
+              <a:t>林昕靜</a:t>
+            </a:r>
+          </a:p>
+          <a:p>
+            <a:pPr algn="ctr"/>
+            <a:r>
+              <a:rPr lang="zh-TW" altLang="en-US" dirty="0">
+                <a:latin typeface="Malgun Gothic Semilight" panose="020B0502040204020203" pitchFamily="34" charset="-120"/>
+                <a:ea typeface="Malgun Gothic Semilight" panose="020B0502040204020203" pitchFamily="34" charset="-120"/>
+                <a:cs typeface="Malgun Gothic Semilight" panose="020B0502040204020203" pitchFamily="34" charset="-120"/>
+              </a:rPr>
+              <a:t>台大財金系大四</a:t>
+            </a:r>
+            <a:endParaRPr lang="en-US" altLang="zh-TW" dirty="0">
+              <a:latin typeface="Malgun Gothic Semilight" panose="020B0502040204020203" pitchFamily="34" charset="-120"/>
+              <a:ea typeface="Malgun Gothic Semilight" panose="020B0502040204020203" pitchFamily="34" charset="-120"/>
+              <a:cs typeface="Malgun Gothic Semilight" panose="020B0502040204020203" pitchFamily="34" charset="-120"/>
+            </a:endParaRPr>
+          </a:p>
+        </p:txBody>
+      </p:sp>
+      <p:sp>
+        <p:nvSpPr>
+          <p:cNvPr id="20" name="文字方塊 19"/>
+          <p:cNvSpPr txBox="1"/>
+          <p:nvPr/>
+        </p:nvSpPr>
+        <p:spPr>
+          <a:xfrm>
+            <a:off x="6135687" y="3363912"/>
+            <a:ext cx="2160588" cy="646331"/>
+          </a:xfrm>
+          <a:prstGeom prst="rect">
+            <a:avLst/>
+          </a:prstGeom>
+          <a:solidFill>
+            <a:schemeClr val="bg1"/>
+          </a:solidFill>
+        </p:spPr>
+        <p:txBody>
+          <a:bodyPr wrap="square" rtlCol="0">
+            <a:spAutoFit/>
+          </a:bodyPr>
+          <a:lstStyle/>
+          <a:p>
+            <a:pPr algn="ctr"/>
+            <a:r>
+              <a:rPr lang="zh-TW" altLang="en-US" dirty="0">
+                <a:latin typeface="Malgun Gothic Semilight" panose="020B0502040204020203" pitchFamily="34" charset="-120"/>
+                <a:ea typeface="Malgun Gothic Semilight" panose="020B0502040204020203" pitchFamily="34" charset="-120"/>
+                <a:cs typeface="Malgun Gothic Semilight" panose="020B0502040204020203" pitchFamily="34" charset="-120"/>
+              </a:rPr>
+              <a:t>許育銘</a:t>
+            </a:r>
+            <a:endParaRPr lang="en-US" altLang="zh-TW" dirty="0">
+              <a:latin typeface="Malgun Gothic Semilight" panose="020B0502040204020203" pitchFamily="34" charset="-120"/>
+              <a:ea typeface="Malgun Gothic Semilight" panose="020B0502040204020203" pitchFamily="34" charset="-120"/>
+              <a:cs typeface="Malgun Gothic Semilight" panose="020B0502040204020203" pitchFamily="34" charset="-120"/>
+            </a:endParaRPr>
+          </a:p>
+          <a:p>
+            <a:pPr algn="ctr"/>
+            <a:r>
+              <a:rPr lang="zh-TW" altLang="en-US" dirty="0">
+                <a:latin typeface="Malgun Gothic Semilight" panose="020B0502040204020203" pitchFamily="34" charset="-120"/>
+                <a:ea typeface="Malgun Gothic Semilight" panose="020B0502040204020203" pitchFamily="34" charset="-120"/>
+                <a:cs typeface="Malgun Gothic Semilight" panose="020B0502040204020203" pitchFamily="34" charset="-120"/>
+              </a:rPr>
+              <a:t>台大資工系大二</a:t>
+            </a:r>
+            <a:endParaRPr lang="en-US" altLang="zh-TW" dirty="0">
+              <a:latin typeface="Malgun Gothic Semilight" panose="020B0502040204020203" pitchFamily="34" charset="-120"/>
+              <a:ea typeface="Malgun Gothic Semilight" panose="020B0502040204020203" pitchFamily="34" charset="-120"/>
+              <a:cs typeface="Malgun Gothic Semilight" panose="020B0502040204020203" pitchFamily="34" charset="-120"/>
+            </a:endParaRPr>
+          </a:p>
+        </p:txBody>
+      </p:sp>
+    </p:spTree>
+    <p:extLst>
+      <p:ext uri="{BB962C8B-B14F-4D97-AF65-F5344CB8AC3E}">
+        <p14:creationId xmlns:p14="http://schemas.microsoft.com/office/powerpoint/2010/main" val="1834173824"/>
+      </p:ext>
+    </p:extLst>
+  </p:cSld>
+  <p:clrMapOvr>
+    <a:masterClrMapping/>
+  </p:clrMapOvr>
+  <p:transition spd="slow">
+    <p:push dir="u"/>
+  </p:transition>
+  <p:timing>
+    <p:tnLst>
+      <p:par>
+        <p:cTn id="1" dur="indefinite" restart="never" nodeType="tmRoot">
+          <p:childTnLst>
+            <p:seq concurrent="1" nextAc="seek">
+              <p:cTn id="2" dur="indefinite" nodeType="mainSeq">
+                <p:childTnLst>
+                  <p:par>
+                    <p:cTn id="3" fill="hold">
+                      <p:stCondLst>
+                        <p:cond delay="indefinite"/>
+                      </p:stCondLst>
+                      <p:childTnLst>
+                        <p:par>
+                          <p:cTn id="4" fill="hold">
+                            <p:stCondLst>
+                              <p:cond delay="0"/>
+                            </p:stCondLst>
+                            <p:childTnLst>
+                              <p:par>
+                                <p:cTn id="5" presetID="10" presetClass="entr" presetSubtype="0" fill="hold" nodeType="clickEffect">
+                                  <p:stCondLst>
+                                    <p:cond delay="0"/>
+                                  </p:stCondLst>
+                                  <p:childTnLst>
+                                    <p:set>
+                                      <p:cBhvr>
+                                        <p:cTn id="6" dur="1" fill="hold">
+                                          <p:stCondLst>
+                                            <p:cond delay="0"/>
+                                          </p:stCondLst>
+                                        </p:cTn>
+                                        <p:tgtEl>
+                                          <p:spTgt spid="15"/>
+                                        </p:tgtEl>
+                                        <p:attrNameLst>
+                                          <p:attrName>style.visibility</p:attrName>
+                                        </p:attrNameLst>
+                                      </p:cBhvr>
+                                      <p:to>
+                                        <p:strVal val="visible"/>
+                                      </p:to>
+                                    </p:set>
+                                    <p:animEffect transition="in" filter="fade">
+                                      <p:cBhvr>
+                                        <p:cTn id="7" dur="500"/>
+                                        <p:tgtEl>
+                                          <p:spTgt spid="15"/>
+                                        </p:tgtEl>
+                                      </p:cBhvr>
+                                    </p:animEffect>
+                                  </p:childTnLst>
+                                </p:cTn>
+                              </p:par>
+                              <p:par>
+                                <p:cTn id="8" presetID="10" presetClass="entr" presetSubtype="0" fill="hold" grpId="0" nodeType="withEffect">
+                                  <p:stCondLst>
+                                    <p:cond delay="0"/>
+                                  </p:stCondLst>
+                                  <p:childTnLst>
+                                    <p:set>
+                                      <p:cBhvr>
+                                        <p:cTn id="9" dur="1" fill="hold">
+                                          <p:stCondLst>
+                                            <p:cond delay="0"/>
+                                          </p:stCondLst>
+                                        </p:cTn>
+                                        <p:tgtEl>
+                                          <p:spTgt spid="18"/>
+                                        </p:tgtEl>
+                                        <p:attrNameLst>
+                                          <p:attrName>style.visibility</p:attrName>
+                                        </p:attrNameLst>
+                                      </p:cBhvr>
+                                      <p:to>
+                                        <p:strVal val="visible"/>
+                                      </p:to>
+                                    </p:set>
+                                    <p:animEffect transition="in" filter="fade">
+                                      <p:cBhvr>
+                                        <p:cTn id="10" dur="500"/>
+                                        <p:tgtEl>
+                                          <p:spTgt spid="18"/>
+                                        </p:tgtEl>
+                                      </p:cBhvr>
+                                    </p:animEffect>
+                                  </p:childTnLst>
+                                </p:cTn>
+                              </p:par>
+                            </p:childTnLst>
+                          </p:cTn>
+                        </p:par>
+                        <p:par>
+                          <p:cTn id="11" fill="hold">
+                            <p:stCondLst>
+                              <p:cond delay="500"/>
+                            </p:stCondLst>
+                            <p:childTnLst>
+                              <p:par>
+                                <p:cTn id="12" presetID="10" presetClass="entr" presetSubtype="0" fill="hold" nodeType="afterEffect">
+                                  <p:stCondLst>
+                                    <p:cond delay="0"/>
+                                  </p:stCondLst>
+                                  <p:childTnLst>
+                                    <p:set>
+                                      <p:cBhvr>
+                                        <p:cTn id="13" dur="1" fill="hold">
+                                          <p:stCondLst>
+                                            <p:cond delay="0"/>
+                                          </p:stCondLst>
+                                        </p:cTn>
+                                        <p:tgtEl>
+                                          <p:spTgt spid="16"/>
+                                        </p:tgtEl>
+                                        <p:attrNameLst>
+                                          <p:attrName>style.visibility</p:attrName>
+                                        </p:attrNameLst>
+                                      </p:cBhvr>
+                                      <p:to>
+                                        <p:strVal val="visible"/>
+                                      </p:to>
+                                    </p:set>
+                                    <p:animEffect transition="in" filter="fade">
+                                      <p:cBhvr>
+                                        <p:cTn id="14" dur="500"/>
+                                        <p:tgtEl>
+                                          <p:spTgt spid="16"/>
+                                        </p:tgtEl>
+                                      </p:cBhvr>
+                                    </p:animEffect>
+                                  </p:childTnLst>
+                                </p:cTn>
+                              </p:par>
+                              <p:par>
+                                <p:cTn id="15" presetID="10" presetClass="entr" presetSubtype="0" fill="hold" grpId="0" nodeType="withEffect">
+                                  <p:stCondLst>
+                                    <p:cond delay="0"/>
+                                  </p:stCondLst>
+                                  <p:childTnLst>
+                                    <p:set>
+                                      <p:cBhvr>
+                                        <p:cTn id="16" dur="1" fill="hold">
+                                          <p:stCondLst>
+                                            <p:cond delay="0"/>
+                                          </p:stCondLst>
+                                        </p:cTn>
+                                        <p:tgtEl>
+                                          <p:spTgt spid="19"/>
+                                        </p:tgtEl>
+                                        <p:attrNameLst>
+                                          <p:attrName>style.visibility</p:attrName>
+                                        </p:attrNameLst>
+                                      </p:cBhvr>
+                                      <p:to>
+                                        <p:strVal val="visible"/>
+                                      </p:to>
+                                    </p:set>
+                                    <p:animEffect transition="in" filter="fade">
+                                      <p:cBhvr>
+                                        <p:cTn id="17" dur="500"/>
+                                        <p:tgtEl>
+                                          <p:spTgt spid="19"/>
+                                        </p:tgtEl>
+                                      </p:cBhvr>
+                                    </p:animEffect>
+                                  </p:childTnLst>
+                                </p:cTn>
+                              </p:par>
+                            </p:childTnLst>
+                          </p:cTn>
+                        </p:par>
+                        <p:par>
+                          <p:cTn id="18" fill="hold">
+                            <p:stCondLst>
+                              <p:cond delay="1000"/>
+                            </p:stCondLst>
+                            <p:childTnLst>
+                              <p:par>
+                                <p:cTn id="19" presetID="10" presetClass="entr" presetSubtype="0" fill="hold" nodeType="afterEffect">
+                                  <p:stCondLst>
+                                    <p:cond delay="0"/>
+                                  </p:stCondLst>
+                                  <p:childTnLst>
+                                    <p:set>
+                                      <p:cBhvr>
+                                        <p:cTn id="20" dur="1" fill="hold">
+                                          <p:stCondLst>
+                                            <p:cond delay="0"/>
+                                          </p:stCondLst>
+                                        </p:cTn>
+                                        <p:tgtEl>
+                                          <p:spTgt spid="17"/>
+                                        </p:tgtEl>
+                                        <p:attrNameLst>
+                                          <p:attrName>style.visibility</p:attrName>
+                                        </p:attrNameLst>
+                                      </p:cBhvr>
+                                      <p:to>
+                                        <p:strVal val="visible"/>
+                                      </p:to>
+                                    </p:set>
+                                    <p:animEffect transition="in" filter="fade">
+                                      <p:cBhvr>
+                                        <p:cTn id="21" dur="500"/>
+                                        <p:tgtEl>
+                                          <p:spTgt spid="17"/>
+                                        </p:tgtEl>
+                                      </p:cBhvr>
+                                    </p:animEffect>
+                                  </p:childTnLst>
+                                </p:cTn>
+                              </p:par>
+                              <p:par>
+                                <p:cTn id="22" presetID="10" presetClass="entr" presetSubtype="0" fill="hold" grpId="0" nodeType="withEffect">
+                                  <p:stCondLst>
+                                    <p:cond delay="0"/>
+                                  </p:stCondLst>
+                                  <p:childTnLst>
+                                    <p:set>
+                                      <p:cBhvr>
+                                        <p:cTn id="23" dur="1" fill="hold">
+                                          <p:stCondLst>
+                                            <p:cond delay="0"/>
+                                          </p:stCondLst>
+                                        </p:cTn>
+                                        <p:tgtEl>
+                                          <p:spTgt spid="20"/>
+                                        </p:tgtEl>
+                                        <p:attrNameLst>
+                                          <p:attrName>style.visibility</p:attrName>
+                                        </p:attrNameLst>
+                                      </p:cBhvr>
+                                      <p:to>
+                                        <p:strVal val="visible"/>
+                                      </p:to>
+                                    </p:set>
+                                    <p:animEffect transition="in" filter="fade">
+                                      <p:cBhvr>
+                                        <p:cTn id="24" dur="500"/>
+                                        <p:tgtEl>
+                                          <p:spTgt spid="20"/>
+                                        </p:tgtEl>
+                                      </p:cBhvr>
+                                    </p:animEffect>
+                                  </p:childTnLst>
+                                </p:cTn>
+                              </p:par>
+                            </p:childTnLst>
+                          </p:cTn>
+                        </p:par>
+                      </p:childTnLst>
+                    </p:cTn>
+                  </p:par>
+                </p:childTnLst>
+              </p:cTn>
+              <p:prevCondLst>
+                <p:cond evt="onPrev" delay="0">
+                  <p:tgtEl>
+                    <p:sldTgt/>
+                  </p:tgtEl>
+                </p:cond>
+              </p:prevCondLst>
+              <p:nextCondLst>
+                <p:cond evt="onNext" delay="0">
+                  <p:tgtEl>
+                    <p:sldTgt/>
+                  </p:tgtEl>
+                </p:cond>
+              </p:nextCondLst>
+            </p:seq>
+          </p:childTnLst>
+        </p:cTn>
+      </p:par>
+    </p:tnLst>
+    <p:bldLst>
+      <p:bldP spid="18" grpId="0" animBg="1"/>
+      <p:bldP spid="19" grpId="0" animBg="1"/>
+      <p:bldP spid="20" grpId="0" animBg="1"/>
+    </p:bldLst>
+  </p:timing>
+</p:sld>
+</file>
+
 <file path=ppt/slides/slide7.xml><?xml version="1.0" encoding="utf-8"?>
 <p:sld xmlns:a="http://schemas.openxmlformats.org/drawingml/2006/main" xmlns:r="http://schemas.openxmlformats.org/officeDocument/2006/relationships" xmlns:p="http://schemas.openxmlformats.org/presentationml/2006/main">
   <p:cSld>

--- a/final project/Demo.pptx
+++ b/final project/Demo.pptx
@@ -7910,7 +7910,7 @@
                   <a:ea typeface="Malgun Gothic Semilight" panose="020B0502040204020203" pitchFamily="34" charset="-120"/>
                   <a:cs typeface="Malgun Gothic Semilight" panose="020B0502040204020203" pitchFamily="34" charset="-120"/>
                 </a:rPr>
-                <a:t>每周自動爬取最新的周資料，在</a:t>
+                <a:t>每周爬取最新的周資料，在</a:t>
               </a:r>
               <a:r>
                 <a:rPr lang="zh-TW" altLang="en-US" sz="1200" i="1" dirty="0">
@@ -7974,7 +7974,7 @@
                   <a:ea typeface="Malgun Gothic Semilight" panose="020B0502040204020203" pitchFamily="34" charset="-120"/>
                   <a:cs typeface="Malgun Gothic Semilight" panose="020B0502040204020203" pitchFamily="34" charset="-120"/>
                 </a:rPr>
-                <a:t>自動更新資料庫</a:t>
+                <a:t>更新資料庫</a:t>
               </a:r>
               <a:endParaRPr lang="ko-KR" altLang="en-US" sz="1400" b="1" dirty="0">
                 <a:solidFill>
